--- a/C++资料包/高精度算法.pptx
+++ b/C++资料包/高精度算法.pptx
@@ -2,7 +2,7 @@
 <file path=ppt/presentation.xml><?xml version="1.0" encoding="utf-8"?>
 <p:presentation xmlns:a="http://schemas.openxmlformats.org/drawingml/2006/main" xmlns:r="http://schemas.openxmlformats.org/officeDocument/2006/relationships" xmlns:p="http://schemas.openxmlformats.org/presentationml/2006/main" saveSubsetFonts="1">
   <p:sldMasterIdLst>
-    <p:sldMasterId id="2147483648" r:id="rId1"/>
+    <p:sldMasterId id="2147483660" r:id="rId1"/>
   </p:sldMasterIdLst>
   <p:sldIdLst>
     <p:sldId id="256" r:id="rId2"/>
@@ -118,7 +118,7 @@
 </file>
 
 <file path=ppt/slideLayouts/slideLayout1.xml><?xml version="1.0" encoding="utf-8"?>
-<p:sldLayout xmlns:a="http://schemas.openxmlformats.org/drawingml/2006/main" xmlns:r="http://schemas.openxmlformats.org/officeDocument/2006/relationships" xmlns:p="http://schemas.openxmlformats.org/presentationml/2006/main" type="title" preserve="1">
+<p:sldLayout xmlns:a="http://schemas.openxmlformats.org/drawingml/2006/main" xmlns:r="http://schemas.openxmlformats.org/officeDocument/2006/relationships" xmlns:p="http://schemas.openxmlformats.org/presentationml/2006/main" showMasterSp="0" type="title" preserve="1">
   <p:cSld name="标题幻灯片">
     <p:spTree>
       <p:nvGrpSpPr>
@@ -134,15 +134,306 @@
           <a:chExt cx="0" cy="0"/>
         </a:xfrm>
       </p:grpSpPr>
-      <p:sp>
-        <p:nvSpPr>
-          <p:cNvPr id="2" name="标题 1">
+      <p:pic>
+        <p:nvPicPr>
+          <p:cNvPr id="7" name="Picture 6" descr="Brickwork-HD-R1a.jpg"/>
+          <p:cNvPicPr>
+            <a:picLocks noChangeAspect="1"/>
+          </p:cNvPicPr>
+          <p:nvPr/>
+        </p:nvPicPr>
+        <p:blipFill>
+          <a:blip r:embed="rId2">
             <a:extLst>
-              <a:ext uri="{FF2B5EF4-FFF2-40B4-BE49-F238E27FC236}">
-                <a16:creationId xmlns:a16="http://schemas.microsoft.com/office/drawing/2014/main" id="{44A1A894-B479-45F4-881D-FC19A22074EB}"/>
+              <a:ext uri="{28A0092B-C50C-407E-A947-70E740481C1C}">
+                <a14:useLocalDpi xmlns:a14="http://schemas.microsoft.com/office/drawing/2010/main" val="0"/>
               </a:ext>
             </a:extLst>
-          </p:cNvPr>
+          </a:blip>
+          <a:stretch>
+            <a:fillRect/>
+          </a:stretch>
+        </p:blipFill>
+        <p:spPr>
+          <a:xfrm>
+            <a:off x="0" y="0"/>
+            <a:ext cx="12192000" cy="6858000"/>
+          </a:xfrm>
+          <a:prstGeom prst="rect">
+            <a:avLst/>
+          </a:prstGeom>
+        </p:spPr>
+      </p:pic>
+      <p:sp useBgFill="1">
+        <p:nvSpPr>
+          <p:cNvPr id="12" name="Freeform 11"/>
+          <p:cNvSpPr/>
+          <p:nvPr/>
+        </p:nvSpPr>
+        <p:spPr>
+          <a:xfrm>
+            <a:off x="-15875" y="0"/>
+            <a:ext cx="11683810" cy="6588125"/>
+          </a:xfrm>
+          <a:custGeom>
+            <a:avLst/>
+            <a:gdLst/>
+            <a:ahLst/>
+            <a:cxnLst/>
+            <a:rect l="l" t="t" r="r" b="b"/>
+            <a:pathLst>
+              <a:path w="11683810" h="6588125">
+                <a:moveTo>
+                  <a:pt x="0" y="0"/>
+                </a:moveTo>
+                <a:lnTo>
+                  <a:pt x="11318691" y="0"/>
+                </a:lnTo>
+                <a:lnTo>
+                  <a:pt x="11683810" y="5976938"/>
+                </a:lnTo>
+                <a:lnTo>
+                  <a:pt x="15875" y="6588125"/>
+                </a:lnTo>
+                <a:cubicBezTo>
+                  <a:pt x="10583" y="4386792"/>
+                  <a:pt x="5292" y="2185458"/>
+                  <a:pt x="0" y="0"/>
+                </a:cubicBezTo>
+                <a:close/>
+              </a:path>
+            </a:pathLst>
+          </a:custGeom>
+          <a:ln>
+            <a:noFill/>
+          </a:ln>
+          <a:effectLst>
+            <a:outerShdw blurRad="101600" dist="152400" dir="4380000" algn="tl" rotWithShape="0">
+              <a:srgbClr val="000000">
+                <a:alpha val="43000"/>
+              </a:srgbClr>
+            </a:outerShdw>
+          </a:effectLst>
+        </p:spPr>
+        <p:style>
+          <a:lnRef idx="1">
+            <a:schemeClr val="accent1"/>
+          </a:lnRef>
+          <a:fillRef idx="3">
+            <a:schemeClr val="accent1"/>
+          </a:fillRef>
+          <a:effectRef idx="2">
+            <a:schemeClr val="accent1"/>
+          </a:effectRef>
+          <a:fontRef idx="minor">
+            <a:schemeClr val="lt1"/>
+          </a:fontRef>
+        </p:style>
+      </p:sp>
+      <p:sp>
+        <p:nvSpPr>
+          <p:cNvPr id="14" name="Freeform 13"/>
+          <p:cNvSpPr/>
+          <p:nvPr/>
+        </p:nvSpPr>
+        <p:spPr>
+          <a:xfrm>
+            <a:off x="0" y="4282257"/>
+            <a:ext cx="11329257" cy="2028845"/>
+          </a:xfrm>
+          <a:custGeom>
+            <a:avLst/>
+            <a:gdLst/>
+            <a:ahLst/>
+            <a:cxnLst/>
+            <a:rect l="l" t="t" r="r" b="b"/>
+            <a:pathLst>
+              <a:path w="11329257" h="2028845">
+                <a:moveTo>
+                  <a:pt x="0" y="588520"/>
+                </a:moveTo>
+                <a:lnTo>
+                  <a:pt x="11244075" y="0"/>
+                </a:lnTo>
+                <a:lnTo>
+                  <a:pt x="11329257" y="1424838"/>
+                </a:lnTo>
+                <a:lnTo>
+                  <a:pt x="0" y="2028845"/>
+                </a:lnTo>
+                <a:lnTo>
+                  <a:pt x="0" y="588520"/>
+                </a:lnTo>
+                <a:close/>
+              </a:path>
+            </a:pathLst>
+          </a:custGeom>
+          <a:gradFill flip="none" rotWithShape="1">
+            <a:gsLst>
+              <a:gs pos="34000">
+                <a:schemeClr val="accent1"/>
+              </a:gs>
+              <a:gs pos="100000">
+                <a:schemeClr val="accent1">
+                  <a:lumMod val="50000"/>
+                </a:schemeClr>
+              </a:gs>
+            </a:gsLst>
+            <a:path path="circle">
+              <a:fillToRect l="50000" t="50000" r="50000" b="50000"/>
+            </a:path>
+            <a:tileRect/>
+          </a:gradFill>
+          <a:ln>
+            <a:noFill/>
+          </a:ln>
+        </p:spPr>
+        <p:style>
+          <a:lnRef idx="1">
+            <a:schemeClr val="accent1"/>
+          </a:lnRef>
+          <a:fillRef idx="3">
+            <a:schemeClr val="accent1"/>
+          </a:fillRef>
+          <a:effectRef idx="2">
+            <a:schemeClr val="accent1"/>
+          </a:effectRef>
+          <a:fontRef idx="minor">
+            <a:schemeClr val="lt1"/>
+          </a:fontRef>
+        </p:style>
+      </p:sp>
+      <p:sp>
+        <p:nvSpPr>
+          <p:cNvPr id="26" name="Freeform 25"/>
+          <p:cNvSpPr/>
+          <p:nvPr/>
+        </p:nvSpPr>
+        <p:spPr>
+          <a:xfrm>
+            <a:off x="0" y="0"/>
+            <a:ext cx="8719579" cy="456877"/>
+          </a:xfrm>
+          <a:custGeom>
+            <a:avLst/>
+            <a:gdLst/>
+            <a:ahLst/>
+            <a:cxnLst/>
+            <a:rect l="l" t="t" r="r" b="b"/>
+            <a:pathLst>
+              <a:path w="8719579" h="456877">
+                <a:moveTo>
+                  <a:pt x="0" y="0"/>
+                </a:moveTo>
+                <a:lnTo>
+                  <a:pt x="8719579" y="0"/>
+                </a:lnTo>
+                <a:lnTo>
+                  <a:pt x="0" y="456877"/>
+                </a:lnTo>
+                <a:lnTo>
+                  <a:pt x="0" y="0"/>
+                </a:lnTo>
+                <a:close/>
+              </a:path>
+            </a:pathLst>
+          </a:custGeom>
+          <a:gradFill flip="none" rotWithShape="1">
+            <a:gsLst>
+              <a:gs pos="34000">
+                <a:schemeClr val="accent1"/>
+              </a:gs>
+              <a:gs pos="100000">
+                <a:schemeClr val="accent1">
+                  <a:lumMod val="50000"/>
+                </a:schemeClr>
+              </a:gs>
+            </a:gsLst>
+            <a:path path="circle">
+              <a:fillToRect l="50000" t="50000" r="50000" b="50000"/>
+            </a:path>
+            <a:tileRect/>
+          </a:gradFill>
+          <a:ln>
+            <a:noFill/>
+          </a:ln>
+        </p:spPr>
+        <p:style>
+          <a:lnRef idx="1">
+            <a:schemeClr val="accent1"/>
+          </a:lnRef>
+          <a:fillRef idx="3">
+            <a:schemeClr val="accent1"/>
+          </a:fillRef>
+          <a:effectRef idx="2">
+            <a:schemeClr val="accent1"/>
+          </a:effectRef>
+          <a:fontRef idx="minor">
+            <a:schemeClr val="lt1"/>
+          </a:fontRef>
+        </p:style>
+      </p:sp>
+      <p:sp>
+        <p:nvSpPr>
+          <p:cNvPr id="15" name="Freeform 14"/>
+          <p:cNvSpPr/>
+          <p:nvPr/>
+        </p:nvSpPr>
+        <p:spPr>
+          <a:xfrm rot="21420000">
+            <a:off x="-161800" y="293317"/>
+            <a:ext cx="11367116" cy="5751804"/>
+          </a:xfrm>
+          <a:custGeom>
+            <a:avLst/>
+            <a:gdLst/>
+            <a:ahLst/>
+            <a:cxnLst/>
+            <a:rect l="l" t="t" r="r" b="b"/>
+            <a:pathLst>
+              <a:path w="11367116" h="5751804">
+                <a:moveTo>
+                  <a:pt x="11346705" y="0"/>
+                </a:moveTo>
+                <a:cubicBezTo>
+                  <a:pt x="11353509" y="1915114"/>
+                  <a:pt x="11360312" y="3830229"/>
+                  <a:pt x="11367116" y="5745343"/>
+                </a:cubicBezTo>
+                <a:lnTo>
+                  <a:pt x="0" y="5751804"/>
+                </a:lnTo>
+              </a:path>
+            </a:pathLst>
+          </a:custGeom>
+          <a:ln w="82550">
+            <a:solidFill>
+              <a:schemeClr val="tx1">
+                <a:lumMod val="50000"/>
+                <a:lumOff val="50000"/>
+              </a:schemeClr>
+            </a:solidFill>
+            <a:miter lim="800000"/>
+          </a:ln>
+        </p:spPr>
+        <p:style>
+          <a:lnRef idx="2">
+            <a:schemeClr val="accent1"/>
+          </a:lnRef>
+          <a:fillRef idx="0">
+            <a:schemeClr val="accent1"/>
+          </a:fillRef>
+          <a:effectRef idx="1">
+            <a:schemeClr val="accent1"/>
+          </a:effectRef>
+          <a:fontRef idx="minor">
+            <a:schemeClr val="tx1"/>
+          </a:fontRef>
+        </p:style>
+      </p:sp>
+      <p:sp>
+        <p:nvSpPr>
+          <p:cNvPr id="2" name="Title 1"/>
           <p:cNvSpPr>
             <a:spLocks noGrp="1"/>
           </p:cNvSpPr>
@@ -151,16 +442,18 @@
           </p:nvPr>
         </p:nvSpPr>
         <p:spPr>
-          <a:xfrm>
-            <a:off x="1524000" y="1122363"/>
-            <a:ext cx="9144000" cy="2387600"/>
-          </a:xfrm>
-        </p:spPr>
-        <p:txBody>
-          <a:bodyPr anchor="b"/>
+          <a:xfrm rot="21420000">
+            <a:off x="891201" y="662656"/>
+            <a:ext cx="9755187" cy="2766528"/>
+          </a:xfrm>
+        </p:spPr>
+        <p:txBody>
+          <a:bodyPr anchor="b">
+            <a:normAutofit/>
+          </a:bodyPr>
           <a:lstStyle>
-            <a:lvl1pPr algn="ctr">
-              <a:defRPr sz="6000"/>
+            <a:lvl1pPr algn="r">
+              <a:defRPr sz="8000"/>
             </a:lvl1pPr>
           </a:lstStyle>
           <a:p>
@@ -168,18 +461,13 @@
               <a:rPr lang="zh-CN" altLang="en-US"/>
               <a:t>单击此处编辑母版标题样式</a:t>
             </a:r>
-          </a:p>
-        </p:txBody>
-      </p:sp>
-      <p:sp>
-        <p:nvSpPr>
-          <p:cNvPr id="3" name="副标题 2">
-            <a:extLst>
-              <a:ext uri="{FF2B5EF4-FFF2-40B4-BE49-F238E27FC236}">
-                <a16:creationId xmlns:a16="http://schemas.microsoft.com/office/drawing/2014/main" id="{CA9B5D67-30E8-41C7-8EBE-9F0F9559E4FD}"/>
-              </a:ext>
-            </a:extLst>
-          </p:cNvPr>
+            <a:endParaRPr lang="en-US" dirty="0"/>
+          </a:p>
+        </p:txBody>
+      </p:sp>
+      <p:sp>
+        <p:nvSpPr>
+          <p:cNvPr id="3" name="Subtitle 2"/>
           <p:cNvSpPr>
             <a:spLocks noGrp="1"/>
           </p:cNvSpPr>
@@ -188,17 +476,25 @@
           </p:nvPr>
         </p:nvSpPr>
         <p:spPr>
-          <a:xfrm>
-            <a:off x="1524000" y="3602038"/>
-            <a:ext cx="9144000" cy="1655762"/>
-          </a:xfrm>
-        </p:spPr>
-        <p:txBody>
-          <a:bodyPr/>
+          <a:xfrm rot="21420000">
+            <a:off x="983062" y="3505209"/>
+            <a:ext cx="9755187" cy="550333"/>
+          </a:xfrm>
+        </p:spPr>
+        <p:txBody>
+          <a:bodyPr anchor="t">
+            <a:noAutofit/>
+          </a:bodyPr>
           <a:lstStyle>
-            <a:lvl1pPr marL="0" indent="0" algn="ctr">
-              <a:buNone/>
-              <a:defRPr sz="2400"/>
+            <a:lvl1pPr marL="0" indent="0" algn="r">
+              <a:buNone/>
+              <a:defRPr sz="2800">
+                <a:solidFill>
+                  <a:schemeClr val="bg1">
+                    <a:lumMod val="50000"/>
+                  </a:schemeClr>
+                </a:solidFill>
+              </a:defRPr>
             </a:lvl1pPr>
             <a:lvl2pPr marL="457200" indent="0" algn="ctr">
               <a:buNone/>
@@ -236,20 +532,15 @@
           <a:p>
             <a:r>
               <a:rPr lang="zh-CN" altLang="en-US"/>
-              <a:t>单击此处编辑母版副标题样式</a:t>
-            </a:r>
-          </a:p>
-        </p:txBody>
-      </p:sp>
-      <p:sp>
-        <p:nvSpPr>
-          <p:cNvPr id="4" name="日期占位符 3">
-            <a:extLst>
-              <a:ext uri="{FF2B5EF4-FFF2-40B4-BE49-F238E27FC236}">
-                <a16:creationId xmlns:a16="http://schemas.microsoft.com/office/drawing/2014/main" id="{0127D2CC-31DC-4B0E-A353-F2C667142386}"/>
-              </a:ext>
-            </a:extLst>
-          </p:cNvPr>
+              <a:t>单击以编辑母版副标题样式</a:t>
+            </a:r>
+            <a:endParaRPr lang="en-US" dirty="0"/>
+          </a:p>
+        </p:txBody>
+      </p:sp>
+      <p:sp>
+        <p:nvSpPr>
+          <p:cNvPr id="4" name="Date Placeholder 3"/>
           <p:cNvSpPr>
             <a:spLocks noGrp="1"/>
           </p:cNvSpPr>
@@ -257,14 +548,29 @@
             <p:ph type="dt" sz="half" idx="10"/>
           </p:nvPr>
         </p:nvSpPr>
-        <p:spPr/>
+        <p:spPr>
+          <a:xfrm rot="21420000">
+            <a:off x="4948541" y="4578463"/>
+            <a:ext cx="6143653" cy="1163112"/>
+          </a:xfrm>
+        </p:spPr>
         <p:txBody>
           <a:bodyPr/>
-          <a:lstStyle/>
+          <a:lstStyle>
+            <a:lvl1pPr algn="ctr">
+              <a:defRPr sz="5400">
+                <a:solidFill>
+                  <a:schemeClr val="accent1">
+                    <a:lumMod val="50000"/>
+                  </a:schemeClr>
+                </a:solidFill>
+              </a:defRPr>
+            </a:lvl1pPr>
+          </a:lstStyle>
           <a:p>
             <a:fld id="{B2F6F192-370A-4D37-9AD9-321C39A6B65E}" type="datetimeFigureOut">
               <a:rPr lang="zh-CN" altLang="en-US" smtClean="0"/>
-              <a:t>2020/2/15</a:t>
+              <a:t>2020/2/16</a:t>
             </a:fld>
             <a:endParaRPr lang="zh-CN" altLang="en-US"/>
           </a:p>
@@ -272,13 +578,7 @@
       </p:sp>
       <p:sp>
         <p:nvSpPr>
-          <p:cNvPr id="5" name="页脚占位符 4">
-            <a:extLst>
-              <a:ext uri="{FF2B5EF4-FFF2-40B4-BE49-F238E27FC236}">
-                <a16:creationId xmlns:a16="http://schemas.microsoft.com/office/drawing/2014/main" id="{15E48821-6A7C-40EC-B993-C427FB770382}"/>
-              </a:ext>
-            </a:extLst>
-          </p:cNvPr>
+          <p:cNvPr id="5" name="Footer Placeholder 4"/>
           <p:cNvSpPr>
             <a:spLocks noGrp="1"/>
           </p:cNvSpPr>
@@ -286,35 +586,54 @@
             <p:ph type="ftr" sz="quarter" idx="11"/>
           </p:nvPr>
         </p:nvSpPr>
-        <p:spPr/>
+        <p:spPr>
+          <a:xfrm rot="21420000">
+            <a:off x="-5560" y="4883024"/>
+            <a:ext cx="4047239" cy="1195538"/>
+          </a:xfrm>
+        </p:spPr>
+        <p:txBody>
+          <a:bodyPr vert="horz" lIns="91440" tIns="45720" rIns="91440" bIns="45720" rtlCol="0" anchor="ctr"/>
+          <a:lstStyle>
+            <a:lvl1pPr algn="r">
+              <a:defRPr lang="en-US" sz="5400" dirty="0"/>
+            </a:lvl1pPr>
+          </a:lstStyle>
+          <a:p>
+            <a:endParaRPr lang="zh-CN" altLang="en-US"/>
+          </a:p>
+        </p:txBody>
+      </p:sp>
+      <p:sp>
+        <p:nvSpPr>
+          <p:cNvPr id="6" name="Slide Number Placeholder 5"/>
+          <p:cNvSpPr>
+            <a:spLocks noGrp="1"/>
+          </p:cNvSpPr>
+          <p:nvPr>
+            <p:ph type="sldNum" sz="quarter" idx="12"/>
+          </p:nvPr>
+        </p:nvSpPr>
+        <p:spPr>
+          <a:xfrm rot="21420000">
+            <a:off x="9851758" y="3832648"/>
+            <a:ext cx="907186" cy="498470"/>
+          </a:xfrm>
+        </p:spPr>
         <p:txBody>
           <a:bodyPr/>
-          <a:lstStyle/>
-          <a:p>
-            <a:endParaRPr lang="zh-CN" altLang="en-US"/>
-          </a:p>
-        </p:txBody>
-      </p:sp>
-      <p:sp>
-        <p:nvSpPr>
-          <p:cNvPr id="6" name="灯片编号占位符 5">
-            <a:extLst>
-              <a:ext uri="{FF2B5EF4-FFF2-40B4-BE49-F238E27FC236}">
-                <a16:creationId xmlns:a16="http://schemas.microsoft.com/office/drawing/2014/main" id="{00B13C4D-CB05-45AE-87CD-61A0673993A3}"/>
-              </a:ext>
-            </a:extLst>
-          </p:cNvPr>
-          <p:cNvSpPr>
-            <a:spLocks noGrp="1"/>
-          </p:cNvSpPr>
-          <p:nvPr>
-            <p:ph type="sldNum" sz="quarter" idx="12"/>
-          </p:nvPr>
-        </p:nvSpPr>
-        <p:spPr/>
-        <p:txBody>
-          <a:bodyPr/>
-          <a:lstStyle/>
+          <a:lstStyle>
+            <a:lvl1pPr>
+              <a:defRPr sz="2400">
+                <a:solidFill>
+                  <a:schemeClr val="tx1">
+                    <a:lumMod val="75000"/>
+                    <a:lumOff val="25000"/>
+                  </a:schemeClr>
+                </a:solidFill>
+              </a:defRPr>
+            </a:lvl1pPr>
+          </a:lstStyle>
           <a:p>
             <a:fld id="{E16CDB55-A21E-4331-9552-336F94895D9C}" type="slidenum">
               <a:rPr lang="zh-CN" altLang="en-US" smtClean="0"/>
@@ -324,10 +643,52 @@
           </a:p>
         </p:txBody>
       </p:sp>
+      <p:sp>
+        <p:nvSpPr>
+          <p:cNvPr id="25" name="5-Point Star 24"/>
+          <p:cNvSpPr/>
+          <p:nvPr/>
+        </p:nvSpPr>
+        <p:spPr>
+          <a:xfrm rot="21420000">
+            <a:off x="4221385" y="5111356"/>
+            <a:ext cx="515386" cy="515386"/>
+          </a:xfrm>
+          <a:prstGeom prst="star5">
+            <a:avLst>
+              <a:gd name="adj" fmla="val 26693"/>
+              <a:gd name="hf" fmla="val 105146"/>
+              <a:gd name="vf" fmla="val 110557"/>
+            </a:avLst>
+          </a:prstGeom>
+          <a:solidFill>
+            <a:schemeClr val="tx1">
+              <a:alpha val="40000"/>
+            </a:schemeClr>
+          </a:solidFill>
+          <a:ln>
+            <a:noFill/>
+          </a:ln>
+        </p:spPr>
+        <p:style>
+          <a:lnRef idx="1">
+            <a:schemeClr val="accent1"/>
+          </a:lnRef>
+          <a:fillRef idx="3">
+            <a:schemeClr val="accent1"/>
+          </a:fillRef>
+          <a:effectRef idx="2">
+            <a:schemeClr val="accent1"/>
+          </a:effectRef>
+          <a:fontRef idx="minor">
+            <a:schemeClr val="lt1"/>
+          </a:fontRef>
+        </p:style>
+      </p:sp>
     </p:spTree>
     <p:extLst>
       <p:ext uri="{BB962C8B-B14F-4D97-AF65-F5344CB8AC3E}">
-        <p14:creationId xmlns:p14="http://schemas.microsoft.com/office/powerpoint/2010/main" val="3421707841"/>
+        <p14:creationId xmlns:p14="http://schemas.microsoft.com/office/powerpoint/2010/main" val="587366110"/>
       </p:ext>
     </p:extLst>
   </p:cSld>
@@ -338,6 +699,2505 @@
 </file>
 
 <file path=ppt/slideLayouts/slideLayout10.xml><?xml version="1.0" encoding="utf-8"?>
+<p:sldLayout xmlns:a="http://schemas.openxmlformats.org/drawingml/2006/main" xmlns:r="http://schemas.openxmlformats.org/officeDocument/2006/relationships" xmlns:p="http://schemas.openxmlformats.org/presentationml/2006/main" preserve="1">
+  <p:cSld name="带描述的全景图片">
+    <p:spTree>
+      <p:nvGrpSpPr>
+        <p:cNvPr id="1" name=""/>
+        <p:cNvGrpSpPr/>
+        <p:nvPr/>
+      </p:nvGrpSpPr>
+      <p:grpSpPr>
+        <a:xfrm>
+          <a:off x="0" y="0"/>
+          <a:ext cx="0" cy="0"/>
+          <a:chOff x="0" y="0"/>
+          <a:chExt cx="0" cy="0"/>
+        </a:xfrm>
+      </p:grpSpPr>
+      <p:sp>
+        <p:nvSpPr>
+          <p:cNvPr id="2" name="Title 1"/>
+          <p:cNvSpPr>
+            <a:spLocks noGrp="1"/>
+          </p:cNvSpPr>
+          <p:nvPr>
+            <p:ph type="title"/>
+          </p:nvPr>
+        </p:nvSpPr>
+        <p:spPr>
+          <a:xfrm>
+            <a:off x="685800" y="4106333"/>
+            <a:ext cx="10394708" cy="588846"/>
+          </a:xfrm>
+        </p:spPr>
+        <p:txBody>
+          <a:bodyPr anchor="b"/>
+          <a:lstStyle>
+            <a:lvl1pPr>
+              <a:defRPr sz="3200"/>
+            </a:lvl1pPr>
+          </a:lstStyle>
+          <a:p>
+            <a:r>
+              <a:rPr lang="zh-CN" altLang="en-US"/>
+              <a:t>单击此处编辑母版标题样式</a:t>
+            </a:r>
+            <a:endParaRPr lang="en-US" dirty="0"/>
+          </a:p>
+        </p:txBody>
+      </p:sp>
+      <p:sp>
+        <p:nvSpPr>
+          <p:cNvPr id="3" name="Picture Placeholder 2"/>
+          <p:cNvSpPr>
+            <a:spLocks noGrp="1" noChangeAspect="1"/>
+          </p:cNvSpPr>
+          <p:nvPr>
+            <p:ph type="pic" idx="1"/>
+          </p:nvPr>
+        </p:nvSpPr>
+        <p:spPr>
+          <a:xfrm>
+            <a:off x="685801" y="685799"/>
+            <a:ext cx="10392513" cy="3194903"/>
+          </a:xfrm>
+          <a:ln w="57150" cmpd="thinThick">
+            <a:solidFill>
+              <a:schemeClr val="bg1">
+                <a:lumMod val="50000"/>
+              </a:schemeClr>
+            </a:solidFill>
+            <a:miter lim="800000"/>
+          </a:ln>
+        </p:spPr>
+        <p:txBody>
+          <a:bodyPr anchor="t"/>
+          <a:lstStyle>
+            <a:lvl1pPr marL="0" indent="0" algn="ctr">
+              <a:buNone/>
+              <a:defRPr sz="3200"/>
+            </a:lvl1pPr>
+            <a:lvl2pPr marL="457200" indent="0">
+              <a:buNone/>
+              <a:defRPr sz="2800"/>
+            </a:lvl2pPr>
+            <a:lvl3pPr marL="914400" indent="0">
+              <a:buNone/>
+              <a:defRPr sz="2400"/>
+            </a:lvl3pPr>
+            <a:lvl4pPr marL="1371600" indent="0">
+              <a:buNone/>
+              <a:defRPr sz="2000"/>
+            </a:lvl4pPr>
+            <a:lvl5pPr marL="1828800" indent="0">
+              <a:buNone/>
+              <a:defRPr sz="2000"/>
+            </a:lvl5pPr>
+            <a:lvl6pPr marL="2286000" indent="0">
+              <a:buNone/>
+              <a:defRPr sz="2000"/>
+            </a:lvl6pPr>
+            <a:lvl7pPr marL="2743200" indent="0">
+              <a:buNone/>
+              <a:defRPr sz="2000"/>
+            </a:lvl7pPr>
+            <a:lvl8pPr marL="3200400" indent="0">
+              <a:buNone/>
+              <a:defRPr sz="2000"/>
+            </a:lvl8pPr>
+            <a:lvl9pPr marL="3657600" indent="0">
+              <a:buNone/>
+              <a:defRPr sz="2000"/>
+            </a:lvl9pPr>
+          </a:lstStyle>
+          <a:p>
+            <a:r>
+              <a:rPr lang="zh-CN" altLang="en-US"/>
+              <a:t>单击图标添加图片</a:t>
+            </a:r>
+            <a:endParaRPr lang="en-US" dirty="0"/>
+          </a:p>
+        </p:txBody>
+      </p:sp>
+      <p:sp>
+        <p:nvSpPr>
+          <p:cNvPr id="4" name="Text Placeholder 3"/>
+          <p:cNvSpPr>
+            <a:spLocks noGrp="1"/>
+          </p:cNvSpPr>
+          <p:nvPr>
+            <p:ph type="body" sz="half" idx="2"/>
+          </p:nvPr>
+        </p:nvSpPr>
+        <p:spPr>
+          <a:xfrm>
+            <a:off x="685780" y="4702923"/>
+            <a:ext cx="10394728" cy="682472"/>
+          </a:xfrm>
+        </p:spPr>
+        <p:txBody>
+          <a:bodyPr anchor="t"/>
+          <a:lstStyle>
+            <a:lvl1pPr marL="0" indent="0" algn="l">
+              <a:buNone/>
+              <a:defRPr sz="1600"/>
+            </a:lvl1pPr>
+            <a:lvl2pPr marL="457200" indent="0">
+              <a:buNone/>
+              <a:defRPr sz="1400"/>
+            </a:lvl2pPr>
+            <a:lvl3pPr marL="914400" indent="0">
+              <a:buNone/>
+              <a:defRPr sz="1200"/>
+            </a:lvl3pPr>
+            <a:lvl4pPr marL="1371600" indent="0">
+              <a:buNone/>
+              <a:defRPr sz="1000"/>
+            </a:lvl4pPr>
+            <a:lvl5pPr marL="1828800" indent="0">
+              <a:buNone/>
+              <a:defRPr sz="1000"/>
+            </a:lvl5pPr>
+            <a:lvl6pPr marL="2286000" indent="0">
+              <a:buNone/>
+              <a:defRPr sz="1000"/>
+            </a:lvl6pPr>
+            <a:lvl7pPr marL="2743200" indent="0">
+              <a:buNone/>
+              <a:defRPr sz="1000"/>
+            </a:lvl7pPr>
+            <a:lvl8pPr marL="3200400" indent="0">
+              <a:buNone/>
+              <a:defRPr sz="1000"/>
+            </a:lvl8pPr>
+            <a:lvl9pPr marL="3657600" indent="0">
+              <a:buNone/>
+              <a:defRPr sz="1000"/>
+            </a:lvl9pPr>
+          </a:lstStyle>
+          <a:p>
+            <a:pPr lvl="0"/>
+            <a:r>
+              <a:rPr lang="zh-CN" altLang="en-US"/>
+              <a:t>编辑母版文本样式</a:t>
+            </a:r>
+          </a:p>
+        </p:txBody>
+      </p:sp>
+      <p:sp>
+        <p:nvSpPr>
+          <p:cNvPr id="5" name="Date Placeholder 4"/>
+          <p:cNvSpPr>
+            <a:spLocks noGrp="1"/>
+          </p:cNvSpPr>
+          <p:nvPr>
+            <p:ph type="dt" sz="half" idx="10"/>
+          </p:nvPr>
+        </p:nvSpPr>
+        <p:spPr/>
+        <p:txBody>
+          <a:bodyPr/>
+          <a:lstStyle/>
+          <a:p>
+            <a:fld id="{B2F6F192-370A-4D37-9AD9-321C39A6B65E}" type="datetimeFigureOut">
+              <a:rPr lang="zh-CN" altLang="en-US" smtClean="0"/>
+              <a:t>2020/2/16</a:t>
+            </a:fld>
+            <a:endParaRPr lang="zh-CN" altLang="en-US"/>
+          </a:p>
+        </p:txBody>
+      </p:sp>
+      <p:sp>
+        <p:nvSpPr>
+          <p:cNvPr id="6" name="Footer Placeholder 5"/>
+          <p:cNvSpPr>
+            <a:spLocks noGrp="1"/>
+          </p:cNvSpPr>
+          <p:nvPr>
+            <p:ph type="ftr" sz="quarter" idx="11"/>
+          </p:nvPr>
+        </p:nvSpPr>
+        <p:spPr/>
+        <p:txBody>
+          <a:bodyPr/>
+          <a:lstStyle/>
+          <a:p>
+            <a:endParaRPr lang="zh-CN" altLang="en-US"/>
+          </a:p>
+        </p:txBody>
+      </p:sp>
+      <p:sp>
+        <p:nvSpPr>
+          <p:cNvPr id="7" name="Slide Number Placeholder 6"/>
+          <p:cNvSpPr>
+            <a:spLocks noGrp="1"/>
+          </p:cNvSpPr>
+          <p:nvPr>
+            <p:ph type="sldNum" sz="quarter" idx="12"/>
+          </p:nvPr>
+        </p:nvSpPr>
+        <p:spPr/>
+        <p:txBody>
+          <a:bodyPr/>
+          <a:lstStyle/>
+          <a:p>
+            <a:fld id="{E16CDB55-A21E-4331-9552-336F94895D9C}" type="slidenum">
+              <a:rPr lang="zh-CN" altLang="en-US" smtClean="0"/>
+              <a:t>‹#›</a:t>
+            </a:fld>
+            <a:endParaRPr lang="zh-CN" altLang="en-US"/>
+          </a:p>
+        </p:txBody>
+      </p:sp>
+    </p:spTree>
+    <p:extLst>
+      <p:ext uri="{BB962C8B-B14F-4D97-AF65-F5344CB8AC3E}">
+        <p14:creationId xmlns:p14="http://schemas.microsoft.com/office/powerpoint/2010/main" val="134351053"/>
+      </p:ext>
+    </p:extLst>
+  </p:cSld>
+  <p:clrMapOvr>
+    <a:masterClrMapping/>
+  </p:clrMapOvr>
+</p:sldLayout>
+</file>
+
+<file path=ppt/slideLayouts/slideLayout11.xml><?xml version="1.0" encoding="utf-8"?>
+<p:sldLayout xmlns:a="http://schemas.openxmlformats.org/drawingml/2006/main" xmlns:r="http://schemas.openxmlformats.org/officeDocument/2006/relationships" xmlns:p="http://schemas.openxmlformats.org/presentationml/2006/main" preserve="1">
+  <p:cSld name="标题和描述">
+    <p:spTree>
+      <p:nvGrpSpPr>
+        <p:cNvPr id="1" name=""/>
+        <p:cNvGrpSpPr/>
+        <p:nvPr/>
+      </p:nvGrpSpPr>
+      <p:grpSpPr>
+        <a:xfrm>
+          <a:off x="0" y="0"/>
+          <a:ext cx="0" cy="0"/>
+          <a:chOff x="0" y="0"/>
+          <a:chExt cx="0" cy="0"/>
+        </a:xfrm>
+      </p:grpSpPr>
+      <p:sp>
+        <p:nvSpPr>
+          <p:cNvPr id="2" name="Title 1"/>
+          <p:cNvSpPr>
+            <a:spLocks noGrp="1"/>
+          </p:cNvSpPr>
+          <p:nvPr>
+            <p:ph type="title"/>
+          </p:nvPr>
+        </p:nvSpPr>
+        <p:spPr>
+          <a:xfrm>
+            <a:off x="685801" y="685800"/>
+            <a:ext cx="10396902" cy="3194903"/>
+          </a:xfrm>
+        </p:spPr>
+        <p:txBody>
+          <a:bodyPr anchor="ctr">
+            <a:normAutofit/>
+          </a:bodyPr>
+          <a:lstStyle>
+            <a:lvl1pPr algn="ctr">
+              <a:defRPr sz="4800"/>
+            </a:lvl1pPr>
+          </a:lstStyle>
+          <a:p>
+            <a:r>
+              <a:rPr lang="zh-CN" altLang="en-US"/>
+              <a:t>单击此处编辑母版标题样式</a:t>
+            </a:r>
+            <a:endParaRPr lang="en-US" dirty="0"/>
+          </a:p>
+        </p:txBody>
+      </p:sp>
+      <p:sp>
+        <p:nvSpPr>
+          <p:cNvPr id="4" name="Text Placeholder 3"/>
+          <p:cNvSpPr>
+            <a:spLocks noGrp="1"/>
+          </p:cNvSpPr>
+          <p:nvPr>
+            <p:ph type="body" sz="half" idx="2"/>
+          </p:nvPr>
+        </p:nvSpPr>
+        <p:spPr>
+          <a:xfrm>
+            <a:off x="685779" y="4106333"/>
+            <a:ext cx="10394729" cy="1273606"/>
+          </a:xfrm>
+        </p:spPr>
+        <p:txBody>
+          <a:bodyPr anchor="ctr">
+            <a:normAutofit/>
+          </a:bodyPr>
+          <a:lstStyle>
+            <a:lvl1pPr marL="0" indent="0" algn="ctr">
+              <a:buNone/>
+              <a:defRPr sz="1800"/>
+            </a:lvl1pPr>
+            <a:lvl2pPr marL="457200" indent="0">
+              <a:buNone/>
+              <a:defRPr sz="1400"/>
+            </a:lvl2pPr>
+            <a:lvl3pPr marL="914400" indent="0">
+              <a:buNone/>
+              <a:defRPr sz="1200"/>
+            </a:lvl3pPr>
+            <a:lvl4pPr marL="1371600" indent="0">
+              <a:buNone/>
+              <a:defRPr sz="1000"/>
+            </a:lvl4pPr>
+            <a:lvl5pPr marL="1828800" indent="0">
+              <a:buNone/>
+              <a:defRPr sz="1000"/>
+            </a:lvl5pPr>
+            <a:lvl6pPr marL="2286000" indent="0">
+              <a:buNone/>
+              <a:defRPr sz="1000"/>
+            </a:lvl6pPr>
+            <a:lvl7pPr marL="2743200" indent="0">
+              <a:buNone/>
+              <a:defRPr sz="1000"/>
+            </a:lvl7pPr>
+            <a:lvl8pPr marL="3200400" indent="0">
+              <a:buNone/>
+              <a:defRPr sz="1000"/>
+            </a:lvl8pPr>
+            <a:lvl9pPr marL="3657600" indent="0">
+              <a:buNone/>
+              <a:defRPr sz="1000"/>
+            </a:lvl9pPr>
+          </a:lstStyle>
+          <a:p>
+            <a:pPr lvl="0"/>
+            <a:r>
+              <a:rPr lang="zh-CN" altLang="en-US"/>
+              <a:t>编辑母版文本样式</a:t>
+            </a:r>
+          </a:p>
+        </p:txBody>
+      </p:sp>
+      <p:sp>
+        <p:nvSpPr>
+          <p:cNvPr id="5" name="Date Placeholder 4"/>
+          <p:cNvSpPr>
+            <a:spLocks noGrp="1"/>
+          </p:cNvSpPr>
+          <p:nvPr>
+            <p:ph type="dt" sz="half" idx="10"/>
+          </p:nvPr>
+        </p:nvSpPr>
+        <p:spPr/>
+        <p:txBody>
+          <a:bodyPr/>
+          <a:lstStyle/>
+          <a:p>
+            <a:fld id="{B2F6F192-370A-4D37-9AD9-321C39A6B65E}" type="datetimeFigureOut">
+              <a:rPr lang="zh-CN" altLang="en-US" smtClean="0"/>
+              <a:t>2020/2/16</a:t>
+            </a:fld>
+            <a:endParaRPr lang="zh-CN" altLang="en-US"/>
+          </a:p>
+        </p:txBody>
+      </p:sp>
+      <p:sp>
+        <p:nvSpPr>
+          <p:cNvPr id="6" name="Footer Placeholder 5"/>
+          <p:cNvSpPr>
+            <a:spLocks noGrp="1"/>
+          </p:cNvSpPr>
+          <p:nvPr>
+            <p:ph type="ftr" sz="quarter" idx="11"/>
+          </p:nvPr>
+        </p:nvSpPr>
+        <p:spPr/>
+        <p:txBody>
+          <a:bodyPr/>
+          <a:lstStyle/>
+          <a:p>
+            <a:endParaRPr lang="zh-CN" altLang="en-US"/>
+          </a:p>
+        </p:txBody>
+      </p:sp>
+      <p:sp>
+        <p:nvSpPr>
+          <p:cNvPr id="7" name="Slide Number Placeholder 6"/>
+          <p:cNvSpPr>
+            <a:spLocks noGrp="1"/>
+          </p:cNvSpPr>
+          <p:nvPr>
+            <p:ph type="sldNum" sz="quarter" idx="12"/>
+          </p:nvPr>
+        </p:nvSpPr>
+        <p:spPr/>
+        <p:txBody>
+          <a:bodyPr/>
+          <a:lstStyle/>
+          <a:p>
+            <a:fld id="{E16CDB55-A21E-4331-9552-336F94895D9C}" type="slidenum">
+              <a:rPr lang="zh-CN" altLang="en-US" smtClean="0"/>
+              <a:t>‹#›</a:t>
+            </a:fld>
+            <a:endParaRPr lang="zh-CN" altLang="en-US"/>
+          </a:p>
+        </p:txBody>
+      </p:sp>
+    </p:spTree>
+    <p:extLst>
+      <p:ext uri="{BB962C8B-B14F-4D97-AF65-F5344CB8AC3E}">
+        <p14:creationId xmlns:p14="http://schemas.microsoft.com/office/powerpoint/2010/main" val="2822917491"/>
+      </p:ext>
+    </p:extLst>
+  </p:cSld>
+  <p:clrMapOvr>
+    <a:masterClrMapping/>
+  </p:clrMapOvr>
+</p:sldLayout>
+</file>
+
+<file path=ppt/slideLayouts/slideLayout12.xml><?xml version="1.0" encoding="utf-8"?>
+<p:sldLayout xmlns:a="http://schemas.openxmlformats.org/drawingml/2006/main" xmlns:r="http://schemas.openxmlformats.org/officeDocument/2006/relationships" xmlns:p="http://schemas.openxmlformats.org/presentationml/2006/main" preserve="1">
+  <p:cSld name="带描述的引言">
+    <p:spTree>
+      <p:nvGrpSpPr>
+        <p:cNvPr id="1" name=""/>
+        <p:cNvGrpSpPr/>
+        <p:nvPr/>
+      </p:nvGrpSpPr>
+      <p:grpSpPr>
+        <a:xfrm>
+          <a:off x="0" y="0"/>
+          <a:ext cx="0" cy="0"/>
+          <a:chOff x="0" y="0"/>
+          <a:chExt cx="0" cy="0"/>
+        </a:xfrm>
+      </p:grpSpPr>
+      <p:sp>
+        <p:nvSpPr>
+          <p:cNvPr id="2" name="Title 1"/>
+          <p:cNvSpPr>
+            <a:spLocks noGrp="1"/>
+          </p:cNvSpPr>
+          <p:nvPr>
+            <p:ph type="title"/>
+          </p:nvPr>
+        </p:nvSpPr>
+        <p:spPr>
+          <a:xfrm>
+            <a:off x="1121732" y="685800"/>
+            <a:ext cx="9525020" cy="2916704"/>
+          </a:xfrm>
+        </p:spPr>
+        <p:txBody>
+          <a:bodyPr anchor="ctr">
+            <a:normAutofit/>
+          </a:bodyPr>
+          <a:lstStyle>
+            <a:lvl1pPr algn="ctr">
+              <a:defRPr sz="4800"/>
+            </a:lvl1pPr>
+          </a:lstStyle>
+          <a:p>
+            <a:r>
+              <a:rPr lang="zh-CN" altLang="en-US"/>
+              <a:t>单击此处编辑母版标题样式</a:t>
+            </a:r>
+            <a:endParaRPr lang="en-US" dirty="0"/>
+          </a:p>
+        </p:txBody>
+      </p:sp>
+      <p:sp>
+        <p:nvSpPr>
+          <p:cNvPr id="12" name="Text Placeholder 3"/>
+          <p:cNvSpPr>
+            <a:spLocks noGrp="1"/>
+          </p:cNvSpPr>
+          <p:nvPr>
+            <p:ph type="body" sz="half" idx="13"/>
+          </p:nvPr>
+        </p:nvSpPr>
+        <p:spPr>
+          <a:xfrm>
+            <a:off x="1550264" y="3610032"/>
+            <a:ext cx="8667956" cy="377768"/>
+          </a:xfrm>
+        </p:spPr>
+        <p:txBody>
+          <a:bodyPr anchor="t">
+            <a:normAutofit/>
+          </a:bodyPr>
+          <a:lstStyle>
+            <a:lvl1pPr marL="0" indent="0" algn="r">
+              <a:buNone/>
+              <a:defRPr sz="1400">
+                <a:solidFill>
+                  <a:schemeClr val="tx1">
+                    <a:lumMod val="50000"/>
+                    <a:lumOff val="50000"/>
+                  </a:schemeClr>
+                </a:solidFill>
+              </a:defRPr>
+            </a:lvl1pPr>
+            <a:lvl2pPr marL="457200" indent="0">
+              <a:buNone/>
+              <a:defRPr sz="1400"/>
+            </a:lvl2pPr>
+            <a:lvl3pPr marL="914400" indent="0">
+              <a:buNone/>
+              <a:defRPr sz="1200"/>
+            </a:lvl3pPr>
+            <a:lvl4pPr marL="1371600" indent="0">
+              <a:buNone/>
+              <a:defRPr sz="1000"/>
+            </a:lvl4pPr>
+            <a:lvl5pPr marL="1828800" indent="0">
+              <a:buNone/>
+              <a:defRPr sz="1000"/>
+            </a:lvl5pPr>
+            <a:lvl6pPr marL="2286000" indent="0">
+              <a:buNone/>
+              <a:defRPr sz="1000"/>
+            </a:lvl6pPr>
+            <a:lvl7pPr marL="2743200" indent="0">
+              <a:buNone/>
+              <a:defRPr sz="1000"/>
+            </a:lvl7pPr>
+            <a:lvl8pPr marL="3200400" indent="0">
+              <a:buNone/>
+              <a:defRPr sz="1000"/>
+            </a:lvl8pPr>
+            <a:lvl9pPr marL="3657600" indent="0">
+              <a:buNone/>
+              <a:defRPr sz="1000"/>
+            </a:lvl9pPr>
+          </a:lstStyle>
+          <a:p>
+            <a:pPr lvl="0"/>
+            <a:r>
+              <a:rPr lang="zh-CN" altLang="en-US"/>
+              <a:t>编辑母版文本样式</a:t>
+            </a:r>
+          </a:p>
+        </p:txBody>
+      </p:sp>
+      <p:sp>
+        <p:nvSpPr>
+          <p:cNvPr id="4" name="Text Placeholder 3"/>
+          <p:cNvSpPr>
+            <a:spLocks noGrp="1"/>
+          </p:cNvSpPr>
+          <p:nvPr>
+            <p:ph type="body" sz="half" idx="2"/>
+          </p:nvPr>
+        </p:nvSpPr>
+        <p:spPr>
+          <a:xfrm>
+            <a:off x="685801" y="4106334"/>
+            <a:ext cx="10396882" cy="1268252"/>
+          </a:xfrm>
+        </p:spPr>
+        <p:txBody>
+          <a:bodyPr anchor="ctr">
+            <a:normAutofit/>
+          </a:bodyPr>
+          <a:lstStyle>
+            <a:lvl1pPr marL="0" indent="0" algn="ctr">
+              <a:buNone/>
+              <a:defRPr sz="1800"/>
+            </a:lvl1pPr>
+            <a:lvl2pPr marL="457200" indent="0">
+              <a:buNone/>
+              <a:defRPr sz="1400"/>
+            </a:lvl2pPr>
+            <a:lvl3pPr marL="914400" indent="0">
+              <a:buNone/>
+              <a:defRPr sz="1200"/>
+            </a:lvl3pPr>
+            <a:lvl4pPr marL="1371600" indent="0">
+              <a:buNone/>
+              <a:defRPr sz="1000"/>
+            </a:lvl4pPr>
+            <a:lvl5pPr marL="1828800" indent="0">
+              <a:buNone/>
+              <a:defRPr sz="1000"/>
+            </a:lvl5pPr>
+            <a:lvl6pPr marL="2286000" indent="0">
+              <a:buNone/>
+              <a:defRPr sz="1000"/>
+            </a:lvl6pPr>
+            <a:lvl7pPr marL="2743200" indent="0">
+              <a:buNone/>
+              <a:defRPr sz="1000"/>
+            </a:lvl7pPr>
+            <a:lvl8pPr marL="3200400" indent="0">
+              <a:buNone/>
+              <a:defRPr sz="1000"/>
+            </a:lvl8pPr>
+            <a:lvl9pPr marL="3657600" indent="0">
+              <a:buNone/>
+              <a:defRPr sz="1000"/>
+            </a:lvl9pPr>
+          </a:lstStyle>
+          <a:p>
+            <a:pPr lvl="0"/>
+            <a:r>
+              <a:rPr lang="zh-CN" altLang="en-US"/>
+              <a:t>编辑母版文本样式</a:t>
+            </a:r>
+          </a:p>
+        </p:txBody>
+      </p:sp>
+      <p:sp>
+        <p:nvSpPr>
+          <p:cNvPr id="5" name="Date Placeholder 4"/>
+          <p:cNvSpPr>
+            <a:spLocks noGrp="1"/>
+          </p:cNvSpPr>
+          <p:nvPr>
+            <p:ph type="dt" sz="half" idx="10"/>
+          </p:nvPr>
+        </p:nvSpPr>
+        <p:spPr/>
+        <p:txBody>
+          <a:bodyPr/>
+          <a:lstStyle/>
+          <a:p>
+            <a:fld id="{B2F6F192-370A-4D37-9AD9-321C39A6B65E}" type="datetimeFigureOut">
+              <a:rPr lang="zh-CN" altLang="en-US" smtClean="0"/>
+              <a:t>2020/2/16</a:t>
+            </a:fld>
+            <a:endParaRPr lang="zh-CN" altLang="en-US"/>
+          </a:p>
+        </p:txBody>
+      </p:sp>
+      <p:sp>
+        <p:nvSpPr>
+          <p:cNvPr id="6" name="Footer Placeholder 5"/>
+          <p:cNvSpPr>
+            <a:spLocks noGrp="1"/>
+          </p:cNvSpPr>
+          <p:nvPr>
+            <p:ph type="ftr" sz="quarter" idx="11"/>
+          </p:nvPr>
+        </p:nvSpPr>
+        <p:spPr/>
+        <p:txBody>
+          <a:bodyPr/>
+          <a:lstStyle/>
+          <a:p>
+            <a:endParaRPr lang="zh-CN" altLang="en-US"/>
+          </a:p>
+        </p:txBody>
+      </p:sp>
+      <p:sp>
+        <p:nvSpPr>
+          <p:cNvPr id="7" name="Slide Number Placeholder 6"/>
+          <p:cNvSpPr>
+            <a:spLocks noGrp="1"/>
+          </p:cNvSpPr>
+          <p:nvPr>
+            <p:ph type="sldNum" sz="quarter" idx="12"/>
+          </p:nvPr>
+        </p:nvSpPr>
+        <p:spPr/>
+        <p:txBody>
+          <a:bodyPr/>
+          <a:lstStyle/>
+          <a:p>
+            <a:fld id="{E16CDB55-A21E-4331-9552-336F94895D9C}" type="slidenum">
+              <a:rPr lang="zh-CN" altLang="en-US" smtClean="0"/>
+              <a:t>‹#›</a:t>
+            </a:fld>
+            <a:endParaRPr lang="zh-CN" altLang="en-US"/>
+          </a:p>
+        </p:txBody>
+      </p:sp>
+      <p:sp>
+        <p:nvSpPr>
+          <p:cNvPr id="13" name="TextBox 12"/>
+          <p:cNvSpPr txBox="1"/>
+          <p:nvPr/>
+        </p:nvSpPr>
+        <p:spPr>
+          <a:xfrm>
+            <a:off x="685801" y="892628"/>
+            <a:ext cx="609600" cy="584776"/>
+          </a:xfrm>
+          <a:prstGeom prst="rect">
+            <a:avLst/>
+          </a:prstGeom>
+        </p:spPr>
+        <p:txBody>
+          <a:bodyPr vert="horz" lIns="91440" tIns="45720" rIns="91440" bIns="45720" rtlCol="0" anchor="ctr">
+            <a:noAutofit/>
+          </a:bodyPr>
+          <a:lstStyle>
+            <a:lvl1pPr>
+              <a:spcBef>
+                <a:spcPct val="0"/>
+              </a:spcBef>
+              <a:buNone/>
+              <a:defRPr sz="3200" b="0" cap="all">
+                <a:ln w="3175" cmpd="sng">
+                  <a:noFill/>
+                </a:ln>
+                <a:effectLst>
+                  <a:glow rad="38100">
+                    <a:schemeClr val="bg1">
+                      <a:lumMod val="65000"/>
+                      <a:lumOff val="35000"/>
+                      <a:alpha val="40000"/>
+                    </a:schemeClr>
+                  </a:glow>
+                  <a:outerShdw blurRad="28575" dist="38100" dir="14040000" algn="tl" rotWithShape="0">
+                    <a:srgbClr val="000000">
+                      <a:alpha val="25000"/>
+                    </a:srgbClr>
+                  </a:outerShdw>
+                </a:effectLst>
+              </a:defRPr>
+            </a:lvl1pPr>
+            <a:lvl2pPr>
+              <a:defRPr>
+                <a:solidFill>
+                  <a:schemeClr val="tx2"/>
+                </a:solidFill>
+              </a:defRPr>
+            </a:lvl2pPr>
+            <a:lvl3pPr>
+              <a:defRPr>
+                <a:solidFill>
+                  <a:schemeClr val="tx2"/>
+                </a:solidFill>
+              </a:defRPr>
+            </a:lvl3pPr>
+            <a:lvl4pPr>
+              <a:defRPr>
+                <a:solidFill>
+                  <a:schemeClr val="tx2"/>
+                </a:solidFill>
+              </a:defRPr>
+            </a:lvl4pPr>
+            <a:lvl5pPr>
+              <a:defRPr>
+                <a:solidFill>
+                  <a:schemeClr val="tx2"/>
+                </a:solidFill>
+              </a:defRPr>
+            </a:lvl5pPr>
+            <a:lvl6pPr>
+              <a:defRPr>
+                <a:solidFill>
+                  <a:schemeClr val="tx2"/>
+                </a:solidFill>
+              </a:defRPr>
+            </a:lvl6pPr>
+            <a:lvl7pPr>
+              <a:defRPr>
+                <a:solidFill>
+                  <a:schemeClr val="tx2"/>
+                </a:solidFill>
+              </a:defRPr>
+            </a:lvl7pPr>
+            <a:lvl8pPr>
+              <a:defRPr>
+                <a:solidFill>
+                  <a:schemeClr val="tx2"/>
+                </a:solidFill>
+              </a:defRPr>
+            </a:lvl8pPr>
+            <a:lvl9pPr>
+              <a:defRPr>
+                <a:solidFill>
+                  <a:schemeClr val="tx2"/>
+                </a:solidFill>
+              </a:defRPr>
+            </a:lvl9pPr>
+          </a:lstStyle>
+          <a:p>
+            <a:pPr lvl="0"/>
+            <a:r>
+              <a:rPr lang="en-US" sz="8000" dirty="0">
+                <a:solidFill>
+                  <a:schemeClr val="tx1"/>
+                </a:solidFill>
+                <a:effectLst/>
+              </a:rPr>
+              <a:t>“</a:t>
+            </a:r>
+          </a:p>
+        </p:txBody>
+      </p:sp>
+      <p:sp>
+        <p:nvSpPr>
+          <p:cNvPr id="14" name="TextBox 13"/>
+          <p:cNvSpPr txBox="1"/>
+          <p:nvPr/>
+        </p:nvSpPr>
+        <p:spPr>
+          <a:xfrm>
+            <a:off x="10473083" y="2922827"/>
+            <a:ext cx="609600" cy="584776"/>
+          </a:xfrm>
+          <a:prstGeom prst="rect">
+            <a:avLst/>
+          </a:prstGeom>
+        </p:spPr>
+        <p:txBody>
+          <a:bodyPr vert="horz" lIns="91440" tIns="45720" rIns="91440" bIns="45720" rtlCol="0" anchor="ctr">
+            <a:noAutofit/>
+          </a:bodyPr>
+          <a:lstStyle>
+            <a:lvl1pPr>
+              <a:spcBef>
+                <a:spcPct val="0"/>
+              </a:spcBef>
+              <a:buNone/>
+              <a:defRPr sz="3200" b="0" cap="all">
+                <a:ln w="3175" cmpd="sng">
+                  <a:noFill/>
+                </a:ln>
+                <a:effectLst>
+                  <a:glow rad="38100">
+                    <a:schemeClr val="bg1">
+                      <a:lumMod val="65000"/>
+                      <a:lumOff val="35000"/>
+                      <a:alpha val="40000"/>
+                    </a:schemeClr>
+                  </a:glow>
+                  <a:outerShdw blurRad="28575" dist="38100" dir="14040000" algn="tl" rotWithShape="0">
+                    <a:srgbClr val="000000">
+                      <a:alpha val="25000"/>
+                    </a:srgbClr>
+                  </a:outerShdw>
+                </a:effectLst>
+              </a:defRPr>
+            </a:lvl1pPr>
+            <a:lvl2pPr>
+              <a:defRPr>
+                <a:solidFill>
+                  <a:schemeClr val="tx2"/>
+                </a:solidFill>
+              </a:defRPr>
+            </a:lvl2pPr>
+            <a:lvl3pPr>
+              <a:defRPr>
+                <a:solidFill>
+                  <a:schemeClr val="tx2"/>
+                </a:solidFill>
+              </a:defRPr>
+            </a:lvl3pPr>
+            <a:lvl4pPr>
+              <a:defRPr>
+                <a:solidFill>
+                  <a:schemeClr val="tx2"/>
+                </a:solidFill>
+              </a:defRPr>
+            </a:lvl4pPr>
+            <a:lvl5pPr>
+              <a:defRPr>
+                <a:solidFill>
+                  <a:schemeClr val="tx2"/>
+                </a:solidFill>
+              </a:defRPr>
+            </a:lvl5pPr>
+            <a:lvl6pPr>
+              <a:defRPr>
+                <a:solidFill>
+                  <a:schemeClr val="tx2"/>
+                </a:solidFill>
+              </a:defRPr>
+            </a:lvl6pPr>
+            <a:lvl7pPr>
+              <a:defRPr>
+                <a:solidFill>
+                  <a:schemeClr val="tx2"/>
+                </a:solidFill>
+              </a:defRPr>
+            </a:lvl7pPr>
+            <a:lvl8pPr>
+              <a:defRPr>
+                <a:solidFill>
+                  <a:schemeClr val="tx2"/>
+                </a:solidFill>
+              </a:defRPr>
+            </a:lvl8pPr>
+            <a:lvl9pPr>
+              <a:defRPr>
+                <a:solidFill>
+                  <a:schemeClr val="tx2"/>
+                </a:solidFill>
+              </a:defRPr>
+            </a:lvl9pPr>
+          </a:lstStyle>
+          <a:p>
+            <a:pPr lvl="0" algn="r"/>
+            <a:r>
+              <a:rPr lang="en-US" sz="8000" dirty="0">
+                <a:solidFill>
+                  <a:schemeClr val="tx1"/>
+                </a:solidFill>
+                <a:effectLst/>
+              </a:rPr>
+              <a:t>”</a:t>
+            </a:r>
+          </a:p>
+        </p:txBody>
+      </p:sp>
+    </p:spTree>
+    <p:extLst>
+      <p:ext uri="{BB962C8B-B14F-4D97-AF65-F5344CB8AC3E}">
+        <p14:creationId xmlns:p14="http://schemas.microsoft.com/office/powerpoint/2010/main" val="3897404691"/>
+      </p:ext>
+    </p:extLst>
+  </p:cSld>
+  <p:clrMapOvr>
+    <a:masterClrMapping/>
+  </p:clrMapOvr>
+</p:sldLayout>
+</file>
+
+<file path=ppt/slideLayouts/slideLayout13.xml><?xml version="1.0" encoding="utf-8"?>
+<p:sldLayout xmlns:a="http://schemas.openxmlformats.org/drawingml/2006/main" xmlns:r="http://schemas.openxmlformats.org/officeDocument/2006/relationships" xmlns:p="http://schemas.openxmlformats.org/presentationml/2006/main" preserve="1">
+  <p:cSld name="名片">
+    <p:spTree>
+      <p:nvGrpSpPr>
+        <p:cNvPr id="1" name=""/>
+        <p:cNvGrpSpPr/>
+        <p:nvPr/>
+      </p:nvGrpSpPr>
+      <p:grpSpPr>
+        <a:xfrm>
+          <a:off x="0" y="0"/>
+          <a:ext cx="0" cy="0"/>
+          <a:chOff x="0" y="0"/>
+          <a:chExt cx="0" cy="0"/>
+        </a:xfrm>
+      </p:grpSpPr>
+      <p:sp>
+        <p:nvSpPr>
+          <p:cNvPr id="2" name="Title 1"/>
+          <p:cNvSpPr>
+            <a:spLocks noGrp="1"/>
+          </p:cNvSpPr>
+          <p:nvPr>
+            <p:ph type="title"/>
+          </p:nvPr>
+        </p:nvSpPr>
+        <p:spPr>
+          <a:xfrm>
+            <a:off x="685800" y="1723854"/>
+            <a:ext cx="10394707" cy="2511835"/>
+          </a:xfrm>
+        </p:spPr>
+        <p:txBody>
+          <a:bodyPr anchor="b">
+            <a:normAutofit/>
+          </a:bodyPr>
+          <a:lstStyle>
+            <a:lvl1pPr algn="l">
+              <a:defRPr sz="4800"/>
+            </a:lvl1pPr>
+          </a:lstStyle>
+          <a:p>
+            <a:r>
+              <a:rPr lang="zh-CN" altLang="en-US"/>
+              <a:t>单击此处编辑母版标题样式</a:t>
+            </a:r>
+            <a:endParaRPr lang="en-US" dirty="0"/>
+          </a:p>
+        </p:txBody>
+      </p:sp>
+      <p:sp>
+        <p:nvSpPr>
+          <p:cNvPr id="4" name="Text Placeholder 3"/>
+          <p:cNvSpPr>
+            <a:spLocks noGrp="1"/>
+          </p:cNvSpPr>
+          <p:nvPr>
+            <p:ph type="body" sz="half" idx="2"/>
+          </p:nvPr>
+        </p:nvSpPr>
+        <p:spPr>
+          <a:xfrm>
+            <a:off x="685800" y="4247468"/>
+            <a:ext cx="10394707" cy="1140644"/>
+          </a:xfrm>
+        </p:spPr>
+        <p:txBody>
+          <a:bodyPr anchor="t">
+            <a:normAutofit/>
+          </a:bodyPr>
+          <a:lstStyle>
+            <a:lvl1pPr marL="0" indent="0" algn="l">
+              <a:buNone/>
+              <a:defRPr sz="1800"/>
+            </a:lvl1pPr>
+            <a:lvl2pPr marL="457200" indent="0">
+              <a:buNone/>
+              <a:defRPr sz="1400"/>
+            </a:lvl2pPr>
+            <a:lvl3pPr marL="914400" indent="0">
+              <a:buNone/>
+              <a:defRPr sz="1200"/>
+            </a:lvl3pPr>
+            <a:lvl4pPr marL="1371600" indent="0">
+              <a:buNone/>
+              <a:defRPr sz="1000"/>
+            </a:lvl4pPr>
+            <a:lvl5pPr marL="1828800" indent="0">
+              <a:buNone/>
+              <a:defRPr sz="1000"/>
+            </a:lvl5pPr>
+            <a:lvl6pPr marL="2286000" indent="0">
+              <a:buNone/>
+              <a:defRPr sz="1000"/>
+            </a:lvl6pPr>
+            <a:lvl7pPr marL="2743200" indent="0">
+              <a:buNone/>
+              <a:defRPr sz="1000"/>
+            </a:lvl7pPr>
+            <a:lvl8pPr marL="3200400" indent="0">
+              <a:buNone/>
+              <a:defRPr sz="1000"/>
+            </a:lvl8pPr>
+            <a:lvl9pPr marL="3657600" indent="0">
+              <a:buNone/>
+              <a:defRPr sz="1000"/>
+            </a:lvl9pPr>
+          </a:lstStyle>
+          <a:p>
+            <a:pPr lvl="0"/>
+            <a:r>
+              <a:rPr lang="zh-CN" altLang="en-US"/>
+              <a:t>编辑母版文本样式</a:t>
+            </a:r>
+          </a:p>
+        </p:txBody>
+      </p:sp>
+      <p:sp>
+        <p:nvSpPr>
+          <p:cNvPr id="5" name="Date Placeholder 4"/>
+          <p:cNvSpPr>
+            <a:spLocks noGrp="1"/>
+          </p:cNvSpPr>
+          <p:nvPr>
+            <p:ph type="dt" sz="half" idx="10"/>
+          </p:nvPr>
+        </p:nvSpPr>
+        <p:spPr/>
+        <p:txBody>
+          <a:bodyPr/>
+          <a:lstStyle/>
+          <a:p>
+            <a:fld id="{B2F6F192-370A-4D37-9AD9-321C39A6B65E}" type="datetimeFigureOut">
+              <a:rPr lang="zh-CN" altLang="en-US" smtClean="0"/>
+              <a:t>2020/2/16</a:t>
+            </a:fld>
+            <a:endParaRPr lang="zh-CN" altLang="en-US"/>
+          </a:p>
+        </p:txBody>
+      </p:sp>
+      <p:sp>
+        <p:nvSpPr>
+          <p:cNvPr id="6" name="Footer Placeholder 5"/>
+          <p:cNvSpPr>
+            <a:spLocks noGrp="1"/>
+          </p:cNvSpPr>
+          <p:nvPr>
+            <p:ph type="ftr" sz="quarter" idx="11"/>
+          </p:nvPr>
+        </p:nvSpPr>
+        <p:spPr/>
+        <p:txBody>
+          <a:bodyPr/>
+          <a:lstStyle/>
+          <a:p>
+            <a:endParaRPr lang="zh-CN" altLang="en-US"/>
+          </a:p>
+        </p:txBody>
+      </p:sp>
+      <p:sp>
+        <p:nvSpPr>
+          <p:cNvPr id="7" name="Slide Number Placeholder 6"/>
+          <p:cNvSpPr>
+            <a:spLocks noGrp="1"/>
+          </p:cNvSpPr>
+          <p:nvPr>
+            <p:ph type="sldNum" sz="quarter" idx="12"/>
+          </p:nvPr>
+        </p:nvSpPr>
+        <p:spPr/>
+        <p:txBody>
+          <a:bodyPr/>
+          <a:lstStyle/>
+          <a:p>
+            <a:fld id="{E16CDB55-A21E-4331-9552-336F94895D9C}" type="slidenum">
+              <a:rPr lang="zh-CN" altLang="en-US" smtClean="0"/>
+              <a:t>‹#›</a:t>
+            </a:fld>
+            <a:endParaRPr lang="zh-CN" altLang="en-US"/>
+          </a:p>
+        </p:txBody>
+      </p:sp>
+    </p:spTree>
+    <p:extLst>
+      <p:ext uri="{BB962C8B-B14F-4D97-AF65-F5344CB8AC3E}">
+        <p14:creationId xmlns:p14="http://schemas.microsoft.com/office/powerpoint/2010/main" val="3822187826"/>
+      </p:ext>
+    </p:extLst>
+  </p:cSld>
+  <p:clrMapOvr>
+    <a:masterClrMapping/>
+  </p:clrMapOvr>
+</p:sldLayout>
+</file>
+
+<file path=ppt/slideLayouts/slideLayout14.xml><?xml version="1.0" encoding="utf-8"?>
+<p:sldLayout xmlns:a="http://schemas.openxmlformats.org/drawingml/2006/main" xmlns:r="http://schemas.openxmlformats.org/officeDocument/2006/relationships" xmlns:p="http://schemas.openxmlformats.org/presentationml/2006/main" preserve="1">
+  <p:cSld name="3 栏">
+    <p:spTree>
+      <p:nvGrpSpPr>
+        <p:cNvPr id="1" name=""/>
+        <p:cNvGrpSpPr/>
+        <p:nvPr/>
+      </p:nvGrpSpPr>
+      <p:grpSpPr>
+        <a:xfrm>
+          <a:off x="0" y="0"/>
+          <a:ext cx="0" cy="0"/>
+          <a:chOff x="0" y="0"/>
+          <a:chExt cx="0" cy="0"/>
+        </a:xfrm>
+      </p:grpSpPr>
+      <p:sp>
+        <p:nvSpPr>
+          <p:cNvPr id="15" name="Title 1"/>
+          <p:cNvSpPr>
+            <a:spLocks noGrp="1"/>
+          </p:cNvSpPr>
+          <p:nvPr>
+            <p:ph type="title"/>
+          </p:nvPr>
+        </p:nvSpPr>
+        <p:spPr>
+          <a:xfrm>
+            <a:off x="685802" y="685800"/>
+            <a:ext cx="10394706" cy="1151965"/>
+          </a:xfrm>
+        </p:spPr>
+        <p:txBody>
+          <a:bodyPr/>
+          <a:lstStyle>
+            <a:lvl1pPr algn="ctr">
+              <a:defRPr/>
+            </a:lvl1pPr>
+          </a:lstStyle>
+          <a:p>
+            <a:r>
+              <a:rPr lang="zh-CN" altLang="en-US"/>
+              <a:t>单击此处编辑母版标题样式</a:t>
+            </a:r>
+            <a:endParaRPr lang="en-US" dirty="0"/>
+          </a:p>
+        </p:txBody>
+      </p:sp>
+      <p:sp>
+        <p:nvSpPr>
+          <p:cNvPr id="7" name="Text Placeholder 2"/>
+          <p:cNvSpPr>
+            <a:spLocks noGrp="1"/>
+          </p:cNvSpPr>
+          <p:nvPr>
+            <p:ph type="body" idx="1"/>
+          </p:nvPr>
+        </p:nvSpPr>
+        <p:spPr>
+          <a:xfrm>
+            <a:off x="685802" y="2063395"/>
+            <a:ext cx="3310128" cy="576262"/>
+          </a:xfrm>
+        </p:spPr>
+        <p:txBody>
+          <a:bodyPr anchor="b">
+            <a:noAutofit/>
+          </a:bodyPr>
+          <a:lstStyle>
+            <a:lvl1pPr marL="0" indent="0" algn="ctr">
+              <a:lnSpc>
+                <a:spcPct val="90000"/>
+              </a:lnSpc>
+              <a:buNone/>
+              <a:defRPr sz="2400" b="0">
+                <a:solidFill>
+                  <a:schemeClr val="accent1"/>
+                </a:solidFill>
+              </a:defRPr>
+            </a:lvl1pPr>
+            <a:lvl2pPr marL="457200" indent="0">
+              <a:buNone/>
+              <a:defRPr sz="2000" b="1"/>
+            </a:lvl2pPr>
+            <a:lvl3pPr marL="914400" indent="0">
+              <a:buNone/>
+              <a:defRPr sz="1800" b="1"/>
+            </a:lvl3pPr>
+            <a:lvl4pPr marL="1371600" indent="0">
+              <a:buNone/>
+              <a:defRPr sz="1600" b="1"/>
+            </a:lvl4pPr>
+            <a:lvl5pPr marL="1828800" indent="0">
+              <a:buNone/>
+              <a:defRPr sz="1600" b="1"/>
+            </a:lvl5pPr>
+            <a:lvl6pPr marL="2286000" indent="0">
+              <a:buNone/>
+              <a:defRPr sz="1600" b="1"/>
+            </a:lvl6pPr>
+            <a:lvl7pPr marL="2743200" indent="0">
+              <a:buNone/>
+              <a:defRPr sz="1600" b="1"/>
+            </a:lvl7pPr>
+            <a:lvl8pPr marL="3200400" indent="0">
+              <a:buNone/>
+              <a:defRPr sz="1600" b="1"/>
+            </a:lvl8pPr>
+            <a:lvl9pPr marL="3657600" indent="0">
+              <a:buNone/>
+              <a:defRPr sz="1600" b="1"/>
+            </a:lvl9pPr>
+          </a:lstStyle>
+          <a:p>
+            <a:pPr lvl="0"/>
+            <a:r>
+              <a:rPr lang="zh-CN" altLang="en-US"/>
+              <a:t>编辑母版文本样式</a:t>
+            </a:r>
+          </a:p>
+        </p:txBody>
+      </p:sp>
+      <p:sp>
+        <p:nvSpPr>
+          <p:cNvPr id="8" name="Text Placeholder 3"/>
+          <p:cNvSpPr>
+            <a:spLocks noGrp="1"/>
+          </p:cNvSpPr>
+          <p:nvPr>
+            <p:ph type="body" sz="half" idx="15"/>
+          </p:nvPr>
+        </p:nvSpPr>
+        <p:spPr>
+          <a:xfrm>
+            <a:off x="685802" y="2639658"/>
+            <a:ext cx="3310128" cy="2734928"/>
+          </a:xfrm>
+        </p:spPr>
+        <p:txBody>
+          <a:bodyPr anchor="t">
+            <a:normAutofit/>
+          </a:bodyPr>
+          <a:lstStyle>
+            <a:lvl1pPr marL="0" indent="0" algn="ctr">
+              <a:buNone/>
+              <a:defRPr sz="1400"/>
+            </a:lvl1pPr>
+            <a:lvl2pPr marL="457200" indent="0">
+              <a:buNone/>
+              <a:defRPr sz="1200"/>
+            </a:lvl2pPr>
+            <a:lvl3pPr marL="914400" indent="0">
+              <a:buNone/>
+              <a:defRPr sz="1000"/>
+            </a:lvl3pPr>
+            <a:lvl4pPr marL="1371600" indent="0">
+              <a:buNone/>
+              <a:defRPr sz="900"/>
+            </a:lvl4pPr>
+            <a:lvl5pPr marL="1828800" indent="0">
+              <a:buNone/>
+              <a:defRPr sz="900"/>
+            </a:lvl5pPr>
+            <a:lvl6pPr marL="2286000" indent="0">
+              <a:buNone/>
+              <a:defRPr sz="900"/>
+            </a:lvl6pPr>
+            <a:lvl7pPr marL="2743200" indent="0">
+              <a:buNone/>
+              <a:defRPr sz="900"/>
+            </a:lvl7pPr>
+            <a:lvl8pPr marL="3200400" indent="0">
+              <a:buNone/>
+              <a:defRPr sz="900"/>
+            </a:lvl8pPr>
+            <a:lvl9pPr marL="3657600" indent="0">
+              <a:buNone/>
+              <a:defRPr sz="900"/>
+            </a:lvl9pPr>
+          </a:lstStyle>
+          <a:p>
+            <a:pPr lvl="0"/>
+            <a:r>
+              <a:rPr lang="zh-CN" altLang="en-US"/>
+              <a:t>编辑母版文本样式</a:t>
+            </a:r>
+          </a:p>
+        </p:txBody>
+      </p:sp>
+      <p:sp>
+        <p:nvSpPr>
+          <p:cNvPr id="9" name="Text Placeholder 4"/>
+          <p:cNvSpPr>
+            <a:spLocks noGrp="1"/>
+          </p:cNvSpPr>
+          <p:nvPr>
+            <p:ph type="body" sz="quarter" idx="3"/>
+          </p:nvPr>
+        </p:nvSpPr>
+        <p:spPr>
+          <a:xfrm>
+            <a:off x="4234622" y="2063395"/>
+            <a:ext cx="3310128" cy="576262"/>
+          </a:xfrm>
+        </p:spPr>
+        <p:txBody>
+          <a:bodyPr anchor="b">
+            <a:noAutofit/>
+          </a:bodyPr>
+          <a:lstStyle>
+            <a:lvl1pPr marL="0" indent="0" algn="ctr">
+              <a:lnSpc>
+                <a:spcPct val="90000"/>
+              </a:lnSpc>
+              <a:buNone/>
+              <a:defRPr sz="2400" b="0">
+                <a:solidFill>
+                  <a:schemeClr val="accent1"/>
+                </a:solidFill>
+              </a:defRPr>
+            </a:lvl1pPr>
+            <a:lvl2pPr marL="457200" indent="0">
+              <a:buNone/>
+              <a:defRPr sz="2000" b="1"/>
+            </a:lvl2pPr>
+            <a:lvl3pPr marL="914400" indent="0">
+              <a:buNone/>
+              <a:defRPr sz="1800" b="1"/>
+            </a:lvl3pPr>
+            <a:lvl4pPr marL="1371600" indent="0">
+              <a:buNone/>
+              <a:defRPr sz="1600" b="1"/>
+            </a:lvl4pPr>
+            <a:lvl5pPr marL="1828800" indent="0">
+              <a:buNone/>
+              <a:defRPr sz="1600" b="1"/>
+            </a:lvl5pPr>
+            <a:lvl6pPr marL="2286000" indent="0">
+              <a:buNone/>
+              <a:defRPr sz="1600" b="1"/>
+            </a:lvl6pPr>
+            <a:lvl7pPr marL="2743200" indent="0">
+              <a:buNone/>
+              <a:defRPr sz="1600" b="1"/>
+            </a:lvl7pPr>
+            <a:lvl8pPr marL="3200400" indent="0">
+              <a:buNone/>
+              <a:defRPr sz="1600" b="1"/>
+            </a:lvl8pPr>
+            <a:lvl9pPr marL="3657600" indent="0">
+              <a:buNone/>
+              <a:defRPr sz="1600" b="1"/>
+            </a:lvl9pPr>
+          </a:lstStyle>
+          <a:p>
+            <a:pPr lvl="0"/>
+            <a:r>
+              <a:rPr lang="zh-CN" altLang="en-US"/>
+              <a:t>编辑母版文本样式</a:t>
+            </a:r>
+          </a:p>
+        </p:txBody>
+      </p:sp>
+      <p:sp>
+        <p:nvSpPr>
+          <p:cNvPr id="10" name="Text Placeholder 3"/>
+          <p:cNvSpPr>
+            <a:spLocks noGrp="1"/>
+          </p:cNvSpPr>
+          <p:nvPr>
+            <p:ph type="body" sz="half" idx="16"/>
+          </p:nvPr>
+        </p:nvSpPr>
+        <p:spPr>
+          <a:xfrm>
+            <a:off x="4234621" y="2639658"/>
+            <a:ext cx="3310128" cy="2734928"/>
+          </a:xfrm>
+        </p:spPr>
+        <p:txBody>
+          <a:bodyPr anchor="t">
+            <a:normAutofit/>
+          </a:bodyPr>
+          <a:lstStyle>
+            <a:lvl1pPr marL="0" indent="0" algn="ctr">
+              <a:buNone/>
+              <a:defRPr sz="1400"/>
+            </a:lvl1pPr>
+            <a:lvl2pPr marL="457200" indent="0">
+              <a:buNone/>
+              <a:defRPr sz="1200"/>
+            </a:lvl2pPr>
+            <a:lvl3pPr marL="914400" indent="0">
+              <a:buNone/>
+              <a:defRPr sz="1000"/>
+            </a:lvl3pPr>
+            <a:lvl4pPr marL="1371600" indent="0">
+              <a:buNone/>
+              <a:defRPr sz="900"/>
+            </a:lvl4pPr>
+            <a:lvl5pPr marL="1828800" indent="0">
+              <a:buNone/>
+              <a:defRPr sz="900"/>
+            </a:lvl5pPr>
+            <a:lvl6pPr marL="2286000" indent="0">
+              <a:buNone/>
+              <a:defRPr sz="900"/>
+            </a:lvl6pPr>
+            <a:lvl7pPr marL="2743200" indent="0">
+              <a:buNone/>
+              <a:defRPr sz="900"/>
+            </a:lvl7pPr>
+            <a:lvl8pPr marL="3200400" indent="0">
+              <a:buNone/>
+              <a:defRPr sz="900"/>
+            </a:lvl8pPr>
+            <a:lvl9pPr marL="3657600" indent="0">
+              <a:buNone/>
+              <a:defRPr sz="900"/>
+            </a:lvl9pPr>
+          </a:lstStyle>
+          <a:p>
+            <a:pPr lvl="0"/>
+            <a:r>
+              <a:rPr lang="zh-CN" altLang="en-US"/>
+              <a:t>编辑母版文本样式</a:t>
+            </a:r>
+          </a:p>
+        </p:txBody>
+      </p:sp>
+      <p:sp>
+        <p:nvSpPr>
+          <p:cNvPr id="11" name="Text Placeholder 4"/>
+          <p:cNvSpPr>
+            <a:spLocks noGrp="1"/>
+          </p:cNvSpPr>
+          <p:nvPr>
+            <p:ph type="body" sz="quarter" idx="13"/>
+          </p:nvPr>
+        </p:nvSpPr>
+        <p:spPr>
+          <a:xfrm>
+            <a:off x="7770380" y="2063395"/>
+            <a:ext cx="3310128" cy="576262"/>
+          </a:xfrm>
+        </p:spPr>
+        <p:txBody>
+          <a:bodyPr anchor="b">
+            <a:noAutofit/>
+          </a:bodyPr>
+          <a:lstStyle>
+            <a:lvl1pPr marL="0" indent="0" algn="ctr">
+              <a:lnSpc>
+                <a:spcPct val="90000"/>
+              </a:lnSpc>
+              <a:buNone/>
+              <a:defRPr sz="2400" b="0">
+                <a:solidFill>
+                  <a:schemeClr val="accent1"/>
+                </a:solidFill>
+              </a:defRPr>
+            </a:lvl1pPr>
+            <a:lvl2pPr marL="457200" indent="0">
+              <a:buNone/>
+              <a:defRPr sz="2000" b="1"/>
+            </a:lvl2pPr>
+            <a:lvl3pPr marL="914400" indent="0">
+              <a:buNone/>
+              <a:defRPr sz="1800" b="1"/>
+            </a:lvl3pPr>
+            <a:lvl4pPr marL="1371600" indent="0">
+              <a:buNone/>
+              <a:defRPr sz="1600" b="1"/>
+            </a:lvl4pPr>
+            <a:lvl5pPr marL="1828800" indent="0">
+              <a:buNone/>
+              <a:defRPr sz="1600" b="1"/>
+            </a:lvl5pPr>
+            <a:lvl6pPr marL="2286000" indent="0">
+              <a:buNone/>
+              <a:defRPr sz="1600" b="1"/>
+            </a:lvl6pPr>
+            <a:lvl7pPr marL="2743200" indent="0">
+              <a:buNone/>
+              <a:defRPr sz="1600" b="1"/>
+            </a:lvl7pPr>
+            <a:lvl8pPr marL="3200400" indent="0">
+              <a:buNone/>
+              <a:defRPr sz="1600" b="1"/>
+            </a:lvl8pPr>
+            <a:lvl9pPr marL="3657600" indent="0">
+              <a:buNone/>
+              <a:defRPr sz="1600" b="1"/>
+            </a:lvl9pPr>
+          </a:lstStyle>
+          <a:p>
+            <a:pPr lvl="0"/>
+            <a:r>
+              <a:rPr lang="zh-CN" altLang="en-US"/>
+              <a:t>编辑母版文本样式</a:t>
+            </a:r>
+          </a:p>
+        </p:txBody>
+      </p:sp>
+      <p:sp>
+        <p:nvSpPr>
+          <p:cNvPr id="12" name="Text Placeholder 3"/>
+          <p:cNvSpPr>
+            <a:spLocks noGrp="1"/>
+          </p:cNvSpPr>
+          <p:nvPr>
+            <p:ph type="body" sz="half" idx="17"/>
+          </p:nvPr>
+        </p:nvSpPr>
+        <p:spPr>
+          <a:xfrm>
+            <a:off x="7770380" y="2639658"/>
+            <a:ext cx="3310128" cy="2734928"/>
+          </a:xfrm>
+        </p:spPr>
+        <p:txBody>
+          <a:bodyPr anchor="t">
+            <a:normAutofit/>
+          </a:bodyPr>
+          <a:lstStyle>
+            <a:lvl1pPr marL="0" indent="0" algn="ctr">
+              <a:buNone/>
+              <a:defRPr sz="1400"/>
+            </a:lvl1pPr>
+            <a:lvl2pPr marL="457200" indent="0">
+              <a:buNone/>
+              <a:defRPr sz="1200"/>
+            </a:lvl2pPr>
+            <a:lvl3pPr marL="914400" indent="0">
+              <a:buNone/>
+              <a:defRPr sz="1000"/>
+            </a:lvl3pPr>
+            <a:lvl4pPr marL="1371600" indent="0">
+              <a:buNone/>
+              <a:defRPr sz="900"/>
+            </a:lvl4pPr>
+            <a:lvl5pPr marL="1828800" indent="0">
+              <a:buNone/>
+              <a:defRPr sz="900"/>
+            </a:lvl5pPr>
+            <a:lvl6pPr marL="2286000" indent="0">
+              <a:buNone/>
+              <a:defRPr sz="900"/>
+            </a:lvl6pPr>
+            <a:lvl7pPr marL="2743200" indent="0">
+              <a:buNone/>
+              <a:defRPr sz="900"/>
+            </a:lvl7pPr>
+            <a:lvl8pPr marL="3200400" indent="0">
+              <a:buNone/>
+              <a:defRPr sz="900"/>
+            </a:lvl8pPr>
+            <a:lvl9pPr marL="3657600" indent="0">
+              <a:buNone/>
+              <a:defRPr sz="900"/>
+            </a:lvl9pPr>
+          </a:lstStyle>
+          <a:p>
+            <a:pPr lvl="0"/>
+            <a:r>
+              <a:rPr lang="zh-CN" altLang="en-US"/>
+              <a:t>编辑母版文本样式</a:t>
+            </a:r>
+          </a:p>
+        </p:txBody>
+      </p:sp>
+      <p:sp>
+        <p:nvSpPr>
+          <p:cNvPr id="3" name="Date Placeholder 2"/>
+          <p:cNvSpPr>
+            <a:spLocks noGrp="1"/>
+          </p:cNvSpPr>
+          <p:nvPr>
+            <p:ph type="dt" sz="half" idx="10"/>
+          </p:nvPr>
+        </p:nvSpPr>
+        <p:spPr/>
+        <p:txBody>
+          <a:bodyPr/>
+          <a:lstStyle/>
+          <a:p>
+            <a:fld id="{B2F6F192-370A-4D37-9AD9-321C39A6B65E}" type="datetimeFigureOut">
+              <a:rPr lang="zh-CN" altLang="en-US" smtClean="0"/>
+              <a:t>2020/2/16</a:t>
+            </a:fld>
+            <a:endParaRPr lang="zh-CN" altLang="en-US"/>
+          </a:p>
+        </p:txBody>
+      </p:sp>
+      <p:sp>
+        <p:nvSpPr>
+          <p:cNvPr id="4" name="Footer Placeholder 3"/>
+          <p:cNvSpPr>
+            <a:spLocks noGrp="1"/>
+          </p:cNvSpPr>
+          <p:nvPr>
+            <p:ph type="ftr" sz="quarter" idx="11"/>
+          </p:nvPr>
+        </p:nvSpPr>
+        <p:spPr/>
+        <p:txBody>
+          <a:bodyPr/>
+          <a:lstStyle/>
+          <a:p>
+            <a:endParaRPr lang="zh-CN" altLang="en-US"/>
+          </a:p>
+        </p:txBody>
+      </p:sp>
+      <p:sp>
+        <p:nvSpPr>
+          <p:cNvPr id="5" name="Slide Number Placeholder 4"/>
+          <p:cNvSpPr>
+            <a:spLocks noGrp="1"/>
+          </p:cNvSpPr>
+          <p:nvPr>
+            <p:ph type="sldNum" sz="quarter" idx="12"/>
+          </p:nvPr>
+        </p:nvSpPr>
+        <p:spPr/>
+        <p:txBody>
+          <a:bodyPr/>
+          <a:lstStyle/>
+          <a:p>
+            <a:fld id="{E16CDB55-A21E-4331-9552-336F94895D9C}" type="slidenum">
+              <a:rPr lang="zh-CN" altLang="en-US" smtClean="0"/>
+              <a:t>‹#›</a:t>
+            </a:fld>
+            <a:endParaRPr lang="zh-CN" altLang="en-US"/>
+          </a:p>
+        </p:txBody>
+      </p:sp>
+    </p:spTree>
+    <p:extLst>
+      <p:ext uri="{BB962C8B-B14F-4D97-AF65-F5344CB8AC3E}">
+        <p14:creationId xmlns:p14="http://schemas.microsoft.com/office/powerpoint/2010/main" val="466528855"/>
+      </p:ext>
+    </p:extLst>
+  </p:cSld>
+  <p:clrMapOvr>
+    <a:masterClrMapping/>
+  </p:clrMapOvr>
+</p:sldLayout>
+</file>
+
+<file path=ppt/slideLayouts/slideLayout15.xml><?xml version="1.0" encoding="utf-8"?>
+<p:sldLayout xmlns:a="http://schemas.openxmlformats.org/drawingml/2006/main" xmlns:r="http://schemas.openxmlformats.org/officeDocument/2006/relationships" xmlns:p="http://schemas.openxmlformats.org/presentationml/2006/main" preserve="1">
+  <p:cSld name="3 图片栏">
+    <p:spTree>
+      <p:nvGrpSpPr>
+        <p:cNvPr id="1" name=""/>
+        <p:cNvGrpSpPr/>
+        <p:nvPr/>
+      </p:nvGrpSpPr>
+      <p:grpSpPr>
+        <a:xfrm>
+          <a:off x="0" y="0"/>
+          <a:ext cx="0" cy="0"/>
+          <a:chOff x="0" y="0"/>
+          <a:chExt cx="0" cy="0"/>
+        </a:xfrm>
+      </p:grpSpPr>
+      <p:sp>
+        <p:nvSpPr>
+          <p:cNvPr id="30" name="Title 1"/>
+          <p:cNvSpPr>
+            <a:spLocks noGrp="1"/>
+          </p:cNvSpPr>
+          <p:nvPr>
+            <p:ph type="title"/>
+          </p:nvPr>
+        </p:nvSpPr>
+        <p:spPr>
+          <a:xfrm>
+            <a:off x="685801" y="685800"/>
+            <a:ext cx="10396882" cy="1151965"/>
+          </a:xfrm>
+        </p:spPr>
+        <p:txBody>
+          <a:bodyPr/>
+          <a:lstStyle>
+            <a:lvl1pPr algn="ctr">
+              <a:defRPr/>
+            </a:lvl1pPr>
+          </a:lstStyle>
+          <a:p>
+            <a:r>
+              <a:rPr lang="zh-CN" altLang="en-US"/>
+              <a:t>单击此处编辑母版标题样式</a:t>
+            </a:r>
+            <a:endParaRPr lang="en-US" dirty="0"/>
+          </a:p>
+        </p:txBody>
+      </p:sp>
+      <p:sp>
+        <p:nvSpPr>
+          <p:cNvPr id="19" name="Text Placeholder 2"/>
+          <p:cNvSpPr>
+            <a:spLocks noGrp="1"/>
+          </p:cNvSpPr>
+          <p:nvPr>
+            <p:ph type="body" idx="1"/>
+          </p:nvPr>
+        </p:nvSpPr>
+        <p:spPr>
+          <a:xfrm>
+            <a:off x="691840" y="3813025"/>
+            <a:ext cx="3310128" cy="576262"/>
+          </a:xfrm>
+        </p:spPr>
+        <p:txBody>
+          <a:bodyPr anchor="b">
+            <a:noAutofit/>
+          </a:bodyPr>
+          <a:lstStyle>
+            <a:lvl1pPr marL="0" indent="0" algn="ctr">
+              <a:lnSpc>
+                <a:spcPct val="90000"/>
+              </a:lnSpc>
+              <a:buNone/>
+              <a:defRPr sz="2200" b="0">
+                <a:solidFill>
+                  <a:schemeClr val="accent1"/>
+                </a:solidFill>
+              </a:defRPr>
+            </a:lvl1pPr>
+            <a:lvl2pPr marL="457200" indent="0">
+              <a:buNone/>
+              <a:defRPr sz="2000" b="1"/>
+            </a:lvl2pPr>
+            <a:lvl3pPr marL="914400" indent="0">
+              <a:buNone/>
+              <a:defRPr sz="1800" b="1"/>
+            </a:lvl3pPr>
+            <a:lvl4pPr marL="1371600" indent="0">
+              <a:buNone/>
+              <a:defRPr sz="1600" b="1"/>
+            </a:lvl4pPr>
+            <a:lvl5pPr marL="1828800" indent="0">
+              <a:buNone/>
+              <a:defRPr sz="1600" b="1"/>
+            </a:lvl5pPr>
+            <a:lvl6pPr marL="2286000" indent="0">
+              <a:buNone/>
+              <a:defRPr sz="1600" b="1"/>
+            </a:lvl6pPr>
+            <a:lvl7pPr marL="2743200" indent="0">
+              <a:buNone/>
+              <a:defRPr sz="1600" b="1"/>
+            </a:lvl7pPr>
+            <a:lvl8pPr marL="3200400" indent="0">
+              <a:buNone/>
+              <a:defRPr sz="1600" b="1"/>
+            </a:lvl8pPr>
+            <a:lvl9pPr marL="3657600" indent="0">
+              <a:buNone/>
+              <a:defRPr sz="1600" b="1"/>
+            </a:lvl9pPr>
+          </a:lstStyle>
+          <a:p>
+            <a:pPr lvl="0"/>
+            <a:r>
+              <a:rPr lang="zh-CN" altLang="en-US"/>
+              <a:t>编辑母版文本样式</a:t>
+            </a:r>
+          </a:p>
+        </p:txBody>
+      </p:sp>
+      <p:sp>
+        <p:nvSpPr>
+          <p:cNvPr id="20" name="Picture Placeholder 2"/>
+          <p:cNvSpPr>
+            <a:spLocks noGrp="1" noChangeAspect="1"/>
+          </p:cNvSpPr>
+          <p:nvPr>
+            <p:ph type="pic" idx="15"/>
+          </p:nvPr>
+        </p:nvSpPr>
+        <p:spPr>
+          <a:xfrm>
+            <a:off x="685780" y="2063395"/>
+            <a:ext cx="3310128" cy="1536725"/>
+          </a:xfrm>
+          <a:prstGeom prst="roundRect">
+            <a:avLst>
+              <a:gd name="adj" fmla="val 0"/>
+            </a:avLst>
+          </a:prstGeom>
+          <a:ln w="57150" cmpd="thinThick">
+            <a:solidFill>
+              <a:schemeClr val="bg1">
+                <a:lumMod val="50000"/>
+              </a:schemeClr>
+            </a:solidFill>
+            <a:miter lim="800000"/>
+          </a:ln>
+        </p:spPr>
+        <p:txBody>
+          <a:bodyPr anchor="t">
+            <a:normAutofit/>
+          </a:bodyPr>
+          <a:lstStyle>
+            <a:lvl1pPr marL="0" indent="0" algn="ctr">
+              <a:buNone/>
+              <a:defRPr sz="1600"/>
+            </a:lvl1pPr>
+            <a:lvl2pPr marL="457200" indent="0">
+              <a:buNone/>
+              <a:defRPr sz="1600"/>
+            </a:lvl2pPr>
+            <a:lvl3pPr marL="914400" indent="0">
+              <a:buNone/>
+              <a:defRPr sz="1600"/>
+            </a:lvl3pPr>
+            <a:lvl4pPr marL="1371600" indent="0">
+              <a:buNone/>
+              <a:defRPr sz="1600"/>
+            </a:lvl4pPr>
+            <a:lvl5pPr marL="1828800" indent="0">
+              <a:buNone/>
+              <a:defRPr sz="1600"/>
+            </a:lvl5pPr>
+            <a:lvl6pPr marL="2286000" indent="0">
+              <a:buNone/>
+              <a:defRPr sz="1600"/>
+            </a:lvl6pPr>
+            <a:lvl7pPr marL="2743200" indent="0">
+              <a:buNone/>
+              <a:defRPr sz="1600"/>
+            </a:lvl7pPr>
+            <a:lvl8pPr marL="3200400" indent="0">
+              <a:buNone/>
+              <a:defRPr sz="1600"/>
+            </a:lvl8pPr>
+            <a:lvl9pPr marL="3657600" indent="0">
+              <a:buNone/>
+              <a:defRPr sz="1600"/>
+            </a:lvl9pPr>
+          </a:lstStyle>
+          <a:p>
+            <a:r>
+              <a:rPr lang="zh-CN" altLang="en-US"/>
+              <a:t>单击图标添加图片</a:t>
+            </a:r>
+            <a:endParaRPr lang="en-US" dirty="0"/>
+          </a:p>
+        </p:txBody>
+      </p:sp>
+      <p:sp>
+        <p:nvSpPr>
+          <p:cNvPr id="21" name="Text Placeholder 3"/>
+          <p:cNvSpPr>
+            <a:spLocks noGrp="1"/>
+          </p:cNvSpPr>
+          <p:nvPr>
+            <p:ph type="body" sz="half" idx="18"/>
+          </p:nvPr>
+        </p:nvSpPr>
+        <p:spPr>
+          <a:xfrm>
+            <a:off x="691840" y="4389287"/>
+            <a:ext cx="3310128" cy="985299"/>
+          </a:xfrm>
+        </p:spPr>
+        <p:txBody>
+          <a:bodyPr anchor="t">
+            <a:normAutofit/>
+          </a:bodyPr>
+          <a:lstStyle>
+            <a:lvl1pPr marL="0" indent="0" algn="ctr">
+              <a:buNone/>
+              <a:defRPr sz="1400"/>
+            </a:lvl1pPr>
+            <a:lvl2pPr marL="457200" indent="0">
+              <a:buNone/>
+              <a:defRPr sz="1200"/>
+            </a:lvl2pPr>
+            <a:lvl3pPr marL="914400" indent="0">
+              <a:buNone/>
+              <a:defRPr sz="1000"/>
+            </a:lvl3pPr>
+            <a:lvl4pPr marL="1371600" indent="0">
+              <a:buNone/>
+              <a:defRPr sz="900"/>
+            </a:lvl4pPr>
+            <a:lvl5pPr marL="1828800" indent="0">
+              <a:buNone/>
+              <a:defRPr sz="900"/>
+            </a:lvl5pPr>
+            <a:lvl6pPr marL="2286000" indent="0">
+              <a:buNone/>
+              <a:defRPr sz="900"/>
+            </a:lvl6pPr>
+            <a:lvl7pPr marL="2743200" indent="0">
+              <a:buNone/>
+              <a:defRPr sz="900"/>
+            </a:lvl7pPr>
+            <a:lvl8pPr marL="3200400" indent="0">
+              <a:buNone/>
+              <a:defRPr sz="900"/>
+            </a:lvl8pPr>
+            <a:lvl9pPr marL="3657600" indent="0">
+              <a:buNone/>
+              <a:defRPr sz="900"/>
+            </a:lvl9pPr>
+          </a:lstStyle>
+          <a:p>
+            <a:pPr lvl="0"/>
+            <a:r>
+              <a:rPr lang="zh-CN" altLang="en-US"/>
+              <a:t>编辑母版文本样式</a:t>
+            </a:r>
+          </a:p>
+        </p:txBody>
+      </p:sp>
+      <p:sp>
+        <p:nvSpPr>
+          <p:cNvPr id="22" name="Text Placeholder 4"/>
+          <p:cNvSpPr>
+            <a:spLocks noGrp="1"/>
+          </p:cNvSpPr>
+          <p:nvPr>
+            <p:ph type="body" sz="quarter" idx="3"/>
+          </p:nvPr>
+        </p:nvSpPr>
+        <p:spPr>
+          <a:xfrm>
+            <a:off x="4237410" y="3813025"/>
+            <a:ext cx="3310128" cy="576262"/>
+          </a:xfrm>
+        </p:spPr>
+        <p:txBody>
+          <a:bodyPr anchor="b">
+            <a:noAutofit/>
+          </a:bodyPr>
+          <a:lstStyle>
+            <a:lvl1pPr marL="0" indent="0" algn="ctr">
+              <a:lnSpc>
+                <a:spcPct val="90000"/>
+              </a:lnSpc>
+              <a:buNone/>
+              <a:defRPr sz="2200" b="0">
+                <a:solidFill>
+                  <a:schemeClr val="accent1"/>
+                </a:solidFill>
+              </a:defRPr>
+            </a:lvl1pPr>
+            <a:lvl2pPr marL="457200" indent="0">
+              <a:buNone/>
+              <a:defRPr sz="2000" b="1"/>
+            </a:lvl2pPr>
+            <a:lvl3pPr marL="914400" indent="0">
+              <a:buNone/>
+              <a:defRPr sz="1800" b="1"/>
+            </a:lvl3pPr>
+            <a:lvl4pPr marL="1371600" indent="0">
+              <a:buNone/>
+              <a:defRPr sz="1600" b="1"/>
+            </a:lvl4pPr>
+            <a:lvl5pPr marL="1828800" indent="0">
+              <a:buNone/>
+              <a:defRPr sz="1600" b="1"/>
+            </a:lvl5pPr>
+            <a:lvl6pPr marL="2286000" indent="0">
+              <a:buNone/>
+              <a:defRPr sz="1600" b="1"/>
+            </a:lvl6pPr>
+            <a:lvl7pPr marL="2743200" indent="0">
+              <a:buNone/>
+              <a:defRPr sz="1600" b="1"/>
+            </a:lvl7pPr>
+            <a:lvl8pPr marL="3200400" indent="0">
+              <a:buNone/>
+              <a:defRPr sz="1600" b="1"/>
+            </a:lvl8pPr>
+            <a:lvl9pPr marL="3657600" indent="0">
+              <a:buNone/>
+              <a:defRPr sz="1600" b="1"/>
+            </a:lvl9pPr>
+          </a:lstStyle>
+          <a:p>
+            <a:pPr lvl="0"/>
+            <a:r>
+              <a:rPr lang="zh-CN" altLang="en-US"/>
+              <a:t>编辑母版文本样式</a:t>
+            </a:r>
+          </a:p>
+        </p:txBody>
+      </p:sp>
+      <p:sp>
+        <p:nvSpPr>
+          <p:cNvPr id="23" name="Picture Placeholder 2"/>
+          <p:cNvSpPr>
+            <a:spLocks noGrp="1" noChangeAspect="1"/>
+          </p:cNvSpPr>
+          <p:nvPr>
+            <p:ph type="pic" idx="21"/>
+          </p:nvPr>
+        </p:nvSpPr>
+        <p:spPr>
+          <a:xfrm>
+            <a:off x="4235999" y="2063395"/>
+            <a:ext cx="3310128" cy="1535237"/>
+          </a:xfrm>
+          <a:prstGeom prst="roundRect">
+            <a:avLst>
+              <a:gd name="adj" fmla="val 0"/>
+            </a:avLst>
+          </a:prstGeom>
+          <a:ln w="57150" cmpd="thinThick">
+            <a:solidFill>
+              <a:schemeClr val="bg1">
+                <a:lumMod val="50000"/>
+              </a:schemeClr>
+            </a:solidFill>
+            <a:miter lim="800000"/>
+          </a:ln>
+        </p:spPr>
+        <p:txBody>
+          <a:bodyPr anchor="t">
+            <a:normAutofit/>
+          </a:bodyPr>
+          <a:lstStyle>
+            <a:lvl1pPr marL="0" indent="0" algn="ctr">
+              <a:buNone/>
+              <a:defRPr sz="1600"/>
+            </a:lvl1pPr>
+            <a:lvl2pPr marL="457200" indent="0">
+              <a:buNone/>
+              <a:defRPr sz="1600"/>
+            </a:lvl2pPr>
+            <a:lvl3pPr marL="914400" indent="0">
+              <a:buNone/>
+              <a:defRPr sz="1600"/>
+            </a:lvl3pPr>
+            <a:lvl4pPr marL="1371600" indent="0">
+              <a:buNone/>
+              <a:defRPr sz="1600"/>
+            </a:lvl4pPr>
+            <a:lvl5pPr marL="1828800" indent="0">
+              <a:buNone/>
+              <a:defRPr sz="1600"/>
+            </a:lvl5pPr>
+            <a:lvl6pPr marL="2286000" indent="0">
+              <a:buNone/>
+              <a:defRPr sz="1600"/>
+            </a:lvl6pPr>
+            <a:lvl7pPr marL="2743200" indent="0">
+              <a:buNone/>
+              <a:defRPr sz="1600"/>
+            </a:lvl7pPr>
+            <a:lvl8pPr marL="3200400" indent="0">
+              <a:buNone/>
+              <a:defRPr sz="1600"/>
+            </a:lvl8pPr>
+            <a:lvl9pPr marL="3657600" indent="0">
+              <a:buNone/>
+              <a:defRPr sz="1600"/>
+            </a:lvl9pPr>
+          </a:lstStyle>
+          <a:p>
+            <a:r>
+              <a:rPr lang="zh-CN" altLang="en-US"/>
+              <a:t>单击图标添加图片</a:t>
+            </a:r>
+            <a:endParaRPr lang="en-US" dirty="0"/>
+          </a:p>
+        </p:txBody>
+      </p:sp>
+      <p:sp>
+        <p:nvSpPr>
+          <p:cNvPr id="24" name="Text Placeholder 3"/>
+          <p:cNvSpPr>
+            <a:spLocks noGrp="1"/>
+          </p:cNvSpPr>
+          <p:nvPr>
+            <p:ph type="body" sz="half" idx="19"/>
+          </p:nvPr>
+        </p:nvSpPr>
+        <p:spPr>
+          <a:xfrm>
+            <a:off x="4235999" y="4389286"/>
+            <a:ext cx="3310128" cy="985300"/>
+          </a:xfrm>
+        </p:spPr>
+        <p:txBody>
+          <a:bodyPr anchor="t">
+            <a:normAutofit/>
+          </a:bodyPr>
+          <a:lstStyle>
+            <a:lvl1pPr marL="0" indent="0" algn="ctr">
+              <a:buNone/>
+              <a:defRPr sz="1400"/>
+            </a:lvl1pPr>
+            <a:lvl2pPr marL="457200" indent="0">
+              <a:buNone/>
+              <a:defRPr sz="1200"/>
+            </a:lvl2pPr>
+            <a:lvl3pPr marL="914400" indent="0">
+              <a:buNone/>
+              <a:defRPr sz="1000"/>
+            </a:lvl3pPr>
+            <a:lvl4pPr marL="1371600" indent="0">
+              <a:buNone/>
+              <a:defRPr sz="900"/>
+            </a:lvl4pPr>
+            <a:lvl5pPr marL="1828800" indent="0">
+              <a:buNone/>
+              <a:defRPr sz="900"/>
+            </a:lvl5pPr>
+            <a:lvl6pPr marL="2286000" indent="0">
+              <a:buNone/>
+              <a:defRPr sz="900"/>
+            </a:lvl6pPr>
+            <a:lvl7pPr marL="2743200" indent="0">
+              <a:buNone/>
+              <a:defRPr sz="900"/>
+            </a:lvl7pPr>
+            <a:lvl8pPr marL="3200400" indent="0">
+              <a:buNone/>
+              <a:defRPr sz="900"/>
+            </a:lvl8pPr>
+            <a:lvl9pPr marL="3657600" indent="0">
+              <a:buNone/>
+              <a:defRPr sz="900"/>
+            </a:lvl9pPr>
+          </a:lstStyle>
+          <a:p>
+            <a:pPr lvl="0"/>
+            <a:r>
+              <a:rPr lang="zh-CN" altLang="en-US"/>
+              <a:t>编辑母版文本样式</a:t>
+            </a:r>
+          </a:p>
+        </p:txBody>
+      </p:sp>
+      <p:sp>
+        <p:nvSpPr>
+          <p:cNvPr id="25" name="Text Placeholder 4"/>
+          <p:cNvSpPr>
+            <a:spLocks noGrp="1"/>
+          </p:cNvSpPr>
+          <p:nvPr>
+            <p:ph type="body" sz="quarter" idx="13"/>
+          </p:nvPr>
+        </p:nvSpPr>
+        <p:spPr>
+          <a:xfrm>
+            <a:off x="7768944" y="3813025"/>
+            <a:ext cx="3310128" cy="576262"/>
+          </a:xfrm>
+        </p:spPr>
+        <p:txBody>
+          <a:bodyPr anchor="b">
+            <a:noAutofit/>
+          </a:bodyPr>
+          <a:lstStyle>
+            <a:lvl1pPr marL="0" indent="0" algn="ctr">
+              <a:lnSpc>
+                <a:spcPct val="90000"/>
+              </a:lnSpc>
+              <a:buNone/>
+              <a:defRPr sz="2200" b="0">
+                <a:solidFill>
+                  <a:schemeClr val="accent1"/>
+                </a:solidFill>
+              </a:defRPr>
+            </a:lvl1pPr>
+            <a:lvl2pPr marL="457200" indent="0">
+              <a:buNone/>
+              <a:defRPr sz="2000" b="1"/>
+            </a:lvl2pPr>
+            <a:lvl3pPr marL="914400" indent="0">
+              <a:buNone/>
+              <a:defRPr sz="1800" b="1"/>
+            </a:lvl3pPr>
+            <a:lvl4pPr marL="1371600" indent="0">
+              <a:buNone/>
+              <a:defRPr sz="1600" b="1"/>
+            </a:lvl4pPr>
+            <a:lvl5pPr marL="1828800" indent="0">
+              <a:buNone/>
+              <a:defRPr sz="1600" b="1"/>
+            </a:lvl5pPr>
+            <a:lvl6pPr marL="2286000" indent="0">
+              <a:buNone/>
+              <a:defRPr sz="1600" b="1"/>
+            </a:lvl6pPr>
+            <a:lvl7pPr marL="2743200" indent="0">
+              <a:buNone/>
+              <a:defRPr sz="1600" b="1"/>
+            </a:lvl7pPr>
+            <a:lvl8pPr marL="3200400" indent="0">
+              <a:buNone/>
+              <a:defRPr sz="1600" b="1"/>
+            </a:lvl8pPr>
+            <a:lvl9pPr marL="3657600" indent="0">
+              <a:buNone/>
+              <a:defRPr sz="1600" b="1"/>
+            </a:lvl9pPr>
+          </a:lstStyle>
+          <a:p>
+            <a:pPr lvl="0"/>
+            <a:r>
+              <a:rPr lang="zh-CN" altLang="en-US"/>
+              <a:t>编辑母版文本样式</a:t>
+            </a:r>
+          </a:p>
+        </p:txBody>
+      </p:sp>
+      <p:sp>
+        <p:nvSpPr>
+          <p:cNvPr id="26" name="Picture Placeholder 2"/>
+          <p:cNvSpPr>
+            <a:spLocks noGrp="1" noChangeAspect="1"/>
+          </p:cNvSpPr>
+          <p:nvPr>
+            <p:ph type="pic" idx="22"/>
+          </p:nvPr>
+        </p:nvSpPr>
+        <p:spPr>
+          <a:xfrm>
+            <a:off x="7768819" y="2063394"/>
+            <a:ext cx="3310128" cy="1537196"/>
+          </a:xfrm>
+          <a:prstGeom prst="roundRect">
+            <a:avLst>
+              <a:gd name="adj" fmla="val 0"/>
+            </a:avLst>
+          </a:prstGeom>
+          <a:ln w="57150" cmpd="thinThick">
+            <a:solidFill>
+              <a:schemeClr val="bg1">
+                <a:lumMod val="50000"/>
+              </a:schemeClr>
+            </a:solidFill>
+            <a:miter lim="800000"/>
+          </a:ln>
+        </p:spPr>
+        <p:txBody>
+          <a:bodyPr anchor="t">
+            <a:normAutofit/>
+          </a:bodyPr>
+          <a:lstStyle>
+            <a:lvl1pPr marL="0" indent="0" algn="ctr">
+              <a:buNone/>
+              <a:defRPr sz="1600"/>
+            </a:lvl1pPr>
+            <a:lvl2pPr marL="457200" indent="0">
+              <a:buNone/>
+              <a:defRPr sz="1600"/>
+            </a:lvl2pPr>
+            <a:lvl3pPr marL="914400" indent="0">
+              <a:buNone/>
+              <a:defRPr sz="1600"/>
+            </a:lvl3pPr>
+            <a:lvl4pPr marL="1371600" indent="0">
+              <a:buNone/>
+              <a:defRPr sz="1600"/>
+            </a:lvl4pPr>
+            <a:lvl5pPr marL="1828800" indent="0">
+              <a:buNone/>
+              <a:defRPr sz="1600"/>
+            </a:lvl5pPr>
+            <a:lvl6pPr marL="2286000" indent="0">
+              <a:buNone/>
+              <a:defRPr sz="1600"/>
+            </a:lvl6pPr>
+            <a:lvl7pPr marL="2743200" indent="0">
+              <a:buNone/>
+              <a:defRPr sz="1600"/>
+            </a:lvl7pPr>
+            <a:lvl8pPr marL="3200400" indent="0">
+              <a:buNone/>
+              <a:defRPr sz="1600"/>
+            </a:lvl8pPr>
+            <a:lvl9pPr marL="3657600" indent="0">
+              <a:buNone/>
+              <a:defRPr sz="1600"/>
+            </a:lvl9pPr>
+          </a:lstStyle>
+          <a:p>
+            <a:r>
+              <a:rPr lang="zh-CN" altLang="en-US"/>
+              <a:t>单击图标添加图片</a:t>
+            </a:r>
+            <a:endParaRPr lang="en-US" dirty="0"/>
+          </a:p>
+        </p:txBody>
+      </p:sp>
+      <p:sp>
+        <p:nvSpPr>
+          <p:cNvPr id="27" name="Text Placeholder 3"/>
+          <p:cNvSpPr>
+            <a:spLocks noGrp="1"/>
+          </p:cNvSpPr>
+          <p:nvPr>
+            <p:ph type="body" sz="half" idx="20"/>
+          </p:nvPr>
+        </p:nvSpPr>
+        <p:spPr>
+          <a:xfrm>
+            <a:off x="7768819" y="4389284"/>
+            <a:ext cx="3310128" cy="985302"/>
+          </a:xfrm>
+        </p:spPr>
+        <p:txBody>
+          <a:bodyPr anchor="t">
+            <a:normAutofit/>
+          </a:bodyPr>
+          <a:lstStyle>
+            <a:lvl1pPr marL="0" indent="0" algn="ctr">
+              <a:buNone/>
+              <a:defRPr sz="1400"/>
+            </a:lvl1pPr>
+            <a:lvl2pPr marL="457200" indent="0">
+              <a:buNone/>
+              <a:defRPr sz="1200"/>
+            </a:lvl2pPr>
+            <a:lvl3pPr marL="914400" indent="0">
+              <a:buNone/>
+              <a:defRPr sz="1000"/>
+            </a:lvl3pPr>
+            <a:lvl4pPr marL="1371600" indent="0">
+              <a:buNone/>
+              <a:defRPr sz="900"/>
+            </a:lvl4pPr>
+            <a:lvl5pPr marL="1828800" indent="0">
+              <a:buNone/>
+              <a:defRPr sz="900"/>
+            </a:lvl5pPr>
+            <a:lvl6pPr marL="2286000" indent="0">
+              <a:buNone/>
+              <a:defRPr sz="900"/>
+            </a:lvl6pPr>
+            <a:lvl7pPr marL="2743200" indent="0">
+              <a:buNone/>
+              <a:defRPr sz="900"/>
+            </a:lvl7pPr>
+            <a:lvl8pPr marL="3200400" indent="0">
+              <a:buNone/>
+              <a:defRPr sz="900"/>
+            </a:lvl8pPr>
+            <a:lvl9pPr marL="3657600" indent="0">
+              <a:buNone/>
+              <a:defRPr sz="900"/>
+            </a:lvl9pPr>
+          </a:lstStyle>
+          <a:p>
+            <a:pPr lvl="0"/>
+            <a:r>
+              <a:rPr lang="zh-CN" altLang="en-US"/>
+              <a:t>编辑母版文本样式</a:t>
+            </a:r>
+          </a:p>
+        </p:txBody>
+      </p:sp>
+      <p:sp>
+        <p:nvSpPr>
+          <p:cNvPr id="3" name="Date Placeholder 2"/>
+          <p:cNvSpPr>
+            <a:spLocks noGrp="1"/>
+          </p:cNvSpPr>
+          <p:nvPr>
+            <p:ph type="dt" sz="half" idx="10"/>
+          </p:nvPr>
+        </p:nvSpPr>
+        <p:spPr/>
+        <p:txBody>
+          <a:bodyPr/>
+          <a:lstStyle/>
+          <a:p>
+            <a:fld id="{B2F6F192-370A-4D37-9AD9-321C39A6B65E}" type="datetimeFigureOut">
+              <a:rPr lang="zh-CN" altLang="en-US" smtClean="0"/>
+              <a:t>2020/2/16</a:t>
+            </a:fld>
+            <a:endParaRPr lang="zh-CN" altLang="en-US"/>
+          </a:p>
+        </p:txBody>
+      </p:sp>
+      <p:sp>
+        <p:nvSpPr>
+          <p:cNvPr id="4" name="Footer Placeholder 3"/>
+          <p:cNvSpPr>
+            <a:spLocks noGrp="1"/>
+          </p:cNvSpPr>
+          <p:nvPr>
+            <p:ph type="ftr" sz="quarter" idx="11"/>
+          </p:nvPr>
+        </p:nvSpPr>
+        <p:spPr/>
+        <p:txBody>
+          <a:bodyPr/>
+          <a:lstStyle/>
+          <a:p>
+            <a:endParaRPr lang="zh-CN" altLang="en-US"/>
+          </a:p>
+        </p:txBody>
+      </p:sp>
+      <p:sp>
+        <p:nvSpPr>
+          <p:cNvPr id="5" name="Slide Number Placeholder 4"/>
+          <p:cNvSpPr>
+            <a:spLocks noGrp="1"/>
+          </p:cNvSpPr>
+          <p:nvPr>
+            <p:ph type="sldNum" sz="quarter" idx="12"/>
+          </p:nvPr>
+        </p:nvSpPr>
+        <p:spPr/>
+        <p:txBody>
+          <a:bodyPr/>
+          <a:lstStyle/>
+          <a:p>
+            <a:fld id="{E16CDB55-A21E-4331-9552-336F94895D9C}" type="slidenum">
+              <a:rPr lang="zh-CN" altLang="en-US" smtClean="0"/>
+              <a:t>‹#›</a:t>
+            </a:fld>
+            <a:endParaRPr lang="zh-CN" altLang="en-US"/>
+          </a:p>
+        </p:txBody>
+      </p:sp>
+    </p:spTree>
+    <p:extLst>
+      <p:ext uri="{BB962C8B-B14F-4D97-AF65-F5344CB8AC3E}">
+        <p14:creationId xmlns:p14="http://schemas.microsoft.com/office/powerpoint/2010/main" val="1590282015"/>
+      </p:ext>
+    </p:extLst>
+  </p:cSld>
+  <p:clrMapOvr>
+    <a:masterClrMapping/>
+  </p:clrMapOvr>
+</p:sldLayout>
+</file>
+
+<file path=ppt/slideLayouts/slideLayout16.xml><?xml version="1.0" encoding="utf-8"?>
 <p:sldLayout xmlns:a="http://schemas.openxmlformats.org/drawingml/2006/main" xmlns:r="http://schemas.openxmlformats.org/officeDocument/2006/relationships" xmlns:p="http://schemas.openxmlformats.org/presentationml/2006/main" type="vertTx" preserve="1">
   <p:cSld name="标题和竖排文字">
     <p:spTree>
@@ -356,13 +3216,7 @@
       </p:grpSpPr>
       <p:sp>
         <p:nvSpPr>
-          <p:cNvPr id="2" name="标题 1">
-            <a:extLst>
-              <a:ext uri="{FF2B5EF4-FFF2-40B4-BE49-F238E27FC236}">
-                <a16:creationId xmlns:a16="http://schemas.microsoft.com/office/drawing/2014/main" id="{C92138F8-C033-4056-A8EC-4D9CA7E6C622}"/>
-              </a:ext>
-            </a:extLst>
-          </p:cNvPr>
+          <p:cNvPr id="2" name="Title 1"/>
           <p:cNvSpPr>
             <a:spLocks noGrp="1"/>
           </p:cNvSpPr>
@@ -373,34 +3227,38 @@
         <p:spPr/>
         <p:txBody>
           <a:bodyPr/>
-          <a:lstStyle/>
+          <a:lstStyle>
+            <a:lvl1pPr algn="r">
+              <a:defRPr/>
+            </a:lvl1pPr>
+          </a:lstStyle>
           <a:p>
             <a:r>
               <a:rPr lang="zh-CN" altLang="en-US"/>
               <a:t>单击此处编辑母版标题样式</a:t>
             </a:r>
-          </a:p>
-        </p:txBody>
-      </p:sp>
-      <p:sp>
-        <p:nvSpPr>
-          <p:cNvPr id="3" name="竖排文字占位符 2">
-            <a:extLst>
-              <a:ext uri="{FF2B5EF4-FFF2-40B4-BE49-F238E27FC236}">
-                <a16:creationId xmlns:a16="http://schemas.microsoft.com/office/drawing/2014/main" id="{69656FD4-62AF-493F-B4F7-35001A7EE5FD}"/>
-              </a:ext>
-            </a:extLst>
-          </p:cNvPr>
-          <p:cNvSpPr>
-            <a:spLocks noGrp="1"/>
-          </p:cNvSpPr>
-          <p:nvPr>
-            <p:ph type="body" orient="vert" idx="1"/>
-          </p:nvPr>
-        </p:nvSpPr>
-        <p:spPr/>
-        <p:txBody>
-          <a:bodyPr vert="eaVert"/>
+            <a:endParaRPr lang="en-US" dirty="0"/>
+          </a:p>
+        </p:txBody>
+      </p:sp>
+      <p:sp>
+        <p:nvSpPr>
+          <p:cNvPr id="11" name="Vertical Text Placeholder 2"/>
+          <p:cNvSpPr>
+            <a:spLocks noGrp="1"/>
+          </p:cNvSpPr>
+          <p:nvPr>
+            <p:ph type="body" orient="vert" sz="quarter" idx="13"/>
+          </p:nvPr>
+        </p:nvSpPr>
+        <p:spPr>
+          <a:xfrm>
+            <a:off x="685800" y="2063396"/>
+            <a:ext cx="10394707" cy="3311190"/>
+          </a:xfrm>
+        </p:spPr>
+        <p:txBody>
+          <a:bodyPr vert="eaVert" anchor="t"/>
           <a:lstStyle/>
           <a:p>
             <a:pPr lvl="0"/>
@@ -436,18 +3294,13 @@
               <a:rPr lang="zh-CN" altLang="en-US"/>
               <a:t>第五级</a:t>
             </a:r>
-          </a:p>
-        </p:txBody>
-      </p:sp>
-      <p:sp>
-        <p:nvSpPr>
-          <p:cNvPr id="4" name="日期占位符 3">
-            <a:extLst>
-              <a:ext uri="{FF2B5EF4-FFF2-40B4-BE49-F238E27FC236}">
-                <a16:creationId xmlns:a16="http://schemas.microsoft.com/office/drawing/2014/main" id="{477CFEDD-7A11-43EB-A01A-61C165520AB8}"/>
-              </a:ext>
-            </a:extLst>
-          </p:cNvPr>
+            <a:endParaRPr lang="en-US" dirty="0"/>
+          </a:p>
+        </p:txBody>
+      </p:sp>
+      <p:sp>
+        <p:nvSpPr>
+          <p:cNvPr id="4" name="Date Placeholder 3"/>
           <p:cNvSpPr>
             <a:spLocks noGrp="1"/>
           </p:cNvSpPr>
@@ -462,7 +3315,7 @@
           <a:p>
             <a:fld id="{B2F6F192-370A-4D37-9AD9-321C39A6B65E}" type="datetimeFigureOut">
               <a:rPr lang="zh-CN" altLang="en-US" smtClean="0"/>
-              <a:t>2020/2/15</a:t>
+              <a:t>2020/2/16</a:t>
             </a:fld>
             <a:endParaRPr lang="zh-CN" altLang="en-US"/>
           </a:p>
@@ -470,13 +3323,7 @@
       </p:sp>
       <p:sp>
         <p:nvSpPr>
-          <p:cNvPr id="5" name="页脚占位符 4">
-            <a:extLst>
-              <a:ext uri="{FF2B5EF4-FFF2-40B4-BE49-F238E27FC236}">
-                <a16:creationId xmlns:a16="http://schemas.microsoft.com/office/drawing/2014/main" id="{6E31C104-3B91-4A5F-9BC8-F6436AB7BFDA}"/>
-              </a:ext>
-            </a:extLst>
-          </p:cNvPr>
+          <p:cNvPr id="5" name="Footer Placeholder 4"/>
           <p:cNvSpPr>
             <a:spLocks noGrp="1"/>
           </p:cNvSpPr>
@@ -495,13 +3342,7 @@
       </p:sp>
       <p:sp>
         <p:nvSpPr>
-          <p:cNvPr id="6" name="灯片编号占位符 5">
-            <a:extLst>
-              <a:ext uri="{FF2B5EF4-FFF2-40B4-BE49-F238E27FC236}">
-                <a16:creationId xmlns:a16="http://schemas.microsoft.com/office/drawing/2014/main" id="{08C8DCF8-C21B-409C-AC41-64B2516597BE}"/>
-              </a:ext>
-            </a:extLst>
-          </p:cNvPr>
+          <p:cNvPr id="6" name="Slide Number Placeholder 5"/>
           <p:cNvSpPr>
             <a:spLocks noGrp="1"/>
           </p:cNvSpPr>
@@ -525,7 +3366,7 @@
     </p:spTree>
     <p:extLst>
       <p:ext uri="{BB962C8B-B14F-4D97-AF65-F5344CB8AC3E}">
-        <p14:creationId xmlns:p14="http://schemas.microsoft.com/office/powerpoint/2010/main" val="1644087540"/>
+        <p14:creationId xmlns:p14="http://schemas.microsoft.com/office/powerpoint/2010/main" val="3423145634"/>
       </p:ext>
     </p:extLst>
   </p:cSld>
@@ -535,7 +3376,7 @@
 </p:sldLayout>
 </file>
 
-<file path=ppt/slideLayouts/slideLayout11.xml><?xml version="1.0" encoding="utf-8"?>
+<file path=ppt/slideLayouts/slideLayout17.xml><?xml version="1.0" encoding="utf-8"?>
 <p:sldLayout xmlns:a="http://schemas.openxmlformats.org/drawingml/2006/main" xmlns:r="http://schemas.openxmlformats.org/officeDocument/2006/relationships" xmlns:p="http://schemas.openxmlformats.org/presentationml/2006/main" type="vertTitleAndTx" preserve="1">
   <p:cSld name="竖排标题与文本">
     <p:spTree>
@@ -554,13 +3395,7 @@
       </p:grpSpPr>
       <p:sp>
         <p:nvSpPr>
-          <p:cNvPr id="2" name="竖排标题 1">
-            <a:extLst>
-              <a:ext uri="{FF2B5EF4-FFF2-40B4-BE49-F238E27FC236}">
-                <a16:creationId xmlns:a16="http://schemas.microsoft.com/office/drawing/2014/main" id="{980D5341-81C0-4CDF-8214-27671E4A91C5}"/>
-              </a:ext>
-            </a:extLst>
-          </p:cNvPr>
+          <p:cNvPr id="2" name="Vertical Title 1"/>
           <p:cNvSpPr>
             <a:spLocks noGrp="1"/>
           </p:cNvSpPr>
@@ -570,45 +3405,44 @@
         </p:nvSpPr>
         <p:spPr>
           <a:xfrm>
-            <a:off x="8724900" y="365125"/>
-            <a:ext cx="2628900" cy="5811838"/>
+            <a:off x="8815862" y="685800"/>
+            <a:ext cx="2264646" cy="4688785"/>
           </a:xfrm>
         </p:spPr>
         <p:txBody>
           <a:bodyPr vert="eaVert"/>
-          <a:lstStyle/>
+          <a:lstStyle>
+            <a:lvl1pPr algn="l">
+              <a:defRPr/>
+            </a:lvl1pPr>
+          </a:lstStyle>
           <a:p>
             <a:r>
               <a:rPr lang="zh-CN" altLang="en-US"/>
               <a:t>单击此处编辑母版标题样式</a:t>
             </a:r>
-          </a:p>
-        </p:txBody>
-      </p:sp>
-      <p:sp>
-        <p:nvSpPr>
-          <p:cNvPr id="3" name="竖排文字占位符 2">
-            <a:extLst>
-              <a:ext uri="{FF2B5EF4-FFF2-40B4-BE49-F238E27FC236}">
-                <a16:creationId xmlns:a16="http://schemas.microsoft.com/office/drawing/2014/main" id="{82D97529-9505-448D-971E-D97895B09E82}"/>
-              </a:ext>
-            </a:extLst>
-          </p:cNvPr>
-          <p:cNvSpPr>
-            <a:spLocks noGrp="1"/>
-          </p:cNvSpPr>
-          <p:nvPr>
-            <p:ph type="body" orient="vert" idx="1"/>
+            <a:endParaRPr lang="en-US" dirty="0"/>
+          </a:p>
+        </p:txBody>
+      </p:sp>
+      <p:sp>
+        <p:nvSpPr>
+          <p:cNvPr id="8" name="Vertical Text Placeholder 2"/>
+          <p:cNvSpPr>
+            <a:spLocks noGrp="1"/>
+          </p:cNvSpPr>
+          <p:nvPr>
+            <p:ph type="body" orient="vert" sz="quarter" idx="13"/>
           </p:nvPr>
         </p:nvSpPr>
         <p:spPr>
           <a:xfrm>
-            <a:off x="838200" y="365125"/>
-            <a:ext cx="7734300" cy="5811838"/>
-          </a:xfrm>
-        </p:spPr>
-        <p:txBody>
-          <a:bodyPr vert="eaVert"/>
+            <a:off x="685800" y="685800"/>
+            <a:ext cx="7904431" cy="4688785"/>
+          </a:xfrm>
+        </p:spPr>
+        <p:txBody>
+          <a:bodyPr vert="eaVert" anchor="t"/>
           <a:lstStyle/>
           <a:p>
             <a:pPr lvl="0"/>
@@ -644,18 +3478,13 @@
               <a:rPr lang="zh-CN" altLang="en-US"/>
               <a:t>第五级</a:t>
             </a:r>
-          </a:p>
-        </p:txBody>
-      </p:sp>
-      <p:sp>
-        <p:nvSpPr>
-          <p:cNvPr id="4" name="日期占位符 3">
-            <a:extLst>
-              <a:ext uri="{FF2B5EF4-FFF2-40B4-BE49-F238E27FC236}">
-                <a16:creationId xmlns:a16="http://schemas.microsoft.com/office/drawing/2014/main" id="{7958731F-89B0-4B47-B930-CC3E831BEBC8}"/>
-              </a:ext>
-            </a:extLst>
-          </p:cNvPr>
+            <a:endParaRPr lang="en-US" dirty="0"/>
+          </a:p>
+        </p:txBody>
+      </p:sp>
+      <p:sp>
+        <p:nvSpPr>
+          <p:cNvPr id="4" name="Date Placeholder 3"/>
           <p:cNvSpPr>
             <a:spLocks noGrp="1"/>
           </p:cNvSpPr>
@@ -670,7 +3499,7 @@
           <a:p>
             <a:fld id="{B2F6F192-370A-4D37-9AD9-321C39A6B65E}" type="datetimeFigureOut">
               <a:rPr lang="zh-CN" altLang="en-US" smtClean="0"/>
-              <a:t>2020/2/15</a:t>
+              <a:t>2020/2/16</a:t>
             </a:fld>
             <a:endParaRPr lang="zh-CN" altLang="en-US"/>
           </a:p>
@@ -678,13 +3507,7 @@
       </p:sp>
       <p:sp>
         <p:nvSpPr>
-          <p:cNvPr id="5" name="页脚占位符 4">
-            <a:extLst>
-              <a:ext uri="{FF2B5EF4-FFF2-40B4-BE49-F238E27FC236}">
-                <a16:creationId xmlns:a16="http://schemas.microsoft.com/office/drawing/2014/main" id="{1DA460B9-86CD-4CF6-9116-FCC90C96F8D5}"/>
-              </a:ext>
-            </a:extLst>
-          </p:cNvPr>
+          <p:cNvPr id="5" name="Footer Placeholder 4"/>
           <p:cNvSpPr>
             <a:spLocks noGrp="1"/>
           </p:cNvSpPr>
@@ -703,13 +3526,7 @@
       </p:sp>
       <p:sp>
         <p:nvSpPr>
-          <p:cNvPr id="6" name="灯片编号占位符 5">
-            <a:extLst>
-              <a:ext uri="{FF2B5EF4-FFF2-40B4-BE49-F238E27FC236}">
-                <a16:creationId xmlns:a16="http://schemas.microsoft.com/office/drawing/2014/main" id="{8E6A11E6-A472-4F79-9162-4F83CBFDE365}"/>
-              </a:ext>
-            </a:extLst>
-          </p:cNvPr>
+          <p:cNvPr id="6" name="Slide Number Placeholder 5"/>
           <p:cNvSpPr>
             <a:spLocks noGrp="1"/>
           </p:cNvSpPr>
@@ -733,7 +3550,7 @@
     </p:spTree>
     <p:extLst>
       <p:ext uri="{BB962C8B-B14F-4D97-AF65-F5344CB8AC3E}">
-        <p14:creationId xmlns:p14="http://schemas.microsoft.com/office/powerpoint/2010/main" val="2564055790"/>
+        <p14:creationId xmlns:p14="http://schemas.microsoft.com/office/powerpoint/2010/main" val="839258025"/>
       </p:ext>
     </p:extLst>
   </p:cSld>
@@ -762,13 +3579,7 @@
       </p:grpSpPr>
       <p:sp>
         <p:nvSpPr>
-          <p:cNvPr id="2" name="标题 1">
-            <a:extLst>
-              <a:ext uri="{FF2B5EF4-FFF2-40B4-BE49-F238E27FC236}">
-                <a16:creationId xmlns:a16="http://schemas.microsoft.com/office/drawing/2014/main" id="{E3B90461-A12D-43C5-AD7E-17660D1835D5}"/>
-              </a:ext>
-            </a:extLst>
-          </p:cNvPr>
+          <p:cNvPr id="2" name="Title 1"/>
           <p:cNvSpPr>
             <a:spLocks noGrp="1"/>
           </p:cNvSpPr>
@@ -785,26 +3596,26 @@
               <a:rPr lang="zh-CN" altLang="en-US"/>
               <a:t>单击此处编辑母版标题样式</a:t>
             </a:r>
-          </a:p>
-        </p:txBody>
-      </p:sp>
-      <p:sp>
-        <p:nvSpPr>
-          <p:cNvPr id="3" name="内容占位符 2">
-            <a:extLst>
-              <a:ext uri="{FF2B5EF4-FFF2-40B4-BE49-F238E27FC236}">
-                <a16:creationId xmlns:a16="http://schemas.microsoft.com/office/drawing/2014/main" id="{6D9C0D84-36A1-4D14-8080-1A425D5206D2}"/>
-              </a:ext>
-            </a:extLst>
-          </p:cNvPr>
-          <p:cNvSpPr>
-            <a:spLocks noGrp="1"/>
-          </p:cNvSpPr>
-          <p:nvPr>
-            <p:ph idx="1"/>
-          </p:nvPr>
-        </p:nvSpPr>
-        <p:spPr/>
+            <a:endParaRPr lang="en-US" dirty="0"/>
+          </a:p>
+        </p:txBody>
+      </p:sp>
+      <p:sp>
+        <p:nvSpPr>
+          <p:cNvPr id="12" name="Content Placeholder 2"/>
+          <p:cNvSpPr>
+            <a:spLocks noGrp="1"/>
+          </p:cNvSpPr>
+          <p:nvPr>
+            <p:ph sz="quarter" idx="13"/>
+          </p:nvPr>
+        </p:nvSpPr>
+        <p:spPr>
+          <a:xfrm>
+            <a:off x="685800" y="2063396"/>
+            <a:ext cx="10394707" cy="3311189"/>
+          </a:xfrm>
+        </p:spPr>
         <p:txBody>
           <a:bodyPr/>
           <a:lstStyle/>
@@ -842,18 +3653,13 @@
               <a:rPr lang="zh-CN" altLang="en-US"/>
               <a:t>第五级</a:t>
             </a:r>
-          </a:p>
-        </p:txBody>
-      </p:sp>
-      <p:sp>
-        <p:nvSpPr>
-          <p:cNvPr id="4" name="日期占位符 3">
-            <a:extLst>
-              <a:ext uri="{FF2B5EF4-FFF2-40B4-BE49-F238E27FC236}">
-                <a16:creationId xmlns:a16="http://schemas.microsoft.com/office/drawing/2014/main" id="{4006EE65-D998-49A9-8324-37D6ACCB231D}"/>
-              </a:ext>
-            </a:extLst>
-          </p:cNvPr>
+            <a:endParaRPr lang="en-US" dirty="0"/>
+          </a:p>
+        </p:txBody>
+      </p:sp>
+      <p:sp>
+        <p:nvSpPr>
+          <p:cNvPr id="4" name="Date Placeholder 3"/>
           <p:cNvSpPr>
             <a:spLocks noGrp="1"/>
           </p:cNvSpPr>
@@ -868,7 +3674,7 @@
           <a:p>
             <a:fld id="{B2F6F192-370A-4D37-9AD9-321C39A6B65E}" type="datetimeFigureOut">
               <a:rPr lang="zh-CN" altLang="en-US" smtClean="0"/>
-              <a:t>2020/2/15</a:t>
+              <a:t>2020/2/16</a:t>
             </a:fld>
             <a:endParaRPr lang="zh-CN" altLang="en-US"/>
           </a:p>
@@ -876,13 +3682,7 @@
       </p:sp>
       <p:sp>
         <p:nvSpPr>
-          <p:cNvPr id="5" name="页脚占位符 4">
-            <a:extLst>
-              <a:ext uri="{FF2B5EF4-FFF2-40B4-BE49-F238E27FC236}">
-                <a16:creationId xmlns:a16="http://schemas.microsoft.com/office/drawing/2014/main" id="{FECE080C-5CF8-473F-A0DC-29C846605651}"/>
-              </a:ext>
-            </a:extLst>
-          </p:cNvPr>
+          <p:cNvPr id="5" name="Footer Placeholder 4"/>
           <p:cNvSpPr>
             <a:spLocks noGrp="1"/>
           </p:cNvSpPr>
@@ -901,13 +3701,7 @@
       </p:sp>
       <p:sp>
         <p:nvSpPr>
-          <p:cNvPr id="6" name="灯片编号占位符 5">
-            <a:extLst>
-              <a:ext uri="{FF2B5EF4-FFF2-40B4-BE49-F238E27FC236}">
-                <a16:creationId xmlns:a16="http://schemas.microsoft.com/office/drawing/2014/main" id="{BA1365FB-3CFF-43DC-BB36-586249497367}"/>
-              </a:ext>
-            </a:extLst>
-          </p:cNvPr>
+          <p:cNvPr id="6" name="Slide Number Placeholder 5"/>
           <p:cNvSpPr>
             <a:spLocks noGrp="1"/>
           </p:cNvSpPr>
@@ -931,7 +3725,7 @@
     </p:spTree>
     <p:extLst>
       <p:ext uri="{BB962C8B-B14F-4D97-AF65-F5344CB8AC3E}">
-        <p14:creationId xmlns:p14="http://schemas.microsoft.com/office/powerpoint/2010/main" val="3004120264"/>
+        <p14:creationId xmlns:p14="http://schemas.microsoft.com/office/powerpoint/2010/main" val="2709349152"/>
       </p:ext>
     </p:extLst>
   </p:cSld>
@@ -960,13 +3754,7 @@
       </p:grpSpPr>
       <p:sp>
         <p:nvSpPr>
-          <p:cNvPr id="2" name="标题 1">
-            <a:extLst>
-              <a:ext uri="{FF2B5EF4-FFF2-40B4-BE49-F238E27FC236}">
-                <a16:creationId xmlns:a16="http://schemas.microsoft.com/office/drawing/2014/main" id="{BC4468ED-0845-41FC-A348-2A2956D53618}"/>
-              </a:ext>
-            </a:extLst>
-          </p:cNvPr>
+          <p:cNvPr id="2" name="Title 1"/>
           <p:cNvSpPr>
             <a:spLocks noGrp="1"/>
           </p:cNvSpPr>
@@ -976,15 +3764,17 @@
         </p:nvSpPr>
         <p:spPr>
           <a:xfrm>
-            <a:off x="831850" y="1709738"/>
-            <a:ext cx="10515600" cy="2852737"/>
-          </a:xfrm>
-        </p:spPr>
-        <p:txBody>
-          <a:bodyPr anchor="b"/>
+            <a:off x="685801" y="685800"/>
+            <a:ext cx="10394707" cy="3193487"/>
+          </a:xfrm>
+        </p:spPr>
+        <p:txBody>
+          <a:bodyPr anchor="b">
+            <a:normAutofit/>
+          </a:bodyPr>
           <a:lstStyle>
-            <a:lvl1pPr>
-              <a:defRPr sz="6000"/>
+            <a:lvl1pPr algn="l">
+              <a:defRPr sz="5400"/>
             </a:lvl1pPr>
           </a:lstStyle>
           <a:p>
@@ -992,18 +3782,13 @@
               <a:rPr lang="zh-CN" altLang="en-US"/>
               <a:t>单击此处编辑母版标题样式</a:t>
             </a:r>
-          </a:p>
-        </p:txBody>
-      </p:sp>
-      <p:sp>
-        <p:nvSpPr>
-          <p:cNvPr id="3" name="文本占位符 2">
-            <a:extLst>
-              <a:ext uri="{FF2B5EF4-FFF2-40B4-BE49-F238E27FC236}">
-                <a16:creationId xmlns:a16="http://schemas.microsoft.com/office/drawing/2014/main" id="{1CB4EDD2-BB6C-44DD-ADCC-A1C48D8A2478}"/>
-              </a:ext>
-            </a:extLst>
-          </p:cNvPr>
+            <a:endParaRPr lang="en-US" dirty="0"/>
+          </a:p>
+        </p:txBody>
+      </p:sp>
+      <p:sp>
+        <p:nvSpPr>
+          <p:cNvPr id="3" name="Text Placeholder 2"/>
           <p:cNvSpPr>
             <a:spLocks noGrp="1"/>
           </p:cNvSpPr>
@@ -1013,19 +3798,21 @@
         </p:nvSpPr>
         <p:spPr>
           <a:xfrm>
-            <a:off x="831850" y="4589463"/>
-            <a:ext cx="10515600" cy="1500187"/>
-          </a:xfrm>
-        </p:spPr>
-        <p:txBody>
-          <a:bodyPr/>
+            <a:off x="685801" y="3742267"/>
+            <a:ext cx="10394707" cy="1639614"/>
+          </a:xfrm>
+        </p:spPr>
+        <p:txBody>
+          <a:bodyPr anchor="t">
+            <a:normAutofit/>
+          </a:bodyPr>
           <a:lstStyle>
-            <a:lvl1pPr marL="0" indent="0">
-              <a:buNone/>
-              <a:defRPr sz="2400">
+            <a:lvl1pPr marL="0" indent="0" algn="l">
+              <a:buNone/>
+              <a:defRPr sz="2000">
                 <a:solidFill>
-                  <a:schemeClr val="tx1">
-                    <a:tint val="75000"/>
+                  <a:schemeClr val="bg1">
+                    <a:lumMod val="50000"/>
                   </a:schemeClr>
                 </a:solidFill>
               </a:defRPr>
@@ -1122,13 +3909,7 @@
       </p:sp>
       <p:sp>
         <p:nvSpPr>
-          <p:cNvPr id="4" name="日期占位符 3">
-            <a:extLst>
-              <a:ext uri="{FF2B5EF4-FFF2-40B4-BE49-F238E27FC236}">
-                <a16:creationId xmlns:a16="http://schemas.microsoft.com/office/drawing/2014/main" id="{040D5CAE-1137-4706-A2FA-A6AF2A2E9CBB}"/>
-              </a:ext>
-            </a:extLst>
-          </p:cNvPr>
+          <p:cNvPr id="4" name="Date Placeholder 3"/>
           <p:cNvSpPr>
             <a:spLocks noGrp="1"/>
           </p:cNvSpPr>
@@ -1143,7 +3924,7 @@
           <a:p>
             <a:fld id="{B2F6F192-370A-4D37-9AD9-321C39A6B65E}" type="datetimeFigureOut">
               <a:rPr lang="zh-CN" altLang="en-US" smtClean="0"/>
-              <a:t>2020/2/15</a:t>
+              <a:t>2020/2/16</a:t>
             </a:fld>
             <a:endParaRPr lang="zh-CN" altLang="en-US"/>
           </a:p>
@@ -1151,13 +3932,7 @@
       </p:sp>
       <p:sp>
         <p:nvSpPr>
-          <p:cNvPr id="5" name="页脚占位符 4">
-            <a:extLst>
-              <a:ext uri="{FF2B5EF4-FFF2-40B4-BE49-F238E27FC236}">
-                <a16:creationId xmlns:a16="http://schemas.microsoft.com/office/drawing/2014/main" id="{C21F3D06-15DB-4D23-B90A-6DB194B37D44}"/>
-              </a:ext>
-            </a:extLst>
-          </p:cNvPr>
+          <p:cNvPr id="5" name="Footer Placeholder 4"/>
           <p:cNvSpPr>
             <a:spLocks noGrp="1"/>
           </p:cNvSpPr>
@@ -1176,13 +3951,7 @@
       </p:sp>
       <p:sp>
         <p:nvSpPr>
-          <p:cNvPr id="6" name="灯片编号占位符 5">
-            <a:extLst>
-              <a:ext uri="{FF2B5EF4-FFF2-40B4-BE49-F238E27FC236}">
-                <a16:creationId xmlns:a16="http://schemas.microsoft.com/office/drawing/2014/main" id="{5B1C412D-3952-4F07-AB37-060D2153015E}"/>
-              </a:ext>
-            </a:extLst>
-          </p:cNvPr>
+          <p:cNvPr id="6" name="Slide Number Placeholder 5"/>
           <p:cNvSpPr>
             <a:spLocks noGrp="1"/>
           </p:cNvSpPr>
@@ -1206,7 +3975,7 @@
     </p:spTree>
     <p:extLst>
       <p:ext uri="{BB962C8B-B14F-4D97-AF65-F5344CB8AC3E}">
-        <p14:creationId xmlns:p14="http://schemas.microsoft.com/office/powerpoint/2010/main" val="3314979359"/>
+        <p14:creationId xmlns:p14="http://schemas.microsoft.com/office/powerpoint/2010/main" val="1413431374"/>
       </p:ext>
     </p:extLst>
   </p:cSld>
@@ -1235,13 +4004,7 @@
       </p:grpSpPr>
       <p:sp>
         <p:nvSpPr>
-          <p:cNvPr id="2" name="标题 1">
-            <a:extLst>
-              <a:ext uri="{FF2B5EF4-FFF2-40B4-BE49-F238E27FC236}">
-                <a16:creationId xmlns:a16="http://schemas.microsoft.com/office/drawing/2014/main" id="{A61F071F-CBB2-4F1A-B33D-2C4EEFD1F411}"/>
-              </a:ext>
-            </a:extLst>
-          </p:cNvPr>
+          <p:cNvPr id="14" name="Title 1"/>
           <p:cNvSpPr>
             <a:spLocks noGrp="1"/>
           </p:cNvSpPr>
@@ -1249,7 +4012,12 @@
             <p:ph type="title"/>
           </p:nvPr>
         </p:nvSpPr>
-        <p:spPr/>
+        <p:spPr>
+          <a:xfrm>
+            <a:off x="685801" y="685800"/>
+            <a:ext cx="10396882" cy="1158140"/>
+          </a:xfrm>
+        </p:spPr>
         <p:txBody>
           <a:bodyPr/>
           <a:lstStyle/>
@@ -1258,33 +4026,28 @@
               <a:rPr lang="zh-CN" altLang="en-US"/>
               <a:t>单击此处编辑母版标题样式</a:t>
             </a:r>
-          </a:p>
-        </p:txBody>
-      </p:sp>
-      <p:sp>
-        <p:nvSpPr>
-          <p:cNvPr id="3" name="内容占位符 2">
-            <a:extLst>
-              <a:ext uri="{FF2B5EF4-FFF2-40B4-BE49-F238E27FC236}">
-                <a16:creationId xmlns:a16="http://schemas.microsoft.com/office/drawing/2014/main" id="{A26FE5A1-5E2A-4AFE-A3F2-090C1DFD3935}"/>
-              </a:ext>
-            </a:extLst>
-          </p:cNvPr>
-          <p:cNvSpPr>
-            <a:spLocks noGrp="1"/>
-          </p:cNvSpPr>
-          <p:nvPr>
-            <p:ph sz="half" idx="1"/>
+            <a:endParaRPr lang="en-US" dirty="0"/>
+          </a:p>
+        </p:txBody>
+      </p:sp>
+      <p:sp>
+        <p:nvSpPr>
+          <p:cNvPr id="12" name="Content Placeholder 2"/>
+          <p:cNvSpPr>
+            <a:spLocks noGrp="1"/>
+          </p:cNvSpPr>
+          <p:nvPr>
+            <p:ph sz="quarter" idx="13"/>
           </p:nvPr>
         </p:nvSpPr>
         <p:spPr>
           <a:xfrm>
-            <a:off x="838200" y="1825625"/>
-            <a:ext cx="5181600" cy="4351338"/>
-          </a:xfrm>
-        </p:spPr>
-        <p:txBody>
-          <a:bodyPr/>
+            <a:off x="685800" y="2063396"/>
+            <a:ext cx="5088714" cy="3311189"/>
+          </a:xfrm>
+        </p:spPr>
+        <p:txBody>
+          <a:bodyPr anchor="t"/>
           <a:lstStyle/>
           <a:p>
             <a:pPr lvl="0"/>
@@ -1320,33 +4083,28 @@
               <a:rPr lang="zh-CN" altLang="en-US"/>
               <a:t>第五级</a:t>
             </a:r>
-          </a:p>
-        </p:txBody>
-      </p:sp>
-      <p:sp>
-        <p:nvSpPr>
-          <p:cNvPr id="4" name="内容占位符 3">
-            <a:extLst>
-              <a:ext uri="{FF2B5EF4-FFF2-40B4-BE49-F238E27FC236}">
-                <a16:creationId xmlns:a16="http://schemas.microsoft.com/office/drawing/2014/main" id="{11974236-3409-40B0-BFD4-CFABBA9E5E76}"/>
-              </a:ext>
-            </a:extLst>
-          </p:cNvPr>
-          <p:cNvSpPr>
-            <a:spLocks noGrp="1"/>
-          </p:cNvSpPr>
-          <p:nvPr>
-            <p:ph sz="half" idx="2"/>
+            <a:endParaRPr lang="en-US" dirty="0"/>
+          </a:p>
+        </p:txBody>
+      </p:sp>
+      <p:sp>
+        <p:nvSpPr>
+          <p:cNvPr id="13" name="Content Placeholder 3"/>
+          <p:cNvSpPr>
+            <a:spLocks noGrp="1"/>
+          </p:cNvSpPr>
+          <p:nvPr>
+            <p:ph sz="quarter" idx="14"/>
           </p:nvPr>
         </p:nvSpPr>
         <p:spPr>
           <a:xfrm>
-            <a:off x="6172200" y="1825625"/>
-            <a:ext cx="5181600" cy="4351338"/>
-          </a:xfrm>
-        </p:spPr>
-        <p:txBody>
-          <a:bodyPr/>
+            <a:off x="5993971" y="2063396"/>
+            <a:ext cx="5086538" cy="3311189"/>
+          </a:xfrm>
+        </p:spPr>
+        <p:txBody>
+          <a:bodyPr anchor="t"/>
           <a:lstStyle/>
           <a:p>
             <a:pPr lvl="0"/>
@@ -1382,18 +4140,13 @@
               <a:rPr lang="zh-CN" altLang="en-US"/>
               <a:t>第五级</a:t>
             </a:r>
-          </a:p>
-        </p:txBody>
-      </p:sp>
-      <p:sp>
-        <p:nvSpPr>
-          <p:cNvPr id="5" name="日期占位符 4">
-            <a:extLst>
-              <a:ext uri="{FF2B5EF4-FFF2-40B4-BE49-F238E27FC236}">
-                <a16:creationId xmlns:a16="http://schemas.microsoft.com/office/drawing/2014/main" id="{61E7ECB8-1799-433F-8152-113C2E7DF7F8}"/>
-              </a:ext>
-            </a:extLst>
-          </p:cNvPr>
+            <a:endParaRPr lang="en-US" dirty="0"/>
+          </a:p>
+        </p:txBody>
+      </p:sp>
+      <p:sp>
+        <p:nvSpPr>
+          <p:cNvPr id="5" name="Date Placeholder 4"/>
           <p:cNvSpPr>
             <a:spLocks noGrp="1"/>
           </p:cNvSpPr>
@@ -1408,7 +4161,7 @@
           <a:p>
             <a:fld id="{B2F6F192-370A-4D37-9AD9-321C39A6B65E}" type="datetimeFigureOut">
               <a:rPr lang="zh-CN" altLang="en-US" smtClean="0"/>
-              <a:t>2020/2/15</a:t>
+              <a:t>2020/2/16</a:t>
             </a:fld>
             <a:endParaRPr lang="zh-CN" altLang="en-US"/>
           </a:p>
@@ -1416,13 +4169,7 @@
       </p:sp>
       <p:sp>
         <p:nvSpPr>
-          <p:cNvPr id="6" name="页脚占位符 5">
-            <a:extLst>
-              <a:ext uri="{FF2B5EF4-FFF2-40B4-BE49-F238E27FC236}">
-                <a16:creationId xmlns:a16="http://schemas.microsoft.com/office/drawing/2014/main" id="{C909ABF9-CFBE-436D-95F2-E31A764D9D7E}"/>
-              </a:ext>
-            </a:extLst>
-          </p:cNvPr>
+          <p:cNvPr id="6" name="Footer Placeholder 5"/>
           <p:cNvSpPr>
             <a:spLocks noGrp="1"/>
           </p:cNvSpPr>
@@ -1441,13 +4188,7 @@
       </p:sp>
       <p:sp>
         <p:nvSpPr>
-          <p:cNvPr id="7" name="灯片编号占位符 6">
-            <a:extLst>
-              <a:ext uri="{FF2B5EF4-FFF2-40B4-BE49-F238E27FC236}">
-                <a16:creationId xmlns:a16="http://schemas.microsoft.com/office/drawing/2014/main" id="{2CAE1AD8-4925-4F2F-9F99-A136D2EC18CE}"/>
-              </a:ext>
-            </a:extLst>
-          </p:cNvPr>
+          <p:cNvPr id="7" name="Slide Number Placeholder 6"/>
           <p:cNvSpPr>
             <a:spLocks noGrp="1"/>
           </p:cNvSpPr>
@@ -1471,7 +4212,7 @@
     </p:spTree>
     <p:extLst>
       <p:ext uri="{BB962C8B-B14F-4D97-AF65-F5344CB8AC3E}">
-        <p14:creationId xmlns:p14="http://schemas.microsoft.com/office/powerpoint/2010/main" val="1443640221"/>
+        <p14:creationId xmlns:p14="http://schemas.microsoft.com/office/powerpoint/2010/main" val="1925559769"/>
       </p:ext>
     </p:extLst>
   </p:cSld>
@@ -1500,13 +4241,7 @@
       </p:grpSpPr>
       <p:sp>
         <p:nvSpPr>
-          <p:cNvPr id="2" name="标题 1">
-            <a:extLst>
-              <a:ext uri="{FF2B5EF4-FFF2-40B4-BE49-F238E27FC236}">
-                <a16:creationId xmlns:a16="http://schemas.microsoft.com/office/drawing/2014/main" id="{6537FB4A-1056-4F40-A71B-B8B28B0B3CA0}"/>
-              </a:ext>
-            </a:extLst>
-          </p:cNvPr>
+          <p:cNvPr id="14" name="Title 1"/>
           <p:cNvSpPr>
             <a:spLocks noGrp="1"/>
           </p:cNvSpPr>
@@ -1516,8 +4251,8 @@
         </p:nvSpPr>
         <p:spPr>
           <a:xfrm>
-            <a:off x="839788" y="365125"/>
-            <a:ext cx="10515600" cy="1325563"/>
+            <a:off x="685801" y="685800"/>
+            <a:ext cx="10394707" cy="1158140"/>
           </a:xfrm>
         </p:spPr>
         <p:txBody>
@@ -1528,18 +4263,13 @@
               <a:rPr lang="zh-CN" altLang="en-US"/>
               <a:t>单击此处编辑母版标题样式</a:t>
             </a:r>
-          </a:p>
-        </p:txBody>
-      </p:sp>
-      <p:sp>
-        <p:nvSpPr>
-          <p:cNvPr id="3" name="文本占位符 2">
-            <a:extLst>
-              <a:ext uri="{FF2B5EF4-FFF2-40B4-BE49-F238E27FC236}">
-                <a16:creationId xmlns:a16="http://schemas.microsoft.com/office/drawing/2014/main" id="{E4D4BB78-5188-4812-AEDD-27B7AA59F493}"/>
-              </a:ext>
-            </a:extLst>
-          </p:cNvPr>
+            <a:endParaRPr lang="en-US" dirty="0"/>
+          </a:p>
+        </p:txBody>
+      </p:sp>
+      <p:sp>
+        <p:nvSpPr>
+          <p:cNvPr id="3" name="Text Placeholder 2"/>
           <p:cNvSpPr>
             <a:spLocks noGrp="1"/>
           </p:cNvSpPr>
@@ -1549,16 +4279,25 @@
         </p:nvSpPr>
         <p:spPr>
           <a:xfrm>
-            <a:off x="839788" y="1681163"/>
-            <a:ext cx="5157787" cy="823912"/>
-          </a:xfrm>
-        </p:spPr>
-        <p:txBody>
-          <a:bodyPr anchor="b"/>
+            <a:off x="918356" y="2063396"/>
+            <a:ext cx="4856158" cy="679994"/>
+          </a:xfrm>
+        </p:spPr>
+        <p:txBody>
+          <a:bodyPr anchor="b">
+            <a:noAutofit/>
+          </a:bodyPr>
           <a:lstStyle>
             <a:lvl1pPr marL="0" indent="0">
-              <a:buNone/>
-              <a:defRPr sz="2400" b="1"/>
+              <a:lnSpc>
+                <a:spcPct val="90000"/>
+              </a:lnSpc>
+              <a:buNone/>
+              <a:defRPr sz="2600" b="0">
+                <a:solidFill>
+                  <a:schemeClr val="accent1"/>
+                </a:solidFill>
+              </a:defRPr>
             </a:lvl1pPr>
             <a:lvl2pPr marL="457200" indent="0">
               <a:buNone/>
@@ -1604,28 +4343,22 @@
       </p:sp>
       <p:sp>
         <p:nvSpPr>
-          <p:cNvPr id="4" name="内容占位符 3">
-            <a:extLst>
-              <a:ext uri="{FF2B5EF4-FFF2-40B4-BE49-F238E27FC236}">
-                <a16:creationId xmlns:a16="http://schemas.microsoft.com/office/drawing/2014/main" id="{DD6EF4AB-CCEE-4D06-BE99-C225E6B8C11B}"/>
-              </a:ext>
-            </a:extLst>
-          </p:cNvPr>
-          <p:cNvSpPr>
-            <a:spLocks noGrp="1"/>
-          </p:cNvSpPr>
-          <p:nvPr>
-            <p:ph sz="half" idx="2"/>
+          <p:cNvPr id="12" name="Content Placeholder 3"/>
+          <p:cNvSpPr>
+            <a:spLocks noGrp="1"/>
+          </p:cNvSpPr>
+          <p:nvPr>
+            <p:ph sz="quarter" idx="13"/>
           </p:nvPr>
         </p:nvSpPr>
         <p:spPr>
           <a:xfrm>
-            <a:off x="839788" y="2505075"/>
-            <a:ext cx="5157787" cy="3684588"/>
-          </a:xfrm>
-        </p:spPr>
-        <p:txBody>
-          <a:bodyPr/>
+            <a:off x="685802" y="2861733"/>
+            <a:ext cx="5088712" cy="2512852"/>
+          </a:xfrm>
+        </p:spPr>
+        <p:txBody>
+          <a:bodyPr anchor="t"/>
           <a:lstStyle/>
           <a:p>
             <a:pPr lvl="0"/>
@@ -1661,18 +4394,13 @@
               <a:rPr lang="zh-CN" altLang="en-US"/>
               <a:t>第五级</a:t>
             </a:r>
-          </a:p>
-        </p:txBody>
-      </p:sp>
-      <p:sp>
-        <p:nvSpPr>
-          <p:cNvPr id="5" name="文本占位符 4">
-            <a:extLst>
-              <a:ext uri="{FF2B5EF4-FFF2-40B4-BE49-F238E27FC236}">
-                <a16:creationId xmlns:a16="http://schemas.microsoft.com/office/drawing/2014/main" id="{B8DFA45B-17C7-4837-BFA7-8706E7F23387}"/>
-              </a:ext>
-            </a:extLst>
-          </p:cNvPr>
+            <a:endParaRPr lang="en-US" dirty="0"/>
+          </a:p>
+        </p:txBody>
+      </p:sp>
+      <p:sp>
+        <p:nvSpPr>
+          <p:cNvPr id="5" name="Text Placeholder 4"/>
           <p:cNvSpPr>
             <a:spLocks noGrp="1"/>
           </p:cNvSpPr>
@@ -1682,16 +4410,25 @@
         </p:nvSpPr>
         <p:spPr>
           <a:xfrm>
-            <a:off x="6172200" y="1681163"/>
-            <a:ext cx="5183188" cy="823912"/>
-          </a:xfrm>
-        </p:spPr>
-        <p:txBody>
-          <a:bodyPr anchor="b"/>
+            <a:off x="6218191" y="2063396"/>
+            <a:ext cx="4864491" cy="679994"/>
+          </a:xfrm>
+        </p:spPr>
+        <p:txBody>
+          <a:bodyPr anchor="b">
+            <a:noAutofit/>
+          </a:bodyPr>
           <a:lstStyle>
             <a:lvl1pPr marL="0" indent="0">
-              <a:buNone/>
-              <a:defRPr sz="2400" b="1"/>
+              <a:lnSpc>
+                <a:spcPct val="90000"/>
+              </a:lnSpc>
+              <a:buNone/>
+              <a:defRPr sz="2600" b="0">
+                <a:solidFill>
+                  <a:schemeClr val="accent1"/>
+                </a:solidFill>
+              </a:defRPr>
             </a:lvl1pPr>
             <a:lvl2pPr marL="457200" indent="0">
               <a:buNone/>
@@ -1737,28 +4474,22 @@
       </p:sp>
       <p:sp>
         <p:nvSpPr>
-          <p:cNvPr id="6" name="内容占位符 5">
-            <a:extLst>
-              <a:ext uri="{FF2B5EF4-FFF2-40B4-BE49-F238E27FC236}">
-                <a16:creationId xmlns:a16="http://schemas.microsoft.com/office/drawing/2014/main" id="{52FB5A32-DCC2-49D8-BA1A-EAC54F000CBB}"/>
-              </a:ext>
-            </a:extLst>
-          </p:cNvPr>
-          <p:cNvSpPr>
-            <a:spLocks noGrp="1"/>
-          </p:cNvSpPr>
-          <p:nvPr>
-            <p:ph sz="quarter" idx="4"/>
+          <p:cNvPr id="13" name="Content Placeholder 5"/>
+          <p:cNvSpPr>
+            <a:spLocks noGrp="1"/>
+          </p:cNvSpPr>
+          <p:nvPr>
+            <p:ph sz="quarter" idx="14"/>
           </p:nvPr>
         </p:nvSpPr>
         <p:spPr>
           <a:xfrm>
-            <a:off x="6172200" y="2505075"/>
-            <a:ext cx="5183188" cy="3684588"/>
-          </a:xfrm>
-        </p:spPr>
-        <p:txBody>
-          <a:bodyPr/>
+            <a:off x="5993969" y="2861733"/>
+            <a:ext cx="5088713" cy="2512852"/>
+          </a:xfrm>
+        </p:spPr>
+        <p:txBody>
+          <a:bodyPr anchor="t"/>
           <a:lstStyle/>
           <a:p>
             <a:pPr lvl="0"/>
@@ -1794,18 +4525,13 @@
               <a:rPr lang="zh-CN" altLang="en-US"/>
               <a:t>第五级</a:t>
             </a:r>
-          </a:p>
-        </p:txBody>
-      </p:sp>
-      <p:sp>
-        <p:nvSpPr>
-          <p:cNvPr id="7" name="日期占位符 6">
-            <a:extLst>
-              <a:ext uri="{FF2B5EF4-FFF2-40B4-BE49-F238E27FC236}">
-                <a16:creationId xmlns:a16="http://schemas.microsoft.com/office/drawing/2014/main" id="{F9731E6C-B63F-4547-BEDE-77EEB3E2558D}"/>
-              </a:ext>
-            </a:extLst>
-          </p:cNvPr>
+            <a:endParaRPr lang="en-US" dirty="0"/>
+          </a:p>
+        </p:txBody>
+      </p:sp>
+      <p:sp>
+        <p:nvSpPr>
+          <p:cNvPr id="7" name="Date Placeholder 6"/>
           <p:cNvSpPr>
             <a:spLocks noGrp="1"/>
           </p:cNvSpPr>
@@ -1820,7 +4546,7 @@
           <a:p>
             <a:fld id="{B2F6F192-370A-4D37-9AD9-321C39A6B65E}" type="datetimeFigureOut">
               <a:rPr lang="zh-CN" altLang="en-US" smtClean="0"/>
-              <a:t>2020/2/15</a:t>
+              <a:t>2020/2/16</a:t>
             </a:fld>
             <a:endParaRPr lang="zh-CN" altLang="en-US"/>
           </a:p>
@@ -1828,13 +4554,7 @@
       </p:sp>
       <p:sp>
         <p:nvSpPr>
-          <p:cNvPr id="8" name="页脚占位符 7">
-            <a:extLst>
-              <a:ext uri="{FF2B5EF4-FFF2-40B4-BE49-F238E27FC236}">
-                <a16:creationId xmlns:a16="http://schemas.microsoft.com/office/drawing/2014/main" id="{F8485E22-CBE3-4B4F-911E-6FCE767949AA}"/>
-              </a:ext>
-            </a:extLst>
-          </p:cNvPr>
+          <p:cNvPr id="8" name="Footer Placeholder 7"/>
           <p:cNvSpPr>
             <a:spLocks noGrp="1"/>
           </p:cNvSpPr>
@@ -1853,13 +4573,7 @@
       </p:sp>
       <p:sp>
         <p:nvSpPr>
-          <p:cNvPr id="9" name="灯片编号占位符 8">
-            <a:extLst>
-              <a:ext uri="{FF2B5EF4-FFF2-40B4-BE49-F238E27FC236}">
-                <a16:creationId xmlns:a16="http://schemas.microsoft.com/office/drawing/2014/main" id="{0C36F781-0CC6-4EA0-9D6B-58BF366D0CA9}"/>
-              </a:ext>
-            </a:extLst>
-          </p:cNvPr>
+          <p:cNvPr id="9" name="Slide Number Placeholder 8"/>
           <p:cNvSpPr>
             <a:spLocks noGrp="1"/>
           </p:cNvSpPr>
@@ -1883,7 +4597,7 @@
     </p:spTree>
     <p:extLst>
       <p:ext uri="{BB962C8B-B14F-4D97-AF65-F5344CB8AC3E}">
-        <p14:creationId xmlns:p14="http://schemas.microsoft.com/office/powerpoint/2010/main" val="1278894973"/>
+        <p14:creationId xmlns:p14="http://schemas.microsoft.com/office/powerpoint/2010/main" val="601004238"/>
       </p:ext>
     </p:extLst>
   </p:cSld>
@@ -1912,13 +4626,7 @@
       </p:grpSpPr>
       <p:sp>
         <p:nvSpPr>
-          <p:cNvPr id="2" name="标题 1">
-            <a:extLst>
-              <a:ext uri="{FF2B5EF4-FFF2-40B4-BE49-F238E27FC236}">
-                <a16:creationId xmlns:a16="http://schemas.microsoft.com/office/drawing/2014/main" id="{C9EAEED8-8D1E-4CA9-BDA2-D64F2EA9ED68}"/>
-              </a:ext>
-            </a:extLst>
-          </p:cNvPr>
+          <p:cNvPr id="2" name="Title 1"/>
           <p:cNvSpPr>
             <a:spLocks noGrp="1"/>
           </p:cNvSpPr>
@@ -1935,18 +4643,13 @@
               <a:rPr lang="zh-CN" altLang="en-US"/>
               <a:t>单击此处编辑母版标题样式</a:t>
             </a:r>
-          </a:p>
-        </p:txBody>
-      </p:sp>
-      <p:sp>
-        <p:nvSpPr>
-          <p:cNvPr id="3" name="日期占位符 2">
-            <a:extLst>
-              <a:ext uri="{FF2B5EF4-FFF2-40B4-BE49-F238E27FC236}">
-                <a16:creationId xmlns:a16="http://schemas.microsoft.com/office/drawing/2014/main" id="{BF4C22BD-7C08-476C-AE57-798DA4029665}"/>
-              </a:ext>
-            </a:extLst>
-          </p:cNvPr>
+            <a:endParaRPr lang="en-US" dirty="0"/>
+          </a:p>
+        </p:txBody>
+      </p:sp>
+      <p:sp>
+        <p:nvSpPr>
+          <p:cNvPr id="3" name="Date Placeholder 2"/>
           <p:cNvSpPr>
             <a:spLocks noGrp="1"/>
           </p:cNvSpPr>
@@ -1961,7 +4664,7 @@
           <a:p>
             <a:fld id="{B2F6F192-370A-4D37-9AD9-321C39A6B65E}" type="datetimeFigureOut">
               <a:rPr lang="zh-CN" altLang="en-US" smtClean="0"/>
-              <a:t>2020/2/15</a:t>
+              <a:t>2020/2/16</a:t>
             </a:fld>
             <a:endParaRPr lang="zh-CN" altLang="en-US"/>
           </a:p>
@@ -1969,13 +4672,7 @@
       </p:sp>
       <p:sp>
         <p:nvSpPr>
-          <p:cNvPr id="4" name="页脚占位符 3">
-            <a:extLst>
-              <a:ext uri="{FF2B5EF4-FFF2-40B4-BE49-F238E27FC236}">
-                <a16:creationId xmlns:a16="http://schemas.microsoft.com/office/drawing/2014/main" id="{5BBA1858-D8E8-46A2-B288-A4A5DFE89179}"/>
-              </a:ext>
-            </a:extLst>
-          </p:cNvPr>
+          <p:cNvPr id="4" name="Footer Placeholder 3"/>
           <p:cNvSpPr>
             <a:spLocks noGrp="1"/>
           </p:cNvSpPr>
@@ -1994,13 +4691,7 @@
       </p:sp>
       <p:sp>
         <p:nvSpPr>
-          <p:cNvPr id="5" name="灯片编号占位符 4">
-            <a:extLst>
-              <a:ext uri="{FF2B5EF4-FFF2-40B4-BE49-F238E27FC236}">
-                <a16:creationId xmlns:a16="http://schemas.microsoft.com/office/drawing/2014/main" id="{83FD68B6-9DC4-4EA8-A2FE-C2B609DA2A6B}"/>
-              </a:ext>
-            </a:extLst>
-          </p:cNvPr>
+          <p:cNvPr id="5" name="Slide Number Placeholder 4"/>
           <p:cNvSpPr>
             <a:spLocks noGrp="1"/>
           </p:cNvSpPr>
@@ -2024,7 +4715,7 @@
     </p:spTree>
     <p:extLst>
       <p:ext uri="{BB962C8B-B14F-4D97-AF65-F5344CB8AC3E}">
-        <p14:creationId xmlns:p14="http://schemas.microsoft.com/office/powerpoint/2010/main" val="4001994464"/>
+        <p14:creationId xmlns:p14="http://schemas.microsoft.com/office/powerpoint/2010/main" val="2200228280"/>
       </p:ext>
     </p:extLst>
   </p:cSld>
@@ -2053,13 +4744,7 @@
       </p:grpSpPr>
       <p:sp>
         <p:nvSpPr>
-          <p:cNvPr id="2" name="日期占位符 1">
-            <a:extLst>
-              <a:ext uri="{FF2B5EF4-FFF2-40B4-BE49-F238E27FC236}">
-                <a16:creationId xmlns:a16="http://schemas.microsoft.com/office/drawing/2014/main" id="{7380A9C7-E50F-410A-AFE1-61699EC4E1AF}"/>
-              </a:ext>
-            </a:extLst>
-          </p:cNvPr>
+          <p:cNvPr id="2" name="Date Placeholder 1"/>
           <p:cNvSpPr>
             <a:spLocks noGrp="1"/>
           </p:cNvSpPr>
@@ -2074,7 +4759,7 @@
           <a:p>
             <a:fld id="{B2F6F192-370A-4D37-9AD9-321C39A6B65E}" type="datetimeFigureOut">
               <a:rPr lang="zh-CN" altLang="en-US" smtClean="0"/>
-              <a:t>2020/2/15</a:t>
+              <a:t>2020/2/16</a:t>
             </a:fld>
             <a:endParaRPr lang="zh-CN" altLang="en-US"/>
           </a:p>
@@ -2082,13 +4767,7 @@
       </p:sp>
       <p:sp>
         <p:nvSpPr>
-          <p:cNvPr id="3" name="页脚占位符 2">
-            <a:extLst>
-              <a:ext uri="{FF2B5EF4-FFF2-40B4-BE49-F238E27FC236}">
-                <a16:creationId xmlns:a16="http://schemas.microsoft.com/office/drawing/2014/main" id="{15839692-E84A-41E0-8CF1-D86C21CE9969}"/>
-              </a:ext>
-            </a:extLst>
-          </p:cNvPr>
+          <p:cNvPr id="3" name="Footer Placeholder 2"/>
           <p:cNvSpPr>
             <a:spLocks noGrp="1"/>
           </p:cNvSpPr>
@@ -2107,13 +4786,7 @@
       </p:sp>
       <p:sp>
         <p:nvSpPr>
-          <p:cNvPr id="4" name="灯片编号占位符 3">
-            <a:extLst>
-              <a:ext uri="{FF2B5EF4-FFF2-40B4-BE49-F238E27FC236}">
-                <a16:creationId xmlns:a16="http://schemas.microsoft.com/office/drawing/2014/main" id="{062AE913-41DE-45F5-8DDD-6462C06A3DBD}"/>
-              </a:ext>
-            </a:extLst>
-          </p:cNvPr>
+          <p:cNvPr id="4" name="Slide Number Placeholder 3"/>
           <p:cNvSpPr>
             <a:spLocks noGrp="1"/>
           </p:cNvSpPr>
@@ -2137,7 +4810,7 @@
     </p:spTree>
     <p:extLst>
       <p:ext uri="{BB962C8B-B14F-4D97-AF65-F5344CB8AC3E}">
-        <p14:creationId xmlns:p14="http://schemas.microsoft.com/office/powerpoint/2010/main" val="3684520104"/>
+        <p14:creationId xmlns:p14="http://schemas.microsoft.com/office/powerpoint/2010/main" val="319348194"/>
       </p:ext>
     </p:extLst>
   </p:cSld>
@@ -2166,13 +4839,7 @@
       </p:grpSpPr>
       <p:sp>
         <p:nvSpPr>
-          <p:cNvPr id="2" name="标题 1">
-            <a:extLst>
-              <a:ext uri="{FF2B5EF4-FFF2-40B4-BE49-F238E27FC236}">
-                <a16:creationId xmlns:a16="http://schemas.microsoft.com/office/drawing/2014/main" id="{8B942785-F874-46CC-A4E2-CC8C519553F5}"/>
-              </a:ext>
-            </a:extLst>
-          </p:cNvPr>
+          <p:cNvPr id="2" name="Title 1"/>
           <p:cNvSpPr>
             <a:spLocks noGrp="1"/>
           </p:cNvSpPr>
@@ -2182,15 +4849,17 @@
         </p:nvSpPr>
         <p:spPr>
           <a:xfrm>
-            <a:off x="839788" y="457200"/>
-            <a:ext cx="3932237" cy="1600200"/>
-          </a:xfrm>
-        </p:spPr>
-        <p:txBody>
-          <a:bodyPr anchor="b"/>
+            <a:off x="693643" y="685800"/>
+            <a:ext cx="4126860" cy="2023252"/>
+          </a:xfrm>
+        </p:spPr>
+        <p:txBody>
+          <a:bodyPr anchor="b">
+            <a:normAutofit/>
+          </a:bodyPr>
           <a:lstStyle>
-            <a:lvl1pPr>
-              <a:defRPr sz="3200"/>
+            <a:lvl1pPr algn="ctr">
+              <a:defRPr sz="3600"/>
             </a:lvl1pPr>
           </a:lstStyle>
           <a:p>
@@ -2198,127 +4867,91 @@
               <a:rPr lang="zh-CN" altLang="en-US"/>
               <a:t>单击此处编辑母版标题样式</a:t>
             </a:r>
-          </a:p>
-        </p:txBody>
-      </p:sp>
-      <p:sp>
-        <p:nvSpPr>
-          <p:cNvPr id="3" name="内容占位符 2">
-            <a:extLst>
-              <a:ext uri="{FF2B5EF4-FFF2-40B4-BE49-F238E27FC236}">
-                <a16:creationId xmlns:a16="http://schemas.microsoft.com/office/drawing/2014/main" id="{D7A3BF2C-C1AF-4792-B7DE-7C00E6165370}"/>
-              </a:ext>
-            </a:extLst>
-          </p:cNvPr>
-          <p:cNvSpPr>
-            <a:spLocks noGrp="1"/>
-          </p:cNvSpPr>
-          <p:nvPr>
-            <p:ph idx="1"/>
+            <a:endParaRPr lang="en-US" dirty="0"/>
+          </a:p>
+        </p:txBody>
+      </p:sp>
+      <p:sp>
+        <p:nvSpPr>
+          <p:cNvPr id="10" name="Content Placeholder 2"/>
+          <p:cNvSpPr>
+            <a:spLocks noGrp="1"/>
+          </p:cNvSpPr>
+          <p:nvPr>
+            <p:ph sz="quarter" idx="13"/>
           </p:nvPr>
         </p:nvSpPr>
         <p:spPr>
           <a:xfrm>
-            <a:off x="5183188" y="987425"/>
-            <a:ext cx="6172200" cy="4873625"/>
+            <a:off x="5046132" y="685800"/>
+            <a:ext cx="6034375" cy="4688785"/>
           </a:xfrm>
         </p:spPr>
         <p:txBody>
           <a:bodyPr/>
+          <a:lstStyle/>
+          <a:p>
+            <a:pPr lvl="0"/>
+            <a:r>
+              <a:rPr lang="zh-CN" altLang="en-US"/>
+              <a:t>编辑母版文本样式</a:t>
+            </a:r>
+          </a:p>
+          <a:p>
+            <a:pPr lvl="1"/>
+            <a:r>
+              <a:rPr lang="zh-CN" altLang="en-US"/>
+              <a:t>第二级</a:t>
+            </a:r>
+          </a:p>
+          <a:p>
+            <a:pPr lvl="2"/>
+            <a:r>
+              <a:rPr lang="zh-CN" altLang="en-US"/>
+              <a:t>第三级</a:t>
+            </a:r>
+          </a:p>
+          <a:p>
+            <a:pPr lvl="3"/>
+            <a:r>
+              <a:rPr lang="zh-CN" altLang="en-US"/>
+              <a:t>第四级</a:t>
+            </a:r>
+          </a:p>
+          <a:p>
+            <a:pPr lvl="4"/>
+            <a:r>
+              <a:rPr lang="zh-CN" altLang="en-US"/>
+              <a:t>第五级</a:t>
+            </a:r>
+            <a:endParaRPr lang="en-US" dirty="0"/>
+          </a:p>
+        </p:txBody>
+      </p:sp>
+      <p:sp>
+        <p:nvSpPr>
+          <p:cNvPr id="4" name="Text Placeholder 3"/>
+          <p:cNvSpPr>
+            <a:spLocks noGrp="1"/>
+          </p:cNvSpPr>
+          <p:nvPr>
+            <p:ph type="body" sz="half" idx="2"/>
+          </p:nvPr>
+        </p:nvSpPr>
+        <p:spPr>
+          <a:xfrm>
+            <a:off x="693642" y="2709052"/>
+            <a:ext cx="4126861" cy="2665533"/>
+          </a:xfrm>
+        </p:spPr>
+        <p:txBody>
+          <a:bodyPr anchor="t">
+            <a:normAutofit/>
+          </a:bodyPr>
           <a:lstStyle>
-            <a:lvl1pPr>
-              <a:defRPr sz="3200"/>
-            </a:lvl1pPr>
-            <a:lvl2pPr>
-              <a:defRPr sz="2800"/>
-            </a:lvl2pPr>
-            <a:lvl3pPr>
-              <a:defRPr sz="2400"/>
-            </a:lvl3pPr>
-            <a:lvl4pPr>
-              <a:defRPr sz="2000"/>
-            </a:lvl4pPr>
-            <a:lvl5pPr>
-              <a:defRPr sz="2000"/>
-            </a:lvl5pPr>
-            <a:lvl6pPr>
-              <a:defRPr sz="2000"/>
-            </a:lvl6pPr>
-            <a:lvl7pPr>
-              <a:defRPr sz="2000"/>
-            </a:lvl7pPr>
-            <a:lvl8pPr>
-              <a:defRPr sz="2000"/>
-            </a:lvl8pPr>
-            <a:lvl9pPr>
-              <a:defRPr sz="2000"/>
-            </a:lvl9pPr>
-          </a:lstStyle>
-          <a:p>
-            <a:pPr lvl="0"/>
-            <a:r>
-              <a:rPr lang="zh-CN" altLang="en-US"/>
-              <a:t>编辑母版文本样式</a:t>
-            </a:r>
-          </a:p>
-          <a:p>
-            <a:pPr lvl="1"/>
-            <a:r>
-              <a:rPr lang="zh-CN" altLang="en-US"/>
-              <a:t>第二级</a:t>
-            </a:r>
-          </a:p>
-          <a:p>
-            <a:pPr lvl="2"/>
-            <a:r>
-              <a:rPr lang="zh-CN" altLang="en-US"/>
-              <a:t>第三级</a:t>
-            </a:r>
-          </a:p>
-          <a:p>
-            <a:pPr lvl="3"/>
-            <a:r>
-              <a:rPr lang="zh-CN" altLang="en-US"/>
-              <a:t>第四级</a:t>
-            </a:r>
-          </a:p>
-          <a:p>
-            <a:pPr lvl="4"/>
-            <a:r>
-              <a:rPr lang="zh-CN" altLang="en-US"/>
-              <a:t>第五级</a:t>
-            </a:r>
-          </a:p>
-        </p:txBody>
-      </p:sp>
-      <p:sp>
-        <p:nvSpPr>
-          <p:cNvPr id="4" name="文本占位符 3">
-            <a:extLst>
-              <a:ext uri="{FF2B5EF4-FFF2-40B4-BE49-F238E27FC236}">
-                <a16:creationId xmlns:a16="http://schemas.microsoft.com/office/drawing/2014/main" id="{50FC560D-04F6-461D-B9B8-5EB803F0B131}"/>
-              </a:ext>
-            </a:extLst>
-          </p:cNvPr>
-          <p:cNvSpPr>
-            <a:spLocks noGrp="1"/>
-          </p:cNvSpPr>
-          <p:nvPr>
-            <p:ph type="body" sz="half" idx="2"/>
-          </p:nvPr>
-        </p:nvSpPr>
-        <p:spPr>
-          <a:xfrm>
-            <a:off x="839788" y="2057400"/>
-            <a:ext cx="3932237" cy="3811588"/>
-          </a:xfrm>
-        </p:spPr>
-        <p:txBody>
-          <a:bodyPr/>
-          <a:lstStyle>
-            <a:lvl1pPr marL="0" indent="0">
-              <a:buNone/>
-              <a:defRPr sz="1600"/>
+            <a:lvl1pPr marL="0" indent="0" algn="ctr">
+              <a:buNone/>
+              <a:defRPr sz="1800"/>
             </a:lvl1pPr>
             <a:lvl2pPr marL="457200" indent="0">
               <a:buNone/>
@@ -2364,13 +4997,7 @@
       </p:sp>
       <p:sp>
         <p:nvSpPr>
-          <p:cNvPr id="5" name="日期占位符 4">
-            <a:extLst>
-              <a:ext uri="{FF2B5EF4-FFF2-40B4-BE49-F238E27FC236}">
-                <a16:creationId xmlns:a16="http://schemas.microsoft.com/office/drawing/2014/main" id="{CDD0EDE8-B061-4559-BC34-E45CE89EF8CA}"/>
-              </a:ext>
-            </a:extLst>
-          </p:cNvPr>
+          <p:cNvPr id="5" name="Date Placeholder 4"/>
           <p:cNvSpPr>
             <a:spLocks noGrp="1"/>
           </p:cNvSpPr>
@@ -2385,7 +5012,7 @@
           <a:p>
             <a:fld id="{B2F6F192-370A-4D37-9AD9-321C39A6B65E}" type="datetimeFigureOut">
               <a:rPr lang="zh-CN" altLang="en-US" smtClean="0"/>
-              <a:t>2020/2/15</a:t>
+              <a:t>2020/2/16</a:t>
             </a:fld>
             <a:endParaRPr lang="zh-CN" altLang="en-US"/>
           </a:p>
@@ -2393,13 +5020,7 @@
       </p:sp>
       <p:sp>
         <p:nvSpPr>
-          <p:cNvPr id="6" name="页脚占位符 5">
-            <a:extLst>
-              <a:ext uri="{FF2B5EF4-FFF2-40B4-BE49-F238E27FC236}">
-                <a16:creationId xmlns:a16="http://schemas.microsoft.com/office/drawing/2014/main" id="{A4D8EF34-9634-46F2-A2B1-7ABED54A1365}"/>
-              </a:ext>
-            </a:extLst>
-          </p:cNvPr>
+          <p:cNvPr id="6" name="Footer Placeholder 5"/>
           <p:cNvSpPr>
             <a:spLocks noGrp="1"/>
           </p:cNvSpPr>
@@ -2418,13 +5039,7 @@
       </p:sp>
       <p:sp>
         <p:nvSpPr>
-          <p:cNvPr id="7" name="灯片编号占位符 6">
-            <a:extLst>
-              <a:ext uri="{FF2B5EF4-FFF2-40B4-BE49-F238E27FC236}">
-                <a16:creationId xmlns:a16="http://schemas.microsoft.com/office/drawing/2014/main" id="{76C741FD-BB2F-4A49-A29E-AA650EA74FC5}"/>
-              </a:ext>
-            </a:extLst>
-          </p:cNvPr>
+          <p:cNvPr id="7" name="Slide Number Placeholder 6"/>
           <p:cNvSpPr>
             <a:spLocks noGrp="1"/>
           </p:cNvSpPr>
@@ -2448,7 +5063,7 @@
     </p:spTree>
     <p:extLst>
       <p:ext uri="{BB962C8B-B14F-4D97-AF65-F5344CB8AC3E}">
-        <p14:creationId xmlns:p14="http://schemas.microsoft.com/office/powerpoint/2010/main" val="2874086092"/>
+        <p14:creationId xmlns:p14="http://schemas.microsoft.com/office/powerpoint/2010/main" val="3057574507"/>
       </p:ext>
     </p:extLst>
   </p:cSld>
@@ -2477,13 +5092,7 @@
       </p:grpSpPr>
       <p:sp>
         <p:nvSpPr>
-          <p:cNvPr id="2" name="标题 1">
-            <a:extLst>
-              <a:ext uri="{FF2B5EF4-FFF2-40B4-BE49-F238E27FC236}">
-                <a16:creationId xmlns:a16="http://schemas.microsoft.com/office/drawing/2014/main" id="{602CEE81-C433-4A9F-9DB9-433586465DFF}"/>
-              </a:ext>
-            </a:extLst>
-          </p:cNvPr>
+          <p:cNvPr id="2" name="Title 1"/>
           <p:cNvSpPr>
             <a:spLocks noGrp="1"/>
           </p:cNvSpPr>
@@ -2493,15 +5102,17 @@
         </p:nvSpPr>
         <p:spPr>
           <a:xfrm>
-            <a:off x="839788" y="457200"/>
-            <a:ext cx="3932237" cy="1600200"/>
-          </a:xfrm>
-        </p:spPr>
-        <p:txBody>
-          <a:bodyPr anchor="b"/>
+            <a:off x="685800" y="685800"/>
+            <a:ext cx="6345302" cy="2023252"/>
+          </a:xfrm>
+        </p:spPr>
+        <p:txBody>
+          <a:bodyPr anchor="b">
+            <a:normAutofit/>
+          </a:bodyPr>
           <a:lstStyle>
-            <a:lvl1pPr>
-              <a:defRPr sz="3200"/>
+            <a:lvl1pPr algn="ctr">
+              <a:defRPr sz="3600"/>
             </a:lvl1pPr>
           </a:lstStyle>
           <a:p>
@@ -2509,20 +5120,15 @@
               <a:rPr lang="zh-CN" altLang="en-US"/>
               <a:t>单击此处编辑母版标题样式</a:t>
             </a:r>
-          </a:p>
-        </p:txBody>
-      </p:sp>
-      <p:sp>
-        <p:nvSpPr>
-          <p:cNvPr id="3" name="图片占位符 2">
-            <a:extLst>
-              <a:ext uri="{FF2B5EF4-FFF2-40B4-BE49-F238E27FC236}">
-                <a16:creationId xmlns:a16="http://schemas.microsoft.com/office/drawing/2014/main" id="{82D40492-4093-49FC-8F13-7F356712AEF4}"/>
-              </a:ext>
-            </a:extLst>
-          </p:cNvPr>
-          <p:cNvSpPr>
-            <a:spLocks noGrp="1"/>
+            <a:endParaRPr lang="en-US" dirty="0"/>
+          </a:p>
+        </p:txBody>
+      </p:sp>
+      <p:sp>
+        <p:nvSpPr>
+          <p:cNvPr id="3" name="Picture Placeholder 2"/>
+          <p:cNvSpPr>
+            <a:spLocks noGrp="1" noChangeAspect="1"/>
           </p:cNvSpPr>
           <p:nvPr>
             <p:ph type="pic" idx="1"/>
@@ -2530,14 +5136,22 @@
         </p:nvSpPr>
         <p:spPr>
           <a:xfrm>
-            <a:off x="5183188" y="987425"/>
-            <a:ext cx="6172200" cy="4873625"/>
-          </a:xfrm>
-        </p:spPr>
-        <p:txBody>
-          <a:bodyPr/>
+            <a:off x="7482362" y="0"/>
+            <a:ext cx="3598146" cy="5071533"/>
+          </a:xfrm>
+          <a:ln w="57150" cmpd="thinThick">
+            <a:solidFill>
+              <a:schemeClr val="bg1">
+                <a:lumMod val="50000"/>
+              </a:schemeClr>
+            </a:solidFill>
+            <a:miter lim="800000"/>
+          </a:ln>
+        </p:spPr>
+        <p:txBody>
+          <a:bodyPr anchor="t"/>
           <a:lstStyle>
-            <a:lvl1pPr marL="0" indent="0">
+            <a:lvl1pPr marL="0" indent="0" algn="ctr">
               <a:buNone/>
               <a:defRPr sz="3200"/>
             </a:lvl1pPr>
@@ -2575,19 +5189,17 @@
             </a:lvl9pPr>
           </a:lstStyle>
           <a:p>
-            <a:endParaRPr lang="zh-CN" altLang="en-US"/>
-          </a:p>
-        </p:txBody>
-      </p:sp>
-      <p:sp>
-        <p:nvSpPr>
-          <p:cNvPr id="4" name="文本占位符 3">
-            <a:extLst>
-              <a:ext uri="{FF2B5EF4-FFF2-40B4-BE49-F238E27FC236}">
-                <a16:creationId xmlns:a16="http://schemas.microsoft.com/office/drawing/2014/main" id="{EDE210F4-E0E0-4101-83A5-F15C30C22018}"/>
-              </a:ext>
-            </a:extLst>
-          </p:cNvPr>
+            <a:r>
+              <a:rPr lang="zh-CN" altLang="en-US"/>
+              <a:t>单击图标添加图片</a:t>
+            </a:r>
+            <a:endParaRPr lang="en-US" dirty="0"/>
+          </a:p>
+        </p:txBody>
+      </p:sp>
+      <p:sp>
+        <p:nvSpPr>
+          <p:cNvPr id="4" name="Text Placeholder 3"/>
           <p:cNvSpPr>
             <a:spLocks noGrp="1"/>
           </p:cNvSpPr>
@@ -2597,16 +5209,18 @@
         </p:nvSpPr>
         <p:spPr>
           <a:xfrm>
-            <a:off x="839788" y="2057400"/>
-            <a:ext cx="3932237" cy="3811588"/>
-          </a:xfrm>
-        </p:spPr>
-        <p:txBody>
-          <a:bodyPr/>
+            <a:off x="685801" y="2709052"/>
+            <a:ext cx="6345301" cy="2362481"/>
+          </a:xfrm>
+        </p:spPr>
+        <p:txBody>
+          <a:bodyPr anchor="t">
+            <a:normAutofit/>
+          </a:bodyPr>
           <a:lstStyle>
-            <a:lvl1pPr marL="0" indent="0">
-              <a:buNone/>
-              <a:defRPr sz="1600"/>
+            <a:lvl1pPr marL="0" indent="0" algn="ctr">
+              <a:buNone/>
+              <a:defRPr sz="1800"/>
             </a:lvl1pPr>
             <a:lvl2pPr marL="457200" indent="0">
               <a:buNone/>
@@ -2652,13 +5266,7 @@
       </p:sp>
       <p:sp>
         <p:nvSpPr>
-          <p:cNvPr id="5" name="日期占位符 4">
-            <a:extLst>
-              <a:ext uri="{FF2B5EF4-FFF2-40B4-BE49-F238E27FC236}">
-                <a16:creationId xmlns:a16="http://schemas.microsoft.com/office/drawing/2014/main" id="{08A3F61A-693B-4B64-B297-A59B95D9B785}"/>
-              </a:ext>
-            </a:extLst>
-          </p:cNvPr>
+          <p:cNvPr id="5" name="Date Placeholder 4"/>
           <p:cNvSpPr>
             <a:spLocks noGrp="1"/>
           </p:cNvSpPr>
@@ -2673,7 +5281,7 @@
           <a:p>
             <a:fld id="{B2F6F192-370A-4D37-9AD9-321C39A6B65E}" type="datetimeFigureOut">
               <a:rPr lang="zh-CN" altLang="en-US" smtClean="0"/>
-              <a:t>2020/2/15</a:t>
+              <a:t>2020/2/16</a:t>
             </a:fld>
             <a:endParaRPr lang="zh-CN" altLang="en-US"/>
           </a:p>
@@ -2681,13 +5289,7 @@
       </p:sp>
       <p:sp>
         <p:nvSpPr>
-          <p:cNvPr id="6" name="页脚占位符 5">
-            <a:extLst>
-              <a:ext uri="{FF2B5EF4-FFF2-40B4-BE49-F238E27FC236}">
-                <a16:creationId xmlns:a16="http://schemas.microsoft.com/office/drawing/2014/main" id="{B7E589F2-830F-420E-9CE2-914148FEC354}"/>
-              </a:ext>
-            </a:extLst>
-          </p:cNvPr>
+          <p:cNvPr id="6" name="Footer Placeholder 5"/>
           <p:cNvSpPr>
             <a:spLocks noGrp="1"/>
           </p:cNvSpPr>
@@ -2706,13 +5308,7 @@
       </p:sp>
       <p:sp>
         <p:nvSpPr>
-          <p:cNvPr id="7" name="灯片编号占位符 6">
-            <a:extLst>
-              <a:ext uri="{FF2B5EF4-FFF2-40B4-BE49-F238E27FC236}">
-                <a16:creationId xmlns:a16="http://schemas.microsoft.com/office/drawing/2014/main" id="{64068B4C-5B3C-4404-908B-2A051995D068}"/>
-              </a:ext>
-            </a:extLst>
-          </p:cNvPr>
+          <p:cNvPr id="7" name="Slide Number Placeholder 6"/>
           <p:cNvSpPr>
             <a:spLocks noGrp="1"/>
           </p:cNvSpPr>
@@ -2736,7 +5332,7 @@
     </p:spTree>
     <p:extLst>
       <p:ext uri="{BB962C8B-B14F-4D97-AF65-F5344CB8AC3E}">
-        <p14:creationId xmlns:p14="http://schemas.microsoft.com/office/powerpoint/2010/main" val="2497684847"/>
+        <p14:creationId xmlns:p14="http://schemas.microsoft.com/office/powerpoint/2010/main" val="3218657552"/>
       </p:ext>
     </p:extLst>
   </p:cSld>
@@ -2750,7 +5346,7 @@
 <p:sldMaster xmlns:a="http://schemas.openxmlformats.org/drawingml/2006/main" xmlns:r="http://schemas.openxmlformats.org/officeDocument/2006/relationships" xmlns:p="http://schemas.openxmlformats.org/presentationml/2006/main">
   <p:cSld>
     <p:bg>
-      <p:bgRef idx="1001">
+      <p:bgRef idx="1003">
         <a:schemeClr val="bg1"/>
       </p:bgRef>
     </p:bg>
@@ -2768,31 +5364,215 @@
           <a:chExt cx="0" cy="0"/>
         </a:xfrm>
       </p:grpSpPr>
-      <p:sp>
-        <p:nvSpPr>
-          <p:cNvPr id="2" name="标题占位符 1">
+      <p:pic>
+        <p:nvPicPr>
+          <p:cNvPr id="7" name="Picture 6" descr="Brickwork-HD-R1a.jpg"/>
+          <p:cNvPicPr>
+            <a:picLocks noChangeAspect="1"/>
+          </p:cNvPicPr>
+          <p:nvPr/>
+        </p:nvPicPr>
+        <p:blipFill>
+          <a:blip r:embed="rId19">
             <a:extLst>
-              <a:ext uri="{FF2B5EF4-FFF2-40B4-BE49-F238E27FC236}">
-                <a16:creationId xmlns:a16="http://schemas.microsoft.com/office/drawing/2014/main" id="{F28A3EEC-4B88-4CE5-8C9C-781FC34A0F5D}"/>
+              <a:ext uri="{28A0092B-C50C-407E-A947-70E740481C1C}">
+                <a14:useLocalDpi xmlns:a14="http://schemas.microsoft.com/office/drawing/2010/main" val="0"/>
               </a:ext>
             </a:extLst>
-          </p:cNvPr>
-          <p:cNvSpPr>
-            <a:spLocks noGrp="1"/>
-          </p:cNvSpPr>
-          <p:nvPr>
-            <p:ph type="title"/>
-          </p:nvPr>
-        </p:nvSpPr>
+          </a:blip>
+          <a:stretch>
+            <a:fillRect/>
+          </a:stretch>
+        </p:blipFill>
         <p:spPr>
           <a:xfrm>
-            <a:off x="838200" y="365125"/>
-            <a:ext cx="10515600" cy="1325563"/>
+            <a:off x="0" y="0"/>
+            <a:ext cx="12192000" cy="6858000"/>
           </a:xfrm>
           <a:prstGeom prst="rect">
             <a:avLst/>
           </a:prstGeom>
         </p:spPr>
+      </p:pic>
+      <p:grpSp>
+        <p:nvGrpSpPr>
+          <p:cNvPr id="10" name="Group 9"/>
+          <p:cNvGrpSpPr/>
+          <p:nvPr/>
+        </p:nvGrpSpPr>
+        <p:grpSpPr>
+          <a:xfrm>
+            <a:off x="-25397" y="0"/>
+            <a:ext cx="12005350" cy="6644081"/>
+            <a:chOff x="-25397" y="0"/>
+            <a:chExt cx="12005350" cy="6644081"/>
+          </a:xfrm>
+        </p:grpSpPr>
+        <p:sp useBgFill="1">
+          <p:nvSpPr>
+            <p:cNvPr id="11" name="Rectangle 10"/>
+            <p:cNvSpPr/>
+            <p:nvPr/>
+          </p:nvSpPr>
+          <p:spPr>
+            <a:xfrm>
+              <a:off x="1" y="0"/>
+              <a:ext cx="11979952" cy="6644081"/>
+            </a:xfrm>
+            <a:prstGeom prst="rect">
+              <a:avLst/>
+            </a:prstGeom>
+            <a:ln>
+              <a:noFill/>
+            </a:ln>
+            <a:effectLst>
+              <a:outerShdw blurRad="98425" dist="76200" dir="4380000" algn="tl" rotWithShape="0">
+                <a:srgbClr val="000000">
+                  <a:alpha val="68000"/>
+                </a:srgbClr>
+              </a:outerShdw>
+            </a:effectLst>
+          </p:spPr>
+          <p:style>
+            <a:lnRef idx="1">
+              <a:schemeClr val="accent1"/>
+            </a:lnRef>
+            <a:fillRef idx="3">
+              <a:schemeClr val="accent1"/>
+            </a:fillRef>
+            <a:effectRef idx="2">
+              <a:schemeClr val="accent1"/>
+            </a:effectRef>
+            <a:fontRef idx="minor">
+              <a:schemeClr val="lt1"/>
+            </a:fontRef>
+          </p:style>
+        </p:sp>
+        <p:sp>
+          <p:nvSpPr>
+            <p:cNvPr id="12" name="Freeform 11"/>
+            <p:cNvSpPr/>
+            <p:nvPr/>
+          </p:nvSpPr>
+          <p:spPr>
+            <a:xfrm>
+              <a:off x="-25397" y="0"/>
+              <a:ext cx="11773291" cy="6419514"/>
+            </a:xfrm>
+            <a:custGeom>
+              <a:avLst/>
+              <a:gdLst/>
+              <a:ahLst/>
+              <a:cxnLst/>
+              <a:rect l="l" t="t" r="r" b="b"/>
+              <a:pathLst>
+                <a:path w="11773291" h="6419514">
+                  <a:moveTo>
+                    <a:pt x="11750059" y="0"/>
+                  </a:moveTo>
+                  <a:lnTo>
+                    <a:pt x="11773291" y="6419514"/>
+                  </a:lnTo>
+                  <a:lnTo>
+                    <a:pt x="0" y="6411047"/>
+                  </a:lnTo>
+                </a:path>
+              </a:pathLst>
+            </a:custGeom>
+            <a:ln w="82550">
+              <a:solidFill>
+                <a:schemeClr val="tx1">
+                  <a:lumMod val="50000"/>
+                  <a:lumOff val="50000"/>
+                </a:schemeClr>
+              </a:solidFill>
+              <a:miter lim="800000"/>
+            </a:ln>
+          </p:spPr>
+          <p:style>
+            <a:lnRef idx="2">
+              <a:schemeClr val="accent1"/>
+            </a:lnRef>
+            <a:fillRef idx="0">
+              <a:schemeClr val="accent1"/>
+            </a:fillRef>
+            <a:effectRef idx="1">
+              <a:schemeClr val="accent1"/>
+            </a:effectRef>
+            <a:fontRef idx="minor">
+              <a:schemeClr val="tx1"/>
+            </a:fontRef>
+          </p:style>
+        </p:sp>
+        <p:sp>
+          <p:nvSpPr>
+            <p:cNvPr id="13" name="Rectangle 12"/>
+            <p:cNvSpPr/>
+            <p:nvPr/>
+          </p:nvSpPr>
+          <p:spPr>
+            <a:xfrm>
+              <a:off x="1" y="5600215"/>
+              <a:ext cx="11706512" cy="780581"/>
+            </a:xfrm>
+            <a:prstGeom prst="rect">
+              <a:avLst/>
+            </a:prstGeom>
+            <a:gradFill flip="none" rotWithShape="1">
+              <a:gsLst>
+                <a:gs pos="34000">
+                  <a:schemeClr val="accent1"/>
+                </a:gs>
+                <a:gs pos="100000">
+                  <a:schemeClr val="accent1">
+                    <a:lumMod val="50000"/>
+                  </a:schemeClr>
+                </a:gs>
+              </a:gsLst>
+              <a:path path="circle">
+                <a:fillToRect l="50000" t="50000" r="50000" b="50000"/>
+              </a:path>
+              <a:tileRect/>
+            </a:gradFill>
+            <a:ln>
+              <a:noFill/>
+            </a:ln>
+          </p:spPr>
+          <p:style>
+            <a:lnRef idx="1">
+              <a:schemeClr val="accent1"/>
+            </a:lnRef>
+            <a:fillRef idx="3">
+              <a:schemeClr val="accent1"/>
+            </a:fillRef>
+            <a:effectRef idx="2">
+              <a:schemeClr val="accent1"/>
+            </a:effectRef>
+            <a:fontRef idx="minor">
+              <a:schemeClr val="lt1"/>
+            </a:fontRef>
+          </p:style>
+        </p:sp>
+      </p:grpSp>
+      <p:sp>
+        <p:nvSpPr>
+          <p:cNvPr id="2" name="Title Placeholder 1"/>
+          <p:cNvSpPr>
+            <a:spLocks noGrp="1"/>
+          </p:cNvSpPr>
+          <p:nvPr>
+            <p:ph type="title"/>
+          </p:nvPr>
+        </p:nvSpPr>
+        <p:spPr>
+          <a:xfrm>
+            <a:off x="685801" y="685800"/>
+            <a:ext cx="10396882" cy="1151965"/>
+          </a:xfrm>
+          <a:prstGeom prst="rect">
+            <a:avLst/>
+          </a:prstGeom>
+        </p:spPr>
         <p:txBody>
           <a:bodyPr vert="horz" lIns="91440" tIns="45720" rIns="91440" bIns="45720" rtlCol="0" anchor="ctr">
             <a:normAutofit/>
@@ -2803,18 +5583,13 @@
               <a:rPr lang="zh-CN" altLang="en-US"/>
               <a:t>单击此处编辑母版标题样式</a:t>
             </a:r>
-          </a:p>
-        </p:txBody>
-      </p:sp>
-      <p:sp>
-        <p:nvSpPr>
-          <p:cNvPr id="3" name="文本占位符 2">
-            <a:extLst>
-              <a:ext uri="{FF2B5EF4-FFF2-40B4-BE49-F238E27FC236}">
-                <a16:creationId xmlns:a16="http://schemas.microsoft.com/office/drawing/2014/main" id="{410EE492-C421-4357-B7C2-507F0314C257}"/>
-              </a:ext>
-            </a:extLst>
-          </p:cNvPr>
+            <a:endParaRPr lang="en-US" dirty="0"/>
+          </a:p>
+        </p:txBody>
+      </p:sp>
+      <p:sp>
+        <p:nvSpPr>
+          <p:cNvPr id="3" name="Text Placeholder 2"/>
           <p:cNvSpPr>
             <a:spLocks noGrp="1"/>
           </p:cNvSpPr>
@@ -2824,15 +5599,15 @@
         </p:nvSpPr>
         <p:spPr>
           <a:xfrm>
-            <a:off x="838200" y="1825625"/>
-            <a:ext cx="10515600" cy="4351338"/>
+            <a:off x="685800" y="2063396"/>
+            <a:ext cx="10396883" cy="3311189"/>
           </a:xfrm>
           <a:prstGeom prst="rect">
             <a:avLst/>
           </a:prstGeom>
         </p:spPr>
         <p:txBody>
-          <a:bodyPr vert="horz" lIns="91440" tIns="45720" rIns="91440" bIns="45720" rtlCol="0">
+          <a:bodyPr vert="horz" lIns="91440" tIns="45720" rIns="91440" bIns="45720" rtlCol="0" anchor="ctr">
             <a:normAutofit/>
           </a:bodyPr>
           <a:lstStyle/>
@@ -2870,18 +5645,13 @@
               <a:rPr lang="zh-CN" altLang="en-US"/>
               <a:t>第五级</a:t>
             </a:r>
-          </a:p>
-        </p:txBody>
-      </p:sp>
-      <p:sp>
-        <p:nvSpPr>
-          <p:cNvPr id="4" name="日期占位符 3">
-            <a:extLst>
-              <a:ext uri="{FF2B5EF4-FFF2-40B4-BE49-F238E27FC236}">
-                <a16:creationId xmlns:a16="http://schemas.microsoft.com/office/drawing/2014/main" id="{0B8C1E9A-DA3A-4D80-9E55-E792D44E3194}"/>
-              </a:ext>
-            </a:extLst>
-          </p:cNvPr>
+            <a:endParaRPr lang="en-US" dirty="0"/>
+          </a:p>
+        </p:txBody>
+      </p:sp>
+      <p:sp>
+        <p:nvSpPr>
+          <p:cNvPr id="4" name="Date Placeholder 3"/>
           <p:cNvSpPr>
             <a:spLocks noGrp="1"/>
           </p:cNvSpPr>
@@ -2891,8 +5661,8 @@
         </p:nvSpPr>
         <p:spPr>
           <a:xfrm>
-            <a:off x="838200" y="6356350"/>
-            <a:ext cx="2743200" cy="365125"/>
+            <a:off x="7298083" y="5757334"/>
+            <a:ext cx="3784600" cy="498470"/>
           </a:xfrm>
           <a:prstGeom prst="rect">
             <a:avLst/>
@@ -2901,11 +5671,11 @@
         <p:txBody>
           <a:bodyPr vert="horz" lIns="91440" tIns="45720" rIns="91440" bIns="45720" rtlCol="0" anchor="ctr"/>
           <a:lstStyle>
-            <a:lvl1pPr algn="l">
-              <a:defRPr sz="1200">
+            <a:lvl1pPr algn="r">
+              <a:defRPr sz="3200" cap="all" baseline="0">
                 <a:solidFill>
-                  <a:schemeClr val="tx1">
-                    <a:tint val="75000"/>
+                  <a:schemeClr val="accent1">
+                    <a:lumMod val="50000"/>
                   </a:schemeClr>
                 </a:solidFill>
               </a:defRPr>
@@ -2914,7 +5684,7 @@
           <a:p>
             <a:fld id="{B2F6F192-370A-4D37-9AD9-321C39A6B65E}" type="datetimeFigureOut">
               <a:rPr lang="zh-CN" altLang="en-US" smtClean="0"/>
-              <a:t>2020/2/15</a:t>
+              <a:t>2020/2/16</a:t>
             </a:fld>
             <a:endParaRPr lang="zh-CN" altLang="en-US"/>
           </a:p>
@@ -2922,13 +5692,7 @@
       </p:sp>
       <p:sp>
         <p:nvSpPr>
-          <p:cNvPr id="5" name="页脚占位符 4">
-            <a:extLst>
-              <a:ext uri="{FF2B5EF4-FFF2-40B4-BE49-F238E27FC236}">
-                <a16:creationId xmlns:a16="http://schemas.microsoft.com/office/drawing/2014/main" id="{702BAD31-FE9C-4691-B488-3458DE56B0EE}"/>
-              </a:ext>
-            </a:extLst>
-          </p:cNvPr>
+          <p:cNvPr id="5" name="Footer Placeholder 4"/>
           <p:cNvSpPr>
             <a:spLocks noGrp="1"/>
           </p:cNvSpPr>
@@ -2938,8 +5702,8 @@
         </p:nvSpPr>
         <p:spPr>
           <a:xfrm>
-            <a:off x="4038600" y="6356350"/>
-            <a:ext cx="4114800" cy="365125"/>
+            <a:off x="685801" y="5757334"/>
+            <a:ext cx="5499719" cy="498470"/>
           </a:xfrm>
           <a:prstGeom prst="rect">
             <a:avLst/>
@@ -2948,11 +5712,11 @@
         <p:txBody>
           <a:bodyPr vert="horz" lIns="91440" tIns="45720" rIns="91440" bIns="45720" rtlCol="0" anchor="ctr"/>
           <a:lstStyle>
-            <a:lvl1pPr algn="ctr">
-              <a:defRPr sz="1200">
+            <a:lvl1pPr algn="l">
+              <a:defRPr sz="3200" cap="all" baseline="0">
                 <a:solidFill>
-                  <a:schemeClr val="tx1">
-                    <a:tint val="75000"/>
+                  <a:schemeClr val="accent1">
+                    <a:lumMod val="50000"/>
                   </a:schemeClr>
                 </a:solidFill>
               </a:defRPr>
@@ -2965,13 +5729,7 @@
       </p:sp>
       <p:sp>
         <p:nvSpPr>
-          <p:cNvPr id="6" name="灯片编号占位符 5">
-            <a:extLst>
-              <a:ext uri="{FF2B5EF4-FFF2-40B4-BE49-F238E27FC236}">
-                <a16:creationId xmlns:a16="http://schemas.microsoft.com/office/drawing/2014/main" id="{85E7F819-3629-433C-BC81-483A419B2907}"/>
-              </a:ext>
-            </a:extLst>
-          </p:cNvPr>
+          <p:cNvPr id="6" name="Slide Number Placeholder 5"/>
           <p:cNvSpPr>
             <a:spLocks noGrp="1"/>
           </p:cNvSpPr>
@@ -2981,8 +5739,8 @@
         </p:nvSpPr>
         <p:spPr>
           <a:xfrm>
-            <a:off x="8610600" y="6356350"/>
-            <a:ext cx="2743200" cy="365125"/>
+            <a:off x="6287121" y="5757334"/>
+            <a:ext cx="907186" cy="498470"/>
           </a:xfrm>
           <a:prstGeom prst="rect">
             <a:avLst/>
@@ -2991,11 +5749,11 @@
         <p:txBody>
           <a:bodyPr vert="horz" lIns="91440" tIns="45720" rIns="91440" bIns="45720" rtlCol="0" anchor="ctr"/>
           <a:lstStyle>
-            <a:lvl1pPr algn="r">
-              <a:defRPr sz="1200">
+            <a:lvl1pPr algn="ctr">
+              <a:defRPr sz="3200" cap="all" baseline="0">
                 <a:solidFill>
-                  <a:schemeClr val="tx1">
-                    <a:tint val="75000"/>
+                  <a:schemeClr val="accent1">
+                    <a:lumMod val="50000"/>
                   </a:schemeClr>
                 </a:solidFill>
               </a:defRPr>
@@ -3013,23 +5771,29 @@
     </p:spTree>
     <p:extLst>
       <p:ext uri="{BB962C8B-B14F-4D97-AF65-F5344CB8AC3E}">
-        <p14:creationId xmlns:p14="http://schemas.microsoft.com/office/powerpoint/2010/main" val="1011546601"/>
+        <p14:creationId xmlns:p14="http://schemas.microsoft.com/office/powerpoint/2010/main" val="227931991"/>
       </p:ext>
     </p:extLst>
   </p:cSld>
   <p:clrMap bg1="lt1" tx1="dk1" bg2="lt2" tx2="dk2" accent1="accent1" accent2="accent2" accent3="accent3" accent4="accent4" accent5="accent5" accent6="accent6" hlink="hlink" folHlink="folHlink"/>
   <p:sldLayoutIdLst>
-    <p:sldLayoutId id="2147483649" r:id="rId1"/>
-    <p:sldLayoutId id="2147483650" r:id="rId2"/>
-    <p:sldLayoutId id="2147483651" r:id="rId3"/>
-    <p:sldLayoutId id="2147483652" r:id="rId4"/>
-    <p:sldLayoutId id="2147483653" r:id="rId5"/>
-    <p:sldLayoutId id="2147483654" r:id="rId6"/>
-    <p:sldLayoutId id="2147483655" r:id="rId7"/>
-    <p:sldLayoutId id="2147483656" r:id="rId8"/>
-    <p:sldLayoutId id="2147483657" r:id="rId9"/>
-    <p:sldLayoutId id="2147483658" r:id="rId10"/>
-    <p:sldLayoutId id="2147483659" r:id="rId11"/>
+    <p:sldLayoutId id="2147483661" r:id="rId1"/>
+    <p:sldLayoutId id="2147483662" r:id="rId2"/>
+    <p:sldLayoutId id="2147483663" r:id="rId3"/>
+    <p:sldLayoutId id="2147483664" r:id="rId4"/>
+    <p:sldLayoutId id="2147483665" r:id="rId5"/>
+    <p:sldLayoutId id="2147483666" r:id="rId6"/>
+    <p:sldLayoutId id="2147483667" r:id="rId7"/>
+    <p:sldLayoutId id="2147483668" r:id="rId8"/>
+    <p:sldLayoutId id="2147483669" r:id="rId9"/>
+    <p:sldLayoutId id="2147483670" r:id="rId10"/>
+    <p:sldLayoutId id="2147483671" r:id="rId11"/>
+    <p:sldLayoutId id="2147483672" r:id="rId12"/>
+    <p:sldLayoutId id="2147483673" r:id="rId13"/>
+    <p:sldLayoutId id="2147483674" r:id="rId14"/>
+    <p:sldLayoutId id="2147483675" r:id="rId15"/>
+    <p:sldLayoutId id="2147483676" r:id="rId16"/>
+    <p:sldLayoutId id="2147483677" r:id="rId17"/>
   </p:sldLayoutIdLst>
   <p:txStyles>
     <p:titleStyle>
@@ -3041,10 +5805,11 @@
           <a:spcPct val="0"/>
         </a:spcBef>
         <a:buNone/>
-        <a:defRPr sz="4400" kern="1200">
+        <a:defRPr sz="5400" kern="1200" cap="all" baseline="0">
           <a:solidFill>
-            <a:schemeClr val="tx1"/>
+            <a:schemeClr val="accent1"/>
           </a:solidFill>
+          <a:effectLst/>
           <a:latin typeface="+mj-lt"/>
           <a:ea typeface="+mj-ea"/>
           <a:cs typeface="+mj-cs"/>
@@ -3054,17 +5819,22 @@
     <p:bodyStyle>
       <a:lvl1pPr marL="228600" indent="-228600" algn="l" defTabSz="914400" rtl="0" eaLnBrk="1" latinLnBrk="0" hangingPunct="1">
         <a:lnSpc>
-          <a:spcPct val="90000"/>
+          <a:spcPct val="120000"/>
         </a:lnSpc>
         <a:spcBef>
           <a:spcPts val="1000"/>
         </a:spcBef>
+        <a:buClr>
+          <a:schemeClr val="accent1"/>
+        </a:buClr>
+        <a:buSzPct val="160000"/>
         <a:buFont typeface="Arial" panose="020B0604020202020204" pitchFamily="34" charset="0"/>
         <a:buChar char="•"/>
-        <a:defRPr sz="2800" kern="1200">
+        <a:defRPr sz="2000" kern="1200" cap="all" baseline="0">
           <a:solidFill>
             <a:schemeClr val="tx1"/>
           </a:solidFill>
+          <a:effectLst/>
           <a:latin typeface="+mn-lt"/>
           <a:ea typeface="+mn-ea"/>
           <a:cs typeface="+mn-cs"/>
@@ -3072,17 +5842,22 @@
       </a:lvl1pPr>
       <a:lvl2pPr marL="685800" indent="-228600" algn="l" defTabSz="914400" rtl="0" eaLnBrk="1" latinLnBrk="0" hangingPunct="1">
         <a:lnSpc>
-          <a:spcPct val="90000"/>
+          <a:spcPct val="120000"/>
         </a:lnSpc>
         <a:spcBef>
           <a:spcPts val="500"/>
         </a:spcBef>
+        <a:buClr>
+          <a:schemeClr val="accent1"/>
+        </a:buClr>
+        <a:buSzPct val="160000"/>
         <a:buFont typeface="Arial" panose="020B0604020202020204" pitchFamily="34" charset="0"/>
         <a:buChar char="•"/>
-        <a:defRPr sz="2400" kern="1200">
+        <a:defRPr sz="1800" kern="1200" cap="all" baseline="0">
           <a:solidFill>
             <a:schemeClr val="tx1"/>
           </a:solidFill>
+          <a:effectLst/>
           <a:latin typeface="+mn-lt"/>
           <a:ea typeface="+mn-ea"/>
           <a:cs typeface="+mn-cs"/>
@@ -3090,17 +5865,22 @@
       </a:lvl2pPr>
       <a:lvl3pPr marL="1143000" indent="-228600" algn="l" defTabSz="914400" rtl="0" eaLnBrk="1" latinLnBrk="0" hangingPunct="1">
         <a:lnSpc>
-          <a:spcPct val="90000"/>
+          <a:spcPct val="120000"/>
         </a:lnSpc>
         <a:spcBef>
           <a:spcPts val="500"/>
         </a:spcBef>
+        <a:buClr>
+          <a:schemeClr val="accent1"/>
+        </a:buClr>
+        <a:buSzPct val="160000"/>
         <a:buFont typeface="Arial" panose="020B0604020202020204" pitchFamily="34" charset="0"/>
         <a:buChar char="•"/>
-        <a:defRPr sz="2000" kern="1200">
+        <a:defRPr sz="1600" kern="1200" cap="all" baseline="0">
           <a:solidFill>
             <a:schemeClr val="tx1"/>
           </a:solidFill>
+          <a:effectLst/>
           <a:latin typeface="+mn-lt"/>
           <a:ea typeface="+mn-ea"/>
           <a:cs typeface="+mn-cs"/>
@@ -3108,17 +5888,22 @@
       </a:lvl3pPr>
       <a:lvl4pPr marL="1600200" indent="-228600" algn="l" defTabSz="914400" rtl="0" eaLnBrk="1" latinLnBrk="0" hangingPunct="1">
         <a:lnSpc>
-          <a:spcPct val="90000"/>
+          <a:spcPct val="120000"/>
         </a:lnSpc>
         <a:spcBef>
           <a:spcPts val="500"/>
         </a:spcBef>
+        <a:buClr>
+          <a:schemeClr val="accent1"/>
+        </a:buClr>
+        <a:buSzPct val="160000"/>
         <a:buFont typeface="Arial" panose="020B0604020202020204" pitchFamily="34" charset="0"/>
         <a:buChar char="•"/>
-        <a:defRPr sz="1800" kern="1200">
+        <a:defRPr sz="1400" kern="1200" cap="all" baseline="0">
           <a:solidFill>
             <a:schemeClr val="tx1"/>
           </a:solidFill>
+          <a:effectLst/>
           <a:latin typeface="+mn-lt"/>
           <a:ea typeface="+mn-ea"/>
           <a:cs typeface="+mn-cs"/>
@@ -3126,17 +5911,22 @@
       </a:lvl4pPr>
       <a:lvl5pPr marL="2057400" indent="-228600" algn="l" defTabSz="914400" rtl="0" eaLnBrk="1" latinLnBrk="0" hangingPunct="1">
         <a:lnSpc>
-          <a:spcPct val="90000"/>
+          <a:spcPct val="120000"/>
         </a:lnSpc>
         <a:spcBef>
           <a:spcPts val="500"/>
         </a:spcBef>
+        <a:buClr>
+          <a:schemeClr val="accent1"/>
+        </a:buClr>
+        <a:buSzPct val="160000"/>
         <a:buFont typeface="Arial" panose="020B0604020202020204" pitchFamily="34" charset="0"/>
         <a:buChar char="•"/>
-        <a:defRPr sz="1800" kern="1200">
+        <a:defRPr sz="1400" kern="1200" cap="all" baseline="0">
           <a:solidFill>
             <a:schemeClr val="tx1"/>
           </a:solidFill>
+          <a:effectLst/>
           <a:latin typeface="+mn-lt"/>
           <a:ea typeface="+mn-ea"/>
           <a:cs typeface="+mn-cs"/>
@@ -3144,17 +5934,22 @@
       </a:lvl5pPr>
       <a:lvl6pPr marL="2514600" indent="-228600" algn="l" defTabSz="914400" rtl="0" eaLnBrk="1" latinLnBrk="0" hangingPunct="1">
         <a:lnSpc>
-          <a:spcPct val="90000"/>
+          <a:spcPct val="120000"/>
         </a:lnSpc>
         <a:spcBef>
           <a:spcPts val="500"/>
         </a:spcBef>
+        <a:buClr>
+          <a:schemeClr val="accent1"/>
+        </a:buClr>
+        <a:buSzPct val="160000"/>
         <a:buFont typeface="Arial" panose="020B0604020202020204" pitchFamily="34" charset="0"/>
         <a:buChar char="•"/>
-        <a:defRPr sz="1800" kern="1200">
+        <a:defRPr sz="1400" kern="1200" cap="all" baseline="0">
           <a:solidFill>
             <a:schemeClr val="tx1"/>
           </a:solidFill>
+          <a:effectLst/>
           <a:latin typeface="+mn-lt"/>
           <a:ea typeface="+mn-ea"/>
           <a:cs typeface="+mn-cs"/>
@@ -3162,17 +5957,22 @@
       </a:lvl6pPr>
       <a:lvl7pPr marL="2971800" indent="-228600" algn="l" defTabSz="914400" rtl="0" eaLnBrk="1" latinLnBrk="0" hangingPunct="1">
         <a:lnSpc>
-          <a:spcPct val="90000"/>
+          <a:spcPct val="120000"/>
         </a:lnSpc>
         <a:spcBef>
           <a:spcPts val="500"/>
         </a:spcBef>
+        <a:buClr>
+          <a:schemeClr val="accent1"/>
+        </a:buClr>
+        <a:buSzPct val="160000"/>
         <a:buFont typeface="Arial" panose="020B0604020202020204" pitchFamily="34" charset="0"/>
         <a:buChar char="•"/>
-        <a:defRPr sz="1800" kern="1200">
+        <a:defRPr sz="1400" kern="1200" cap="all" baseline="0">
           <a:solidFill>
             <a:schemeClr val="tx1"/>
           </a:solidFill>
+          <a:effectLst/>
           <a:latin typeface="+mn-lt"/>
           <a:ea typeface="+mn-ea"/>
           <a:cs typeface="+mn-cs"/>
@@ -3180,17 +5980,22 @@
       </a:lvl7pPr>
       <a:lvl8pPr marL="3429000" indent="-228600" algn="l" defTabSz="914400" rtl="0" eaLnBrk="1" latinLnBrk="0" hangingPunct="1">
         <a:lnSpc>
-          <a:spcPct val="90000"/>
+          <a:spcPct val="120000"/>
         </a:lnSpc>
         <a:spcBef>
           <a:spcPts val="500"/>
         </a:spcBef>
+        <a:buClr>
+          <a:schemeClr val="accent1"/>
+        </a:buClr>
+        <a:buSzPct val="160000"/>
         <a:buFont typeface="Arial" panose="020B0604020202020204" pitchFamily="34" charset="0"/>
         <a:buChar char="•"/>
-        <a:defRPr sz="1800" kern="1200">
+        <a:defRPr sz="1400" kern="1200" cap="all" baseline="0">
           <a:solidFill>
             <a:schemeClr val="tx1"/>
           </a:solidFill>
+          <a:effectLst/>
           <a:latin typeface="+mn-lt"/>
           <a:ea typeface="+mn-ea"/>
           <a:cs typeface="+mn-cs"/>
@@ -3198,17 +6003,22 @@
       </a:lvl8pPr>
       <a:lvl9pPr marL="3886200" indent="-228600" algn="l" defTabSz="914400" rtl="0" eaLnBrk="1" latinLnBrk="0" hangingPunct="1">
         <a:lnSpc>
-          <a:spcPct val="90000"/>
+          <a:spcPct val="120000"/>
         </a:lnSpc>
         <a:spcBef>
           <a:spcPts val="500"/>
         </a:spcBef>
+        <a:buClr>
+          <a:schemeClr val="accent1"/>
+        </a:buClr>
+        <a:buSzPct val="160000"/>
         <a:buFont typeface="Arial" panose="020B0604020202020204" pitchFamily="34" charset="0"/>
         <a:buChar char="•"/>
-        <a:defRPr sz="1800" kern="1200">
+        <a:defRPr sz="1400" kern="1200" cap="all" baseline="0">
           <a:solidFill>
             <a:schemeClr val="tx1"/>
           </a:solidFill>
+          <a:effectLst/>
           <a:latin typeface="+mn-lt"/>
           <a:ea typeface="+mn-ea"/>
           <a:cs typeface="+mn-cs"/>
@@ -3217,7 +6027,7 @@
     </p:bodyStyle>
     <p:otherStyle>
       <a:defPPr>
-        <a:defRPr lang="zh-CN"/>
+        <a:defRPr lang="en-US"/>
       </a:defPPr>
       <a:lvl1pPr marL="0" algn="l" defTabSz="914400" rtl="0" eaLnBrk="1" latinLnBrk="0" hangingPunct="1">
         <a:defRPr sz="1800" kern="1200">
@@ -3493,13 +6303,13 @@
           <a:p>
             <a:r>
               <a:rPr lang="en-US" altLang="zh-CN" sz="4400" u="sng" dirty="0"/>
-              <a:t>+ 	   9 3</a:t>
+              <a:t>+ 	    9 9</a:t>
             </a:r>
           </a:p>
           <a:p>
             <a:r>
               <a:rPr lang="en-US" altLang="zh-CN" sz="4400" dirty="0"/>
-              <a:t>   1 0 5 5</a:t>
+              <a:t>      1 0 6 1</a:t>
             </a:r>
             <a:endParaRPr lang="zh-CN" altLang="en-US" sz="4400" dirty="0"/>
           </a:p>
@@ -3519,8 +6329,8 @@
         </p:nvSpPr>
         <p:spPr>
           <a:xfrm>
-            <a:off x="5025190" y="1540331"/>
-            <a:ext cx="7082589" cy="3477875"/>
+            <a:off x="3322225" y="132383"/>
+            <a:ext cx="7082589" cy="5878532"/>
           </a:xfrm>
           <a:prstGeom prst="rect">
             <a:avLst/>
@@ -3534,32 +6344,121 @@
           <a:lstStyle/>
           <a:p>
             <a:r>
-              <a:rPr lang="en-US" altLang="zh-CN" sz="4400" dirty="0"/>
+              <a:rPr lang="en-US" altLang="zh-CN" sz="3200" dirty="0"/>
               <a:t>String A,B;</a:t>
             </a:r>
           </a:p>
           <a:p>
             <a:r>
-              <a:rPr lang="en-US" altLang="zh-CN" sz="4400" dirty="0"/>
+              <a:rPr lang="en-US" altLang="zh-CN" sz="3200" dirty="0"/>
               <a:t>Int a[100],b[100],c[100];</a:t>
             </a:r>
           </a:p>
           <a:p>
             <a:r>
-              <a:rPr lang="en-US" altLang="zh-CN" sz="4400" dirty="0"/>
-              <a:t>A=962		B=93</a:t>
-            </a:r>
-          </a:p>
-          <a:p>
-            <a:r>
-              <a:rPr lang="en-US" altLang="zh-CN" sz="4400" dirty="0"/>
-              <a:t>a[1]=?		b[1]=?</a:t>
-            </a:r>
-          </a:p>
-          <a:p>
-            <a:r>
-              <a:rPr lang="en-US" altLang="zh-CN" sz="4400" dirty="0"/>
-              <a:t>c[1]=?		c[2]=?</a:t>
+              <a:rPr lang="en-US" altLang="zh-CN" sz="3200" dirty="0"/>
+              <a:t>A=962		B=99</a:t>
+            </a:r>
+          </a:p>
+          <a:p>
+            <a:r>
+              <a:rPr lang="en-US" altLang="zh-CN" sz="3200" dirty="0"/>
+              <a:t>a[1]=2		b[1]=9</a:t>
+            </a:r>
+          </a:p>
+          <a:p>
+            <a:r>
+              <a:rPr lang="en-US" altLang="zh-CN" sz="3200" dirty="0"/>
+              <a:t>a[2]=6		b[6]=9</a:t>
+            </a:r>
+          </a:p>
+          <a:p>
+            <a:r>
+              <a:rPr lang="en-US" altLang="zh-CN" sz="3200" dirty="0"/>
+              <a:t>a[3]=9		b[3]=0</a:t>
+            </a:r>
+          </a:p>
+          <a:p>
+            <a:endParaRPr lang="en-US" altLang="zh-CN" sz="3200" dirty="0"/>
+          </a:p>
+          <a:p>
+            <a:r>
+              <a:rPr lang="en-US" altLang="zh-CN" sz="2800" dirty="0"/>
+              <a:t>c[</a:t>
+            </a:r>
+            <a:r>
+              <a:rPr lang="en-US" altLang="zh-CN" sz="2800" dirty="0" err="1"/>
+              <a:t>i</a:t>
+            </a:r>
+            <a:r>
+              <a:rPr lang="en-US" altLang="zh-CN" sz="2800" dirty="0"/>
+              <a:t>]=(c[</a:t>
+            </a:r>
+            <a:r>
+              <a:rPr lang="en-US" altLang="zh-CN" sz="2800" dirty="0" err="1"/>
+              <a:t>i</a:t>
+            </a:r>
+            <a:r>
+              <a:rPr lang="en-US" altLang="zh-CN" sz="2800" dirty="0"/>
+              <a:t>]+a[</a:t>
+            </a:r>
+            <a:r>
+              <a:rPr lang="en-US" altLang="zh-CN" sz="2800" dirty="0" err="1"/>
+              <a:t>i</a:t>
+            </a:r>
+            <a:r>
+              <a:rPr lang="en-US" altLang="zh-CN" sz="2800" dirty="0"/>
+              <a:t>]+b[</a:t>
+            </a:r>
+            <a:r>
+              <a:rPr lang="en-US" altLang="zh-CN" sz="2800" dirty="0" err="1"/>
+              <a:t>i</a:t>
+            </a:r>
+            <a:r>
+              <a:rPr lang="en-US" altLang="zh-CN" sz="2800" dirty="0"/>
+              <a:t>])%10     c[i+1]= ]=(c[</a:t>
+            </a:r>
+            <a:r>
+              <a:rPr lang="en-US" altLang="zh-CN" sz="2800" dirty="0" err="1"/>
+              <a:t>i</a:t>
+            </a:r>
+            <a:r>
+              <a:rPr lang="en-US" altLang="zh-CN" sz="2800" dirty="0"/>
+              <a:t>]+a[</a:t>
+            </a:r>
+            <a:r>
+              <a:rPr lang="en-US" altLang="zh-CN" sz="2800" dirty="0" err="1"/>
+              <a:t>i</a:t>
+            </a:r>
+            <a:r>
+              <a:rPr lang="en-US" altLang="zh-CN" sz="2800" dirty="0"/>
+              <a:t>]+b[</a:t>
+            </a:r>
+            <a:r>
+              <a:rPr lang="en-US" altLang="zh-CN" sz="2800" dirty="0" err="1"/>
+              <a:t>i</a:t>
+            </a:r>
+            <a:r>
+              <a:rPr lang="en-US" altLang="zh-CN" sz="2800" dirty="0"/>
+              <a:t>])/10 </a:t>
+            </a:r>
+          </a:p>
+          <a:p>
+            <a:r>
+              <a:rPr lang="en-US" altLang="zh-CN" sz="3200" dirty="0"/>
+              <a:t>c[1]=(2+9)%10=1 	c[2]=(2+9)/10=1</a:t>
+            </a:r>
+          </a:p>
+          <a:p>
+            <a:r>
+              <a:rPr lang="en-US" altLang="zh-CN" sz="3200" dirty="0"/>
+              <a:t>c[2]=(1+6+9)%10=6	c[3]=(1+6+9)/10=1</a:t>
+            </a:r>
+          </a:p>
+          <a:p>
+            <a:r>
+              <a:rPr lang="en-US" altLang="zh-CN" sz="3200" dirty="0"/>
+              <a:t>c[3]=(1+9+0)%10=0      c[4]=(1+9+0)/10=1</a:t>
             </a:r>
           </a:p>
         </p:txBody>
@@ -3596,31 +6495,6 @@
       </p:grpSpPr>
       <p:sp>
         <p:nvSpPr>
-          <p:cNvPr id="2" name="标题 1">
-            <a:extLst>
-              <a:ext uri="{FF2B5EF4-FFF2-40B4-BE49-F238E27FC236}">
-                <a16:creationId xmlns:a16="http://schemas.microsoft.com/office/drawing/2014/main" id="{8B6B3913-9ABF-4BC6-8535-44D85730B351}"/>
-              </a:ext>
-            </a:extLst>
-          </p:cNvPr>
-          <p:cNvSpPr>
-            <a:spLocks noGrp="1"/>
-          </p:cNvSpPr>
-          <p:nvPr>
-            <p:ph type="title"/>
-          </p:nvPr>
-        </p:nvSpPr>
-        <p:spPr/>
-        <p:txBody>
-          <a:bodyPr/>
-          <a:lstStyle/>
-          <a:p>
-            <a:endParaRPr lang="zh-CN" altLang="en-US"/>
-          </a:p>
-        </p:txBody>
-      </p:sp>
-      <p:sp>
-        <p:nvSpPr>
           <p:cNvPr id="3" name="内容占位符 2">
             <a:extLst>
               <a:ext uri="{FF2B5EF4-FFF2-40B4-BE49-F238E27FC236}">
@@ -3632,69 +6506,71 @@
             <a:spLocks noGrp="1"/>
           </p:cNvSpPr>
           <p:nvPr>
-            <p:ph idx="1"/>
+            <p:ph sz="quarter" idx="13"/>
           </p:nvPr>
         </p:nvSpPr>
         <p:spPr>
           <a:xfrm>
-            <a:off x="838200" y="1825625"/>
+            <a:off x="968829" y="948273"/>
             <a:ext cx="3573379" cy="4351338"/>
           </a:xfrm>
         </p:spPr>
         <p:txBody>
-          <a:bodyPr/>
-          <a:lstStyle/>
-          <a:p>
-            <a:r>
-              <a:rPr lang="en-US" altLang="zh-CN" dirty="0"/>
+          <a:bodyPr>
+            <a:normAutofit/>
+          </a:bodyPr>
+          <a:lstStyle/>
+          <a:p>
+            <a:r>
+              <a:rPr lang="en-US" altLang="zh-CN" sz="3200" dirty="0"/>
               <a:t>1. </a:t>
             </a:r>
             <a:r>
-              <a:rPr lang="zh-CN" altLang="en-US" dirty="0"/>
+              <a:rPr lang="zh-CN" altLang="en-US" sz="3200" dirty="0"/>
               <a:t>字符串读入</a:t>
             </a:r>
-            <a:endParaRPr lang="en-US" altLang="zh-CN" dirty="0"/>
-          </a:p>
-          <a:p>
-            <a:r>
-              <a:rPr lang="en-US" altLang="zh-CN" dirty="0"/>
+            <a:endParaRPr lang="en-US" altLang="zh-CN" sz="3200" dirty="0"/>
+          </a:p>
+          <a:p>
+            <a:r>
+              <a:rPr lang="en-US" altLang="zh-CN" sz="3200" dirty="0"/>
               <a:t>2. </a:t>
             </a:r>
             <a:r>
-              <a:rPr lang="zh-CN" altLang="en-US" dirty="0"/>
+              <a:rPr lang="zh-CN" altLang="en-US" sz="3200" dirty="0"/>
               <a:t>字符串转数组</a:t>
             </a:r>
-            <a:endParaRPr lang="en-US" altLang="zh-CN" dirty="0"/>
-          </a:p>
-          <a:p>
-            <a:r>
-              <a:rPr lang="en-US" altLang="zh-CN" dirty="0"/>
+            <a:endParaRPr lang="en-US" altLang="zh-CN" sz="3200" dirty="0"/>
+          </a:p>
+          <a:p>
+            <a:r>
+              <a:rPr lang="en-US" altLang="zh-CN" sz="3200" dirty="0"/>
               <a:t>3. </a:t>
             </a:r>
             <a:r>
-              <a:rPr lang="zh-CN" altLang="en-US" dirty="0"/>
+              <a:rPr lang="zh-CN" altLang="en-US" sz="3200" dirty="0"/>
               <a:t>竖式加法</a:t>
             </a:r>
-            <a:endParaRPr lang="en-US" altLang="zh-CN" dirty="0"/>
-          </a:p>
-          <a:p>
-            <a:r>
-              <a:rPr lang="en-US" altLang="zh-CN" dirty="0"/>
+            <a:endParaRPr lang="en-US" altLang="zh-CN" sz="3200" dirty="0"/>
+          </a:p>
+          <a:p>
+            <a:r>
+              <a:rPr lang="en-US" altLang="zh-CN" sz="3200" dirty="0"/>
               <a:t>4. </a:t>
             </a:r>
             <a:r>
-              <a:rPr lang="zh-CN" altLang="en-US" dirty="0"/>
+              <a:rPr lang="zh-CN" altLang="en-US" sz="3200" dirty="0"/>
               <a:t>是否增加进位</a:t>
             </a:r>
-            <a:endParaRPr lang="en-US" altLang="zh-CN" dirty="0"/>
-          </a:p>
-          <a:p>
-            <a:r>
-              <a:rPr lang="en-US" altLang="zh-CN" dirty="0"/>
+            <a:endParaRPr lang="en-US" altLang="zh-CN" sz="3200" dirty="0"/>
+          </a:p>
+          <a:p>
+            <a:r>
+              <a:rPr lang="en-US" altLang="zh-CN" sz="3200" dirty="0"/>
               <a:t>5. </a:t>
             </a:r>
             <a:r>
-              <a:rPr lang="zh-CN" altLang="en-US" dirty="0"/>
+              <a:rPr lang="zh-CN" altLang="en-US" sz="3200" dirty="0"/>
               <a:t>倒序输出</a:t>
             </a:r>
           </a:p>
@@ -3714,8 +6590,8 @@
         </p:nvSpPr>
         <p:spPr>
           <a:xfrm>
-            <a:off x="5582653" y="1997839"/>
-            <a:ext cx="3769894" cy="3785652"/>
+            <a:off x="5452024" y="957822"/>
+            <a:ext cx="3769894" cy="4401205"/>
           </a:xfrm>
           <a:prstGeom prst="rect">
             <a:avLst/>
@@ -3729,111 +6605,111 @@
           <a:lstStyle/>
           <a:p>
             <a:r>
-              <a:rPr lang="pt-BR" altLang="zh-CN" sz="2400" dirty="0"/>
+              <a:rPr lang="pt-BR" altLang="zh-CN" sz="2800" dirty="0"/>
               <a:t>cin&gt;&gt;A&gt;&gt;B;</a:t>
             </a:r>
           </a:p>
           <a:p>
-            <a:endParaRPr lang="pt-BR" altLang="zh-CN" sz="2400" dirty="0"/>
-          </a:p>
-          <a:p>
-            <a:r>
-              <a:rPr lang="pt-BR" altLang="zh-CN" sz="2400" dirty="0"/>
+            <a:endParaRPr lang="pt-BR" altLang="zh-CN" sz="2800" dirty="0"/>
+          </a:p>
+          <a:p>
+            <a:r>
+              <a:rPr lang="pt-BR" altLang="zh-CN" sz="2800" dirty="0"/>
               <a:t>a[j++]=A[i]-’0’;</a:t>
             </a:r>
           </a:p>
           <a:p>
-            <a:endParaRPr lang="pt-BR" altLang="zh-CN" sz="2400" dirty="0"/>
-          </a:p>
-          <a:p>
-            <a:r>
-              <a:rPr lang="en-US" altLang="zh-CN" sz="2400" dirty="0"/>
+            <a:endParaRPr lang="pt-BR" altLang="zh-CN" sz="2800" dirty="0"/>
+          </a:p>
+          <a:p>
+            <a:r>
+              <a:rPr lang="en-US" altLang="zh-CN" sz="2800" dirty="0"/>
               <a:t>c[</a:t>
             </a:r>
             <a:r>
-              <a:rPr lang="en-US" altLang="zh-CN" sz="2400" dirty="0" err="1"/>
+              <a:rPr lang="en-US" altLang="zh-CN" sz="2800" dirty="0" err="1"/>
               <a:t>i</a:t>
             </a:r>
             <a:r>
-              <a:rPr lang="en-US" altLang="zh-CN" sz="2400" dirty="0"/>
+              <a:rPr lang="en-US" altLang="zh-CN" sz="2800" dirty="0"/>
               <a:t>]+=a[</a:t>
             </a:r>
             <a:r>
-              <a:rPr lang="en-US" altLang="zh-CN" sz="2400" dirty="0" err="1"/>
+              <a:rPr lang="en-US" altLang="zh-CN" sz="2800" dirty="0" err="1"/>
               <a:t>i</a:t>
             </a:r>
             <a:r>
-              <a:rPr lang="en-US" altLang="zh-CN" sz="2400" dirty="0"/>
+              <a:rPr lang="en-US" altLang="zh-CN" sz="2800" dirty="0"/>
               <a:t>]+b[</a:t>
             </a:r>
             <a:r>
-              <a:rPr lang="en-US" altLang="zh-CN" sz="2400" dirty="0" err="1"/>
+              <a:rPr lang="en-US" altLang="zh-CN" sz="2800" dirty="0" err="1"/>
               <a:t>i</a:t>
             </a:r>
             <a:r>
-              <a:rPr lang="en-US" altLang="zh-CN" sz="2400" dirty="0"/>
+              <a:rPr lang="en-US" altLang="zh-CN" sz="2800" dirty="0"/>
               <a:t>];</a:t>
             </a:r>
           </a:p>
           <a:p>
             <a:r>
-              <a:rPr lang="en-US" altLang="zh-CN" sz="2400" dirty="0"/>
+              <a:rPr lang="en-US" altLang="zh-CN" sz="2800" dirty="0"/>
               <a:t>c[i+1]+=c[</a:t>
             </a:r>
             <a:r>
-              <a:rPr lang="en-US" altLang="zh-CN" sz="2400" dirty="0" err="1"/>
+              <a:rPr lang="en-US" altLang="zh-CN" sz="2800" dirty="0" err="1"/>
               <a:t>i</a:t>
             </a:r>
             <a:r>
-              <a:rPr lang="en-US" altLang="zh-CN" sz="2400" dirty="0"/>
+              <a:rPr lang="en-US" altLang="zh-CN" sz="2800" dirty="0"/>
               <a:t>]/10;</a:t>
             </a:r>
           </a:p>
           <a:p>
             <a:r>
-              <a:rPr lang="en-US" altLang="zh-CN" sz="2400" dirty="0"/>
+              <a:rPr lang="en-US" altLang="zh-CN" sz="2800" dirty="0"/>
               <a:t>c[</a:t>
             </a:r>
             <a:r>
-              <a:rPr lang="en-US" altLang="zh-CN" sz="2400" dirty="0" err="1"/>
+              <a:rPr lang="en-US" altLang="zh-CN" sz="2800" dirty="0" err="1"/>
               <a:t>i</a:t>
             </a:r>
             <a:r>
-              <a:rPr lang="en-US" altLang="zh-CN" sz="2400" dirty="0"/>
+              <a:rPr lang="en-US" altLang="zh-CN" sz="2800" dirty="0"/>
               <a:t>]=c[</a:t>
             </a:r>
             <a:r>
-              <a:rPr lang="en-US" altLang="zh-CN" sz="2400" dirty="0" err="1"/>
+              <a:rPr lang="en-US" altLang="zh-CN" sz="2800" dirty="0" err="1"/>
               <a:t>i</a:t>
             </a:r>
             <a:r>
-              <a:rPr lang="en-US" altLang="zh-CN" sz="2400" dirty="0"/>
+              <a:rPr lang="en-US" altLang="zh-CN" sz="2800" dirty="0"/>
               <a:t>]%10;</a:t>
             </a:r>
           </a:p>
           <a:p>
-            <a:endParaRPr lang="en-US" altLang="zh-CN" sz="2400" dirty="0"/>
-          </a:p>
-          <a:p>
-            <a:r>
-              <a:rPr lang="en-US" altLang="zh-CN" sz="2400" dirty="0"/>
+            <a:endParaRPr lang="en-US" altLang="zh-CN" sz="2800" dirty="0"/>
+          </a:p>
+          <a:p>
+            <a:r>
+              <a:rPr lang="en-US" altLang="zh-CN" sz="2800" dirty="0"/>
               <a:t>if(c[len+1]!=0)</a:t>
             </a:r>
           </a:p>
           <a:p>
             <a:r>
-              <a:rPr lang="en-US" altLang="zh-CN" sz="2400" dirty="0"/>
+              <a:rPr lang="en-US" altLang="zh-CN" sz="2800" dirty="0"/>
               <a:t>        </a:t>
             </a:r>
             <a:r>
-              <a:rPr lang="en-US" altLang="zh-CN" sz="2400" dirty="0" err="1"/>
+              <a:rPr lang="en-US" altLang="zh-CN" sz="2800" dirty="0" err="1"/>
               <a:t>len</a:t>
             </a:r>
             <a:r>
-              <a:rPr lang="en-US" altLang="zh-CN" sz="2400" dirty="0"/>
+              <a:rPr lang="en-US" altLang="zh-CN" sz="2800" dirty="0"/>
               <a:t>++;</a:t>
             </a:r>
-            <a:endParaRPr lang="zh-CN" altLang="en-US" sz="2400" dirty="0"/>
+            <a:endParaRPr lang="zh-CN" altLang="en-US" sz="2800" dirty="0"/>
           </a:p>
         </p:txBody>
       </p:sp>
@@ -3957,7 +6833,7 @@
         </p:nvSpPr>
         <p:spPr>
           <a:xfrm>
-            <a:off x="5025190" y="1540331"/>
+            <a:off x="5109411" y="1096194"/>
             <a:ext cx="7082589" cy="4832092"/>
           </a:xfrm>
           <a:prstGeom prst="rect">
@@ -4092,31 +6968,6 @@
       </p:grpSpPr>
       <p:sp>
         <p:nvSpPr>
-          <p:cNvPr id="2" name="标题 1">
-            <a:extLst>
-              <a:ext uri="{FF2B5EF4-FFF2-40B4-BE49-F238E27FC236}">
-                <a16:creationId xmlns:a16="http://schemas.microsoft.com/office/drawing/2014/main" id="{8B6B3913-9ABF-4BC6-8535-44D85730B351}"/>
-              </a:ext>
-            </a:extLst>
-          </p:cNvPr>
-          <p:cNvSpPr>
-            <a:spLocks noGrp="1"/>
-          </p:cNvSpPr>
-          <p:nvPr>
-            <p:ph type="title"/>
-          </p:nvPr>
-        </p:nvSpPr>
-        <p:spPr/>
-        <p:txBody>
-          <a:bodyPr/>
-          <a:lstStyle/>
-          <a:p>
-            <a:endParaRPr lang="zh-CN" altLang="en-US"/>
-          </a:p>
-        </p:txBody>
-      </p:sp>
-      <p:sp>
-        <p:nvSpPr>
           <p:cNvPr id="3" name="内容占位符 2">
             <a:extLst>
               <a:ext uri="{FF2B5EF4-FFF2-40B4-BE49-F238E27FC236}">
@@ -4128,69 +6979,71 @@
             <a:spLocks noGrp="1"/>
           </p:cNvSpPr>
           <p:nvPr>
-            <p:ph idx="1"/>
+            <p:ph sz="quarter" idx="13"/>
           </p:nvPr>
         </p:nvSpPr>
         <p:spPr>
           <a:xfrm>
-            <a:off x="838200" y="1825625"/>
+            <a:off x="838200" y="1002665"/>
             <a:ext cx="3573379" cy="4351338"/>
           </a:xfrm>
         </p:spPr>
         <p:txBody>
-          <a:bodyPr/>
-          <a:lstStyle/>
-          <a:p>
-            <a:r>
-              <a:rPr lang="en-US" altLang="zh-CN" dirty="0"/>
+          <a:bodyPr>
+            <a:normAutofit/>
+          </a:bodyPr>
+          <a:lstStyle/>
+          <a:p>
+            <a:r>
+              <a:rPr lang="en-US" altLang="zh-CN" sz="3200" dirty="0"/>
               <a:t>1. </a:t>
             </a:r>
             <a:r>
-              <a:rPr lang="zh-CN" altLang="en-US" dirty="0"/>
+              <a:rPr lang="zh-CN" altLang="en-US" sz="3200" dirty="0"/>
               <a:t>字符串读入</a:t>
             </a:r>
-            <a:endParaRPr lang="en-US" altLang="zh-CN" dirty="0"/>
-          </a:p>
-          <a:p>
-            <a:r>
-              <a:rPr lang="en-US" altLang="zh-CN" dirty="0"/>
+            <a:endParaRPr lang="en-US" altLang="zh-CN" sz="3200" dirty="0"/>
+          </a:p>
+          <a:p>
+            <a:r>
+              <a:rPr lang="en-US" altLang="zh-CN" sz="3200" dirty="0"/>
               <a:t>2. </a:t>
             </a:r>
             <a:r>
-              <a:rPr lang="zh-CN" altLang="en-US" dirty="0"/>
+              <a:rPr lang="zh-CN" altLang="en-US" sz="3200" dirty="0"/>
               <a:t>字符串转数组</a:t>
             </a:r>
-            <a:endParaRPr lang="en-US" altLang="zh-CN" dirty="0"/>
-          </a:p>
-          <a:p>
-            <a:r>
-              <a:rPr lang="en-US" altLang="zh-CN" dirty="0"/>
+            <a:endParaRPr lang="en-US" altLang="zh-CN" sz="3200" dirty="0"/>
+          </a:p>
+          <a:p>
+            <a:r>
+              <a:rPr lang="en-US" altLang="zh-CN" sz="3200" dirty="0"/>
               <a:t>3. </a:t>
             </a:r>
             <a:r>
-              <a:rPr lang="zh-CN" altLang="en-US" dirty="0"/>
+              <a:rPr lang="zh-CN" altLang="en-US" sz="3200" dirty="0"/>
               <a:t>竖式减法</a:t>
             </a:r>
-            <a:endParaRPr lang="en-US" altLang="zh-CN" dirty="0"/>
-          </a:p>
-          <a:p>
-            <a:r>
-              <a:rPr lang="en-US" altLang="zh-CN" dirty="0"/>
+            <a:endParaRPr lang="en-US" altLang="zh-CN" sz="3200" dirty="0"/>
+          </a:p>
+          <a:p>
+            <a:r>
+              <a:rPr lang="en-US" altLang="zh-CN" sz="3200" dirty="0"/>
               <a:t>4. </a:t>
             </a:r>
             <a:r>
-              <a:rPr lang="zh-CN" altLang="en-US" dirty="0"/>
+              <a:rPr lang="zh-CN" altLang="en-US" sz="3200" dirty="0"/>
               <a:t>消前导零</a:t>
             </a:r>
-            <a:endParaRPr lang="en-US" altLang="zh-CN" dirty="0"/>
-          </a:p>
-          <a:p>
-            <a:r>
-              <a:rPr lang="en-US" altLang="zh-CN" dirty="0"/>
+            <a:endParaRPr lang="en-US" altLang="zh-CN" sz="3200" dirty="0"/>
+          </a:p>
+          <a:p>
+            <a:r>
+              <a:rPr lang="en-US" altLang="zh-CN" sz="3200" dirty="0"/>
               <a:t>5. </a:t>
             </a:r>
             <a:r>
-              <a:rPr lang="zh-CN" altLang="en-US" dirty="0"/>
+              <a:rPr lang="zh-CN" altLang="en-US" sz="3200" dirty="0"/>
               <a:t>倒序输出</a:t>
             </a:r>
           </a:p>
@@ -4210,8 +7063,8 @@
         </p:nvSpPr>
         <p:spPr>
           <a:xfrm>
-            <a:off x="5582653" y="1997839"/>
-            <a:ext cx="3769894" cy="3785652"/>
+            <a:off x="6079041" y="719673"/>
+            <a:ext cx="3769894" cy="4401205"/>
           </a:xfrm>
           <a:prstGeom prst="rect">
             <a:avLst/>
@@ -4225,111 +7078,111 @@
           <a:lstStyle/>
           <a:p>
             <a:r>
-              <a:rPr lang="pt-BR" altLang="zh-CN" sz="2400" dirty="0"/>
+              <a:rPr lang="pt-BR" altLang="zh-CN" sz="2800" dirty="0"/>
               <a:t>cin&gt;&gt;A&gt;&gt;B;</a:t>
             </a:r>
           </a:p>
           <a:p>
-            <a:endParaRPr lang="pt-BR" altLang="zh-CN" sz="2400" dirty="0"/>
-          </a:p>
-          <a:p>
-            <a:r>
-              <a:rPr lang="pt-BR" altLang="zh-CN" sz="2400" dirty="0"/>
+            <a:endParaRPr lang="pt-BR" altLang="zh-CN" sz="2800" dirty="0"/>
+          </a:p>
+          <a:p>
+            <a:r>
+              <a:rPr lang="pt-BR" altLang="zh-CN" sz="2800" dirty="0"/>
               <a:t>a[j++]=A[i]-’0’;</a:t>
             </a:r>
           </a:p>
           <a:p>
-            <a:endParaRPr lang="pt-BR" altLang="zh-CN" sz="2400" dirty="0"/>
-          </a:p>
-          <a:p>
-            <a:r>
-              <a:rPr lang="en-US" altLang="zh-CN" sz="2400" dirty="0"/>
+            <a:endParaRPr lang="pt-BR" altLang="zh-CN" sz="2800" dirty="0"/>
+          </a:p>
+          <a:p>
+            <a:r>
+              <a:rPr lang="en-US" altLang="zh-CN" sz="2800" dirty="0"/>
               <a:t>c[</a:t>
             </a:r>
             <a:r>
-              <a:rPr lang="en-US" altLang="zh-CN" sz="2400" dirty="0" err="1"/>
+              <a:rPr lang="en-US" altLang="zh-CN" sz="2800" dirty="0" err="1"/>
               <a:t>i</a:t>
             </a:r>
             <a:r>
-              <a:rPr lang="en-US" altLang="zh-CN" sz="2400" dirty="0"/>
+              <a:rPr lang="en-US" altLang="zh-CN" sz="2800" dirty="0"/>
               <a:t>]+=a[</a:t>
             </a:r>
             <a:r>
-              <a:rPr lang="en-US" altLang="zh-CN" sz="2400" dirty="0" err="1"/>
+              <a:rPr lang="en-US" altLang="zh-CN" sz="2800" dirty="0" err="1"/>
               <a:t>i</a:t>
             </a:r>
             <a:r>
-              <a:rPr lang="en-US" altLang="zh-CN" sz="2400" dirty="0"/>
+              <a:rPr lang="en-US" altLang="zh-CN" sz="2800" dirty="0"/>
               <a:t>]+b[</a:t>
             </a:r>
             <a:r>
-              <a:rPr lang="en-US" altLang="zh-CN" sz="2400" dirty="0" err="1"/>
+              <a:rPr lang="en-US" altLang="zh-CN" sz="2800" dirty="0" err="1"/>
               <a:t>i</a:t>
             </a:r>
             <a:r>
-              <a:rPr lang="en-US" altLang="zh-CN" sz="2400" dirty="0"/>
+              <a:rPr lang="en-US" altLang="zh-CN" sz="2800" dirty="0"/>
               <a:t>];</a:t>
             </a:r>
           </a:p>
           <a:p>
             <a:r>
-              <a:rPr lang="en-US" altLang="zh-CN" sz="2400" dirty="0"/>
+              <a:rPr lang="en-US" altLang="zh-CN" sz="2800" dirty="0"/>
               <a:t>c[i+1]+=c[</a:t>
             </a:r>
             <a:r>
-              <a:rPr lang="en-US" altLang="zh-CN" sz="2400" dirty="0" err="1"/>
+              <a:rPr lang="en-US" altLang="zh-CN" sz="2800" dirty="0" err="1"/>
               <a:t>i</a:t>
             </a:r>
             <a:r>
-              <a:rPr lang="en-US" altLang="zh-CN" sz="2400" dirty="0"/>
+              <a:rPr lang="en-US" altLang="zh-CN" sz="2800" dirty="0"/>
               <a:t>]/10;</a:t>
             </a:r>
           </a:p>
           <a:p>
             <a:r>
-              <a:rPr lang="en-US" altLang="zh-CN" sz="2400" dirty="0"/>
+              <a:rPr lang="en-US" altLang="zh-CN" sz="2800" dirty="0"/>
               <a:t>c[</a:t>
             </a:r>
             <a:r>
-              <a:rPr lang="en-US" altLang="zh-CN" sz="2400" dirty="0" err="1"/>
+              <a:rPr lang="en-US" altLang="zh-CN" sz="2800" dirty="0" err="1"/>
               <a:t>i</a:t>
             </a:r>
             <a:r>
-              <a:rPr lang="en-US" altLang="zh-CN" sz="2400" dirty="0"/>
+              <a:rPr lang="en-US" altLang="zh-CN" sz="2800" dirty="0"/>
               <a:t>]=c[</a:t>
             </a:r>
             <a:r>
-              <a:rPr lang="en-US" altLang="zh-CN" sz="2400" dirty="0" err="1"/>
+              <a:rPr lang="en-US" altLang="zh-CN" sz="2800" dirty="0" err="1"/>
               <a:t>i</a:t>
             </a:r>
             <a:r>
-              <a:rPr lang="en-US" altLang="zh-CN" sz="2400" dirty="0"/>
+              <a:rPr lang="en-US" altLang="zh-CN" sz="2800" dirty="0"/>
               <a:t>]%10;</a:t>
             </a:r>
           </a:p>
           <a:p>
-            <a:endParaRPr lang="en-US" altLang="zh-CN" sz="2400" dirty="0"/>
-          </a:p>
-          <a:p>
-            <a:r>
-              <a:rPr lang="en-US" altLang="zh-CN" sz="2400" dirty="0"/>
+            <a:endParaRPr lang="en-US" altLang="zh-CN" sz="2800" dirty="0"/>
+          </a:p>
+          <a:p>
+            <a:r>
+              <a:rPr lang="en-US" altLang="zh-CN" sz="2800" dirty="0"/>
               <a:t>if(c[len+1]!=0)</a:t>
             </a:r>
           </a:p>
           <a:p>
             <a:r>
-              <a:rPr lang="en-US" altLang="zh-CN" sz="2400" dirty="0"/>
+              <a:rPr lang="en-US" altLang="zh-CN" sz="2800" dirty="0"/>
               <a:t>        </a:t>
             </a:r>
             <a:r>
-              <a:rPr lang="en-US" altLang="zh-CN" sz="2400" dirty="0" err="1"/>
+              <a:rPr lang="en-US" altLang="zh-CN" sz="2800" dirty="0" err="1"/>
               <a:t>len</a:t>
             </a:r>
             <a:r>
-              <a:rPr lang="en-US" altLang="zh-CN" sz="2400" dirty="0"/>
+              <a:rPr lang="en-US" altLang="zh-CN" sz="2800" dirty="0"/>
               <a:t>++;</a:t>
             </a:r>
-            <a:endParaRPr lang="zh-CN" altLang="en-US" sz="2400" dirty="0"/>
+            <a:endParaRPr lang="zh-CN" altLang="en-US" sz="2800" dirty="0"/>
           </a:p>
         </p:txBody>
       </p:sp>
@@ -4594,9 +7447,9 @@
 </file>
 
 <file path=ppt/theme/theme1.xml><?xml version="1.0" encoding="utf-8"?>
-<a:theme xmlns:a="http://schemas.openxmlformats.org/drawingml/2006/main" name="Office 主题​​">
+<a:theme xmlns:a="http://schemas.openxmlformats.org/drawingml/2006/main" name="主要事件">
   <a:themeElements>
-    <a:clrScheme name="Office">
+    <a:clrScheme name="主要事件">
       <a:dk1>
         <a:sysClr val="windowText" lastClr="000000"/>
       </a:dk1>
@@ -4604,44 +7457,44 @@
         <a:sysClr val="window" lastClr="FFFFFF"/>
       </a:lt1>
       <a:dk2>
-        <a:srgbClr val="44546A"/>
+        <a:srgbClr val="424242"/>
       </a:dk2>
       <a:lt2>
-        <a:srgbClr val="E7E6E6"/>
+        <a:srgbClr val="C8C8C8"/>
       </a:lt2>
       <a:accent1>
-        <a:srgbClr val="4472C4"/>
+        <a:srgbClr val="B80E0F"/>
       </a:accent1>
       <a:accent2>
-        <a:srgbClr val="ED7D31"/>
+        <a:srgbClr val="A6987D"/>
       </a:accent2>
       <a:accent3>
-        <a:srgbClr val="A5A5A5"/>
+        <a:srgbClr val="7F9A71"/>
       </a:accent3>
       <a:accent4>
-        <a:srgbClr val="FFC000"/>
+        <a:srgbClr val="64969F"/>
       </a:accent4>
       <a:accent5>
-        <a:srgbClr val="5B9BD5"/>
+        <a:srgbClr val="9B75B2"/>
       </a:accent5>
       <a:accent6>
-        <a:srgbClr val="70AD47"/>
+        <a:srgbClr val="80737A"/>
       </a:accent6>
       <a:hlink>
-        <a:srgbClr val="0563C1"/>
+        <a:srgbClr val="F21213"/>
       </a:hlink>
       <a:folHlink>
-        <a:srgbClr val="954F72"/>
+        <a:srgbClr val="B6A394"/>
       </a:folHlink>
     </a:clrScheme>
-    <a:fontScheme name="Office">
+    <a:fontScheme name="主要事件">
       <a:majorFont>
-        <a:latin typeface="等线 Light" panose="020F0302020204030204"/>
+        <a:latin typeface="Impact" panose="020B0806030902050204"/>
         <a:ea typeface=""/>
         <a:cs typeface=""/>
-        <a:font script="Jpan" typeface="游ゴシック Light"/>
+        <a:font script="Jpan" typeface="ＭＳ Ｐゴシック"/>
         <a:font script="Hang" typeface="맑은 고딕"/>
-        <a:font script="Hans" typeface="等线 Light"/>
+        <a:font script="Hans" typeface="宋体"/>
         <a:font script="Hant" typeface="新細明體"/>
         <a:font script="Arab" typeface="Times New Roman"/>
         <a:font script="Hebr" typeface="Times New Roman"/>
@@ -4669,31 +7522,14 @@
         <a:font script="Viet" typeface="Times New Roman"/>
         <a:font script="Uigh" typeface="Microsoft Uighur"/>
         <a:font script="Geor" typeface="Sylfaen"/>
-        <a:font script="Armn" typeface="Arial"/>
-        <a:font script="Bugi" typeface="Leelawadee UI"/>
-        <a:font script="Bopo" typeface="Microsoft JhengHei"/>
-        <a:font script="Java" typeface="Javanese Text"/>
-        <a:font script="Lisu" typeface="Segoe UI"/>
-        <a:font script="Mymr" typeface="Myanmar Text"/>
-        <a:font script="Nkoo" typeface="Ebrima"/>
-        <a:font script="Olck" typeface="Nirmala UI"/>
-        <a:font script="Osma" typeface="Ebrima"/>
-        <a:font script="Phag" typeface="Phagspa"/>
-        <a:font script="Syrn" typeface="Estrangelo Edessa"/>
-        <a:font script="Syrj" typeface="Estrangelo Edessa"/>
-        <a:font script="Syre" typeface="Estrangelo Edessa"/>
-        <a:font script="Sora" typeface="Nirmala UI"/>
-        <a:font script="Tale" typeface="Microsoft Tai Le"/>
-        <a:font script="Talu" typeface="Microsoft New Tai Lue"/>
-        <a:font script="Tfng" typeface="Ebrima"/>
       </a:majorFont>
       <a:minorFont>
-        <a:latin typeface="等线" panose="020F0502020204030204"/>
+        <a:latin typeface="Impact" panose="020B0806030902050204"/>
         <a:ea typeface=""/>
         <a:cs typeface=""/>
-        <a:font script="Jpan" typeface="游ゴシック"/>
+        <a:font script="Jpan" typeface="ＭＳ Ｐゴシック"/>
         <a:font script="Hang" typeface="맑은 고딕"/>
-        <a:font script="Hans" typeface="等线"/>
+        <a:font script="Hans" typeface="宋体"/>
         <a:font script="Hant" typeface="新細明體"/>
         <a:font script="Arab" typeface="Arial"/>
         <a:font script="Hebr" typeface="Arial"/>
@@ -4721,104 +7557,53 @@
         <a:font script="Viet" typeface="Arial"/>
         <a:font script="Uigh" typeface="Microsoft Uighur"/>
         <a:font script="Geor" typeface="Sylfaen"/>
-        <a:font script="Armn" typeface="Arial"/>
-        <a:font script="Bugi" typeface="Leelawadee UI"/>
-        <a:font script="Bopo" typeface="Microsoft JhengHei"/>
-        <a:font script="Java" typeface="Javanese Text"/>
-        <a:font script="Lisu" typeface="Segoe UI"/>
-        <a:font script="Mymr" typeface="Myanmar Text"/>
-        <a:font script="Nkoo" typeface="Ebrima"/>
-        <a:font script="Olck" typeface="Nirmala UI"/>
-        <a:font script="Osma" typeface="Ebrima"/>
-        <a:font script="Phag" typeface="Phagspa"/>
-        <a:font script="Syrn" typeface="Estrangelo Edessa"/>
-        <a:font script="Syrj" typeface="Estrangelo Edessa"/>
-        <a:font script="Syre" typeface="Estrangelo Edessa"/>
-        <a:font script="Sora" typeface="Nirmala UI"/>
-        <a:font script="Tale" typeface="Microsoft Tai Le"/>
-        <a:font script="Talu" typeface="Microsoft New Tai Lue"/>
-        <a:font script="Tfng" typeface="Ebrima"/>
       </a:minorFont>
     </a:fontScheme>
-    <a:fmtScheme name="Office">
+    <a:fmtScheme name="主要事件">
       <a:fillStyleLst>
         <a:solidFill>
           <a:schemeClr val="phClr"/>
         </a:solidFill>
-        <a:gradFill rotWithShape="1">
-          <a:gsLst>
-            <a:gs pos="0">
+        <a:solidFill>
+          <a:schemeClr val="phClr">
+            <a:tint val="69000"/>
+            <a:satMod val="105000"/>
+            <a:lumMod val="110000"/>
+          </a:schemeClr>
+        </a:solidFill>
+        <a:blipFill>
+          <a:blip xmlns:r="http://schemas.openxmlformats.org/officeDocument/2006/relationships" r:embed="rId1">
+            <a:duotone>
               <a:schemeClr val="phClr">
-                <a:lumMod val="110000"/>
-                <a:satMod val="105000"/>
-                <a:tint val="67000"/>
+                <a:shade val="88000"/>
+                <a:lumMod val="88000"/>
               </a:schemeClr>
-            </a:gs>
-            <a:gs pos="50000">
-              <a:schemeClr val="phClr">
-                <a:lumMod val="105000"/>
-                <a:satMod val="103000"/>
-                <a:tint val="73000"/>
-              </a:schemeClr>
-            </a:gs>
-            <a:gs pos="100000">
-              <a:schemeClr val="phClr">
-                <a:lumMod val="105000"/>
-                <a:satMod val="109000"/>
-                <a:tint val="81000"/>
-              </a:schemeClr>
-            </a:gs>
-          </a:gsLst>
-          <a:lin ang="5400000" scaled="0"/>
-        </a:gradFill>
-        <a:gradFill rotWithShape="1">
-          <a:gsLst>
-            <a:gs pos="0">
-              <a:schemeClr val="phClr">
-                <a:satMod val="103000"/>
-                <a:lumMod val="102000"/>
-                <a:tint val="94000"/>
-              </a:schemeClr>
-            </a:gs>
-            <a:gs pos="50000">
-              <a:schemeClr val="phClr">
-                <a:satMod val="110000"/>
-                <a:lumMod val="100000"/>
-                <a:shade val="100000"/>
-              </a:schemeClr>
-            </a:gs>
-            <a:gs pos="100000">
-              <a:schemeClr val="phClr">
-                <a:lumMod val="99000"/>
-                <a:satMod val="120000"/>
-                <a:shade val="78000"/>
-              </a:schemeClr>
-            </a:gs>
-          </a:gsLst>
-          <a:lin ang="5400000" scaled="0"/>
-        </a:gradFill>
+              <a:schemeClr val="phClr"/>
+            </a:duotone>
+          </a:blip>
+          <a:tile tx="0" ty="0" sx="100000" sy="100000" flip="none" algn="tl"/>
+        </a:blipFill>
       </a:fillStyleLst>
       <a:lnStyleLst>
-        <a:ln w="6350" cap="flat" cmpd="sng" algn="ctr">
+        <a:ln w="9525" cap="flat" cmpd="sng" algn="ctr">
           <a:solidFill>
-            <a:schemeClr val="phClr"/>
+            <a:schemeClr val="phClr">
+              <a:shade val="60000"/>
+            </a:schemeClr>
           </a:solidFill>
           <a:prstDash val="solid"/>
-          <a:miter lim="800000"/>
-        </a:ln>
-        <a:ln w="12700" cap="flat" cmpd="sng" algn="ctr">
-          <a:solidFill>
-            <a:schemeClr val="phClr"/>
-          </a:solidFill>
-          <a:prstDash val="solid"/>
-          <a:miter lim="800000"/>
         </a:ln>
         <a:ln w="19050" cap="flat" cmpd="sng" algn="ctr">
           <a:solidFill>
             <a:schemeClr val="phClr"/>
           </a:solidFill>
           <a:prstDash val="solid"/>
-          <a:miter lim="800000"/>
+        </a:ln>
+        <a:ln w="25400" cap="flat" cmpd="sng" algn="ctr">
+          <a:solidFill>
+            <a:schemeClr val="phClr"/>
+          </a:solidFill>
+          <a:prstDash val="solid"/>
         </a:ln>
       </a:lnStyleLst>
       <a:effectStyleLst>
@@ -4830,9 +7615,9 @@
         </a:effectStyle>
         <a:effectStyle>
           <a:effectLst>
-            <a:outerShdw blurRad="57150" dist="19050" dir="5400000" algn="ctr" rotWithShape="0">
+            <a:outerShdw blurRad="25400" dist="12700" dir="5400000" rotWithShape="0">
               <a:srgbClr val="000000">
-                <a:alpha val="63000"/>
+                <a:alpha val="60000"/>
               </a:srgbClr>
             </a:outerShdw>
           </a:effectLst>
@@ -4842,39 +7627,39 @@
         <a:solidFill>
           <a:schemeClr val="phClr"/>
         </a:solidFill>
-        <a:solidFill>
-          <a:schemeClr val="phClr">
-            <a:tint val="95000"/>
-            <a:satMod val="170000"/>
-          </a:schemeClr>
-        </a:solidFill>
         <a:gradFill rotWithShape="1">
           <a:gsLst>
             <a:gs pos="0">
               <a:schemeClr val="phClr">
-                <a:tint val="93000"/>
-                <a:satMod val="150000"/>
-                <a:shade val="98000"/>
-                <a:lumMod val="102000"/>
-              </a:schemeClr>
-            </a:gs>
-            <a:gs pos="50000">
-              <a:schemeClr val="phClr">
-                <a:tint val="98000"/>
-                <a:satMod val="130000"/>
-                <a:shade val="90000"/>
-                <a:lumMod val="103000"/>
+                <a:tint val="90000"/>
+                <a:lumMod val="110000"/>
               </a:schemeClr>
             </a:gs>
             <a:gs pos="100000">
               <a:schemeClr val="phClr">
-                <a:shade val="63000"/>
-                <a:satMod val="120000"/>
+                <a:shade val="88000"/>
+                <a:lumMod val="88000"/>
               </a:schemeClr>
             </a:gs>
           </a:gsLst>
           <a:lin ang="5400000" scaled="0"/>
         </a:gradFill>
+        <a:blipFill>
+          <a:blip xmlns:r="http://schemas.openxmlformats.org/officeDocument/2006/relationships" r:embed="rId2">
+            <a:duotone>
+              <a:schemeClr val="phClr">
+                <a:shade val="48000"/>
+                <a:satMod val="110000"/>
+                <a:lumMod val="40000"/>
+              </a:schemeClr>
+              <a:schemeClr val="phClr">
+                <a:tint val="90000"/>
+                <a:lumMod val="106000"/>
+              </a:schemeClr>
+            </a:duotone>
+          </a:blip>
+          <a:stretch/>
+        </a:blipFill>
       </a:bgFillStyleLst>
     </a:fmtScheme>
   </a:themeElements>
@@ -4882,7 +7667,7 @@
   <a:extraClrSchemeLst/>
   <a:extLst>
     <a:ext uri="{05A4C25C-085E-4340-85A3-A5531E510DB2}">
-      <thm15:themeFamily xmlns:thm15="http://schemas.microsoft.com/office/thememl/2012/main" name="Office Theme" id="{62F939B6-93AF-4DB8-9C6B-D6C7DFDC589F}" vid="{4A3C46E8-61CC-4603-A589-7422A47A8E4A}"/>
+      <thm15:themeFamily xmlns:thm15="http://schemas.microsoft.com/office/thememl/2012/main" name="Main Event" id="{AC372BB4-D83D-411E-B849-B641926BA760}" vid="{F1EFBDE3-1A95-4E3D-81AD-1F53D65BEA01}"/>
     </a:ext>
   </a:extLst>
 </a:theme>
